--- a/기획 PPT 및 피드백/4조 final_project 200320.pptx
+++ b/기획 PPT 및 피드백/4조 final_project 200320.pptx
@@ -208,7 +208,7 @@
           <a:p>
             <a:fld id="{FC3DB055-1117-4D2D-85F1-AED5D95D945E}" type="datetimeFigureOut">
               <a:rPr lang="ko-KR" altLang="en-US" smtClean="0"/>
-              <a:t>2020-03-20</a:t>
+              <a:t>2020-03-23</a:t>
             </a:fld>
             <a:endParaRPr lang="ko-KR" altLang="en-US"/>
           </a:p>
@@ -607,7 +607,7 @@
           <a:p>
             <a:fld id="{136852BE-1F73-4538-B5E7-B15699C3C920}" type="datetimeFigureOut">
               <a:rPr lang="ko-KR" altLang="en-US" smtClean="0"/>
-              <a:t>2020-03-20</a:t>
+              <a:t>2020-03-23</a:t>
             </a:fld>
             <a:endParaRPr lang="ko-KR" altLang="en-US"/>
           </a:p>
@@ -777,7 +777,7 @@
           <a:p>
             <a:fld id="{136852BE-1F73-4538-B5E7-B15699C3C920}" type="datetimeFigureOut">
               <a:rPr lang="ko-KR" altLang="en-US" smtClean="0"/>
-              <a:t>2020-03-20</a:t>
+              <a:t>2020-03-23</a:t>
             </a:fld>
             <a:endParaRPr lang="ko-KR" altLang="en-US"/>
           </a:p>
@@ -957,7 +957,7 @@
           <a:p>
             <a:fld id="{136852BE-1F73-4538-B5E7-B15699C3C920}" type="datetimeFigureOut">
               <a:rPr lang="ko-KR" altLang="en-US" smtClean="0"/>
-              <a:t>2020-03-20</a:t>
+              <a:t>2020-03-23</a:t>
             </a:fld>
             <a:endParaRPr lang="ko-KR" altLang="en-US"/>
           </a:p>
@@ -1127,7 +1127,7 @@
           <a:p>
             <a:fld id="{136852BE-1F73-4538-B5E7-B15699C3C920}" type="datetimeFigureOut">
               <a:rPr lang="ko-KR" altLang="en-US" smtClean="0"/>
-              <a:t>2020-03-20</a:t>
+              <a:t>2020-03-23</a:t>
             </a:fld>
             <a:endParaRPr lang="ko-KR" altLang="en-US"/>
           </a:p>
@@ -1373,7 +1373,7 @@
           <a:p>
             <a:fld id="{136852BE-1F73-4538-B5E7-B15699C3C920}" type="datetimeFigureOut">
               <a:rPr lang="ko-KR" altLang="en-US" smtClean="0"/>
-              <a:t>2020-03-20</a:t>
+              <a:t>2020-03-23</a:t>
             </a:fld>
             <a:endParaRPr lang="ko-KR" altLang="en-US"/>
           </a:p>
@@ -1605,7 +1605,7 @@
           <a:p>
             <a:fld id="{136852BE-1F73-4538-B5E7-B15699C3C920}" type="datetimeFigureOut">
               <a:rPr lang="ko-KR" altLang="en-US" smtClean="0"/>
-              <a:t>2020-03-20</a:t>
+              <a:t>2020-03-23</a:t>
             </a:fld>
             <a:endParaRPr lang="ko-KR" altLang="en-US"/>
           </a:p>
@@ -1972,7 +1972,7 @@
           <a:p>
             <a:fld id="{136852BE-1F73-4538-B5E7-B15699C3C920}" type="datetimeFigureOut">
               <a:rPr lang="ko-KR" altLang="en-US" smtClean="0"/>
-              <a:t>2020-03-20</a:t>
+              <a:t>2020-03-23</a:t>
             </a:fld>
             <a:endParaRPr lang="ko-KR" altLang="en-US"/>
           </a:p>
@@ -2090,7 +2090,7 @@
           <a:p>
             <a:fld id="{136852BE-1F73-4538-B5E7-B15699C3C920}" type="datetimeFigureOut">
               <a:rPr lang="ko-KR" altLang="en-US" smtClean="0"/>
-              <a:t>2020-03-20</a:t>
+              <a:t>2020-03-23</a:t>
             </a:fld>
             <a:endParaRPr lang="ko-KR" altLang="en-US"/>
           </a:p>
@@ -2185,7 +2185,7 @@
           <a:p>
             <a:fld id="{136852BE-1F73-4538-B5E7-B15699C3C920}" type="datetimeFigureOut">
               <a:rPr lang="ko-KR" altLang="en-US" smtClean="0"/>
-              <a:t>2020-03-20</a:t>
+              <a:t>2020-03-23</a:t>
             </a:fld>
             <a:endParaRPr lang="ko-KR" altLang="en-US"/>
           </a:p>
@@ -2462,7 +2462,7 @@
           <a:p>
             <a:fld id="{136852BE-1F73-4538-B5E7-B15699C3C920}" type="datetimeFigureOut">
               <a:rPr lang="ko-KR" altLang="en-US" smtClean="0"/>
-              <a:t>2020-03-20</a:t>
+              <a:t>2020-03-23</a:t>
             </a:fld>
             <a:endParaRPr lang="ko-KR" altLang="en-US"/>
           </a:p>
@@ -2715,7 +2715,7 @@
           <a:p>
             <a:fld id="{136852BE-1F73-4538-B5E7-B15699C3C920}" type="datetimeFigureOut">
               <a:rPr lang="ko-KR" altLang="en-US" smtClean="0"/>
-              <a:t>2020-03-20</a:t>
+              <a:t>2020-03-23</a:t>
             </a:fld>
             <a:endParaRPr lang="ko-KR" altLang="en-US"/>
           </a:p>
@@ -2928,7 +2928,7 @@
           <a:p>
             <a:fld id="{136852BE-1F73-4538-B5E7-B15699C3C920}" type="datetimeFigureOut">
               <a:rPr lang="ko-KR" altLang="en-US" smtClean="0"/>
-              <a:t>2020-03-20</a:t>
+              <a:t>2020-03-23</a:t>
             </a:fld>
             <a:endParaRPr lang="ko-KR" altLang="en-US"/>
           </a:p>
@@ -3831,7 +3831,7 @@
           <p:cNvPr id="20" name="TextBox 19">
             <a:extLst>
               <a:ext uri="{FF2B5EF4-FFF2-40B4-BE49-F238E27FC236}">
-                <a16:creationId xmlns:a16="http://schemas.microsoft.com/office/drawing/2014/main" xmlns="" id="{5191B7C8-3FAD-486A-8579-D0EF3AB1F3F7}"/>
+                <a16:creationId xmlns="" xmlns:a16="http://schemas.microsoft.com/office/drawing/2014/main" id="{5191B7C8-3FAD-486A-8579-D0EF3AB1F3F7}"/>
               </a:ext>
             </a:extLst>
           </p:cNvPr>
@@ -3952,7 +3952,7 @@
           <p:cNvPr id="21" name="TextBox 20">
             <a:extLst>
               <a:ext uri="{FF2B5EF4-FFF2-40B4-BE49-F238E27FC236}">
-                <a16:creationId xmlns:a16="http://schemas.microsoft.com/office/drawing/2014/main" xmlns="" id="{4292DB72-6D66-428C-B3E4-5D7E7B062215}"/>
+                <a16:creationId xmlns="" xmlns:a16="http://schemas.microsoft.com/office/drawing/2014/main" id="{4292DB72-6D66-428C-B3E4-5D7E7B062215}"/>
               </a:ext>
             </a:extLst>
           </p:cNvPr>
@@ -4294,7 +4294,7 @@
           <p:cNvPr id="12" name="TextBox 11">
             <a:extLst>
               <a:ext uri="{FF2B5EF4-FFF2-40B4-BE49-F238E27FC236}">
-                <a16:creationId xmlns:a16="http://schemas.microsoft.com/office/drawing/2014/main" xmlns="" id="{FADD5F63-4AF7-48AE-838F-1AA8156BB3C4}"/>
+                <a16:creationId xmlns="" xmlns:a16="http://schemas.microsoft.com/office/drawing/2014/main" id="{FADD5F63-4AF7-48AE-838F-1AA8156BB3C4}"/>
               </a:ext>
             </a:extLst>
           </p:cNvPr>
@@ -4418,31 +4418,7 @@
                   <a:schemeClr val="bg1"/>
                 </a:solidFill>
               </a:rPr>
-              <a:t>프로젝트 </a:t>
-            </a:r>
-            <a:r>
-              <a:rPr lang="ko-KR" altLang="en-US" sz="2400" b="1" dirty="0" smtClean="0">
-                <a:solidFill>
-                  <a:schemeClr val="bg1"/>
-                </a:solidFill>
-              </a:rPr>
-              <a:t>서비스 </a:t>
-            </a:r>
-            <a:r>
-              <a:rPr lang="ko-KR" altLang="en-US" sz="2400" b="1" dirty="0" smtClean="0">
-                <a:solidFill>
-                  <a:schemeClr val="bg1"/>
-                </a:solidFill>
-              </a:rPr>
-              <a:t>구현</a:t>
-            </a:r>
-            <a:r>
-              <a:rPr lang="ko-KR" altLang="en-US" sz="2400" b="1" dirty="0" smtClean="0">
-                <a:solidFill>
-                  <a:schemeClr val="bg1"/>
-                </a:solidFill>
-              </a:rPr>
-              <a:t> </a:t>
+              <a:t>프로젝트 서비스 구현 </a:t>
             </a:r>
             <a:r>
               <a:rPr lang="en-US" altLang="ko-KR" sz="2400" b="1" dirty="0" smtClean="0">
@@ -5035,7 +5011,7 @@
           <p:cNvPr id="49" name="TextBox 48">
             <a:extLst>
               <a:ext uri="{FF2B5EF4-FFF2-40B4-BE49-F238E27FC236}">
-                <a16:creationId xmlns:a16="http://schemas.microsoft.com/office/drawing/2014/main" xmlns="" id="{FADD5F63-4AF7-48AE-838F-1AA8156BB3C4}"/>
+                <a16:creationId xmlns="" xmlns:a16="http://schemas.microsoft.com/office/drawing/2014/main" id="{FADD5F63-4AF7-48AE-838F-1AA8156BB3C4}"/>
               </a:ext>
             </a:extLst>
           </p:cNvPr>
@@ -5218,7 +5194,7 @@
               <p:cNvPr id="39" name="TextBox 38">
                 <a:extLst>
                   <a:ext uri="{FF2B5EF4-FFF2-40B4-BE49-F238E27FC236}">
-                    <a16:creationId xmlns:a16="http://schemas.microsoft.com/office/drawing/2014/main" xmlns="" id="{FADD5F63-4AF7-48AE-838F-1AA8156BB3C4}"/>
+                    <a16:creationId xmlns="" xmlns:a16="http://schemas.microsoft.com/office/drawing/2014/main" id="{FADD5F63-4AF7-48AE-838F-1AA8156BB3C4}"/>
                   </a:ext>
                 </a:extLst>
               </p:cNvPr>
@@ -5281,7 +5257,7 @@
             <p:cNvPr id="41" name="TextBox 40">
               <a:extLst>
                 <a:ext uri="{FF2B5EF4-FFF2-40B4-BE49-F238E27FC236}">
-                  <a16:creationId xmlns:a16="http://schemas.microsoft.com/office/drawing/2014/main" xmlns="" id="{FADD5F63-4AF7-48AE-838F-1AA8156BB3C4}"/>
+                  <a16:creationId xmlns="" xmlns:a16="http://schemas.microsoft.com/office/drawing/2014/main" id="{FADD5F63-4AF7-48AE-838F-1AA8156BB3C4}"/>
                 </a:ext>
               </a:extLst>
             </p:cNvPr>
@@ -5570,7 +5546,7 @@
             <p:cNvPr id="46" name="TextBox 45">
               <a:extLst>
                 <a:ext uri="{FF2B5EF4-FFF2-40B4-BE49-F238E27FC236}">
-                  <a16:creationId xmlns:a16="http://schemas.microsoft.com/office/drawing/2014/main" xmlns="" id="{FADD5F63-4AF7-48AE-838F-1AA8156BB3C4}"/>
+                  <a16:creationId xmlns="" xmlns:a16="http://schemas.microsoft.com/office/drawing/2014/main" id="{FADD5F63-4AF7-48AE-838F-1AA8156BB3C4}"/>
                 </a:ext>
               </a:extLst>
             </p:cNvPr>
@@ -5871,7 +5847,7 @@
             <p:cNvPr id="51" name="TextBox 50">
               <a:extLst>
                 <a:ext uri="{FF2B5EF4-FFF2-40B4-BE49-F238E27FC236}">
-                  <a16:creationId xmlns:a16="http://schemas.microsoft.com/office/drawing/2014/main" xmlns="" id="{FADD5F63-4AF7-48AE-838F-1AA8156BB3C4}"/>
+                  <a16:creationId xmlns="" xmlns:a16="http://schemas.microsoft.com/office/drawing/2014/main" id="{FADD5F63-4AF7-48AE-838F-1AA8156BB3C4}"/>
                 </a:ext>
               </a:extLst>
             </p:cNvPr>
@@ -5974,7 +5950,7 @@
           <p:cNvPr id="52" name="TextBox 51">
             <a:extLst>
               <a:ext uri="{FF2B5EF4-FFF2-40B4-BE49-F238E27FC236}">
-                <a16:creationId xmlns:a16="http://schemas.microsoft.com/office/drawing/2014/main" xmlns="" id="{FADD5F63-4AF7-48AE-838F-1AA8156BB3C4}"/>
+                <a16:creationId xmlns="" xmlns:a16="http://schemas.microsoft.com/office/drawing/2014/main" id="{FADD5F63-4AF7-48AE-838F-1AA8156BB3C4}"/>
               </a:ext>
             </a:extLst>
           </p:cNvPr>
@@ -6300,7 +6276,7 @@
           <p:cNvPr id="12" name="TextBox 11">
             <a:extLst>
               <a:ext uri="{FF2B5EF4-FFF2-40B4-BE49-F238E27FC236}">
-                <a16:creationId xmlns:a16="http://schemas.microsoft.com/office/drawing/2014/main" xmlns="" id="{FADD5F63-4AF7-48AE-838F-1AA8156BB3C4}"/>
+                <a16:creationId xmlns="" xmlns:a16="http://schemas.microsoft.com/office/drawing/2014/main" id="{FADD5F63-4AF7-48AE-838F-1AA8156BB3C4}"/>
               </a:ext>
             </a:extLst>
           </p:cNvPr>
@@ -6401,7 +6377,7 @@
           <p:cNvPr id="18" name="TextBox 17">
             <a:extLst>
               <a:ext uri="{FF2B5EF4-FFF2-40B4-BE49-F238E27FC236}">
-                <a16:creationId xmlns:a16="http://schemas.microsoft.com/office/drawing/2014/main" xmlns="" id="{FADD5F63-4AF7-48AE-838F-1AA8156BB3C4}"/>
+                <a16:creationId xmlns="" xmlns:a16="http://schemas.microsoft.com/office/drawing/2014/main" id="{FADD5F63-4AF7-48AE-838F-1AA8156BB3C4}"/>
               </a:ext>
             </a:extLst>
           </p:cNvPr>
@@ -6465,7 +6441,7 @@
           <p:cNvPr id="19" name="TextBox 18">
             <a:extLst>
               <a:ext uri="{FF2B5EF4-FFF2-40B4-BE49-F238E27FC236}">
-                <a16:creationId xmlns:a16="http://schemas.microsoft.com/office/drawing/2014/main" xmlns="" id="{FADD5F63-4AF7-48AE-838F-1AA8156BB3C4}"/>
+                <a16:creationId xmlns="" xmlns:a16="http://schemas.microsoft.com/office/drawing/2014/main" id="{FADD5F63-4AF7-48AE-838F-1AA8156BB3C4}"/>
               </a:ext>
             </a:extLst>
           </p:cNvPr>
@@ -6608,7 +6584,7 @@
           <p:cNvPr id="20" name="TextBox 19">
             <a:extLst>
               <a:ext uri="{FF2B5EF4-FFF2-40B4-BE49-F238E27FC236}">
-                <a16:creationId xmlns:a16="http://schemas.microsoft.com/office/drawing/2014/main" xmlns="" id="{FADD5F63-4AF7-48AE-838F-1AA8156BB3C4}"/>
+                <a16:creationId xmlns="" xmlns:a16="http://schemas.microsoft.com/office/drawing/2014/main" id="{FADD5F63-4AF7-48AE-838F-1AA8156BB3C4}"/>
               </a:ext>
             </a:extLst>
           </p:cNvPr>
@@ -7217,7 +7193,7 @@
           <p:cNvPr id="13" name="TextBox 12">
             <a:extLst>
               <a:ext uri="{FF2B5EF4-FFF2-40B4-BE49-F238E27FC236}">
-                <a16:creationId xmlns:a16="http://schemas.microsoft.com/office/drawing/2014/main" xmlns="" id="{FADD5F63-4AF7-48AE-838F-1AA8156BB3C4}"/>
+                <a16:creationId xmlns="" xmlns:a16="http://schemas.microsoft.com/office/drawing/2014/main" id="{FADD5F63-4AF7-48AE-838F-1AA8156BB3C4}"/>
               </a:ext>
             </a:extLst>
           </p:cNvPr>
@@ -7478,7 +7454,7 @@
           <p:cNvPr id="14" name="TextBox 13">
             <a:extLst>
               <a:ext uri="{FF2B5EF4-FFF2-40B4-BE49-F238E27FC236}">
-                <a16:creationId xmlns:a16="http://schemas.microsoft.com/office/drawing/2014/main" xmlns="" id="{FADD5F63-4AF7-48AE-838F-1AA8156BB3C4}"/>
+                <a16:creationId xmlns="" xmlns:a16="http://schemas.microsoft.com/office/drawing/2014/main" id="{FADD5F63-4AF7-48AE-838F-1AA8156BB3C4}"/>
               </a:ext>
             </a:extLst>
           </p:cNvPr>
@@ -7537,7 +7513,7 @@
           <p:cNvPr id="17" name="TextBox 16">
             <a:extLst>
               <a:ext uri="{FF2B5EF4-FFF2-40B4-BE49-F238E27FC236}">
-                <a16:creationId xmlns:a16="http://schemas.microsoft.com/office/drawing/2014/main" xmlns="" id="{FADD5F63-4AF7-48AE-838F-1AA8156BB3C4}"/>
+                <a16:creationId xmlns="" xmlns:a16="http://schemas.microsoft.com/office/drawing/2014/main" id="{FADD5F63-4AF7-48AE-838F-1AA8156BB3C4}"/>
               </a:ext>
             </a:extLst>
           </p:cNvPr>
@@ -7808,7 +7784,7 @@
           <p:cNvPr id="24" name="TextBox 23">
             <a:extLst>
               <a:ext uri="{FF2B5EF4-FFF2-40B4-BE49-F238E27FC236}">
-                <a16:creationId xmlns="" xmlns:a16="http://schemas.microsoft.com/office/drawing/2014/main" id="{FADD5F63-4AF7-48AE-838F-1AA8156BB3C4}"/>
+                <a16:creationId xmlns:a16="http://schemas.microsoft.com/office/drawing/2014/main" xmlns="" id="{FADD5F63-4AF7-48AE-838F-1AA8156BB3C4}"/>
               </a:ext>
             </a:extLst>
           </p:cNvPr>
@@ -7972,7 +7948,7 @@
           <p:cNvPr id="28" name="TextBox 27">
             <a:extLst>
               <a:ext uri="{FF2B5EF4-FFF2-40B4-BE49-F238E27FC236}">
-                <a16:creationId xmlns="" xmlns:a16="http://schemas.microsoft.com/office/drawing/2014/main" id="{FADD5F63-4AF7-48AE-838F-1AA8156BB3C4}"/>
+                <a16:creationId xmlns:a16="http://schemas.microsoft.com/office/drawing/2014/main" xmlns="" id="{FADD5F63-4AF7-48AE-838F-1AA8156BB3C4}"/>
               </a:ext>
             </a:extLst>
           </p:cNvPr>
@@ -8040,7 +8016,7 @@
           <p:cNvPr id="29" name="TextBox 28">
             <a:extLst>
               <a:ext uri="{FF2B5EF4-FFF2-40B4-BE49-F238E27FC236}">
-                <a16:creationId xmlns="" xmlns:a16="http://schemas.microsoft.com/office/drawing/2014/main" id="{FADD5F63-4AF7-48AE-838F-1AA8156BB3C4}"/>
+                <a16:creationId xmlns:a16="http://schemas.microsoft.com/office/drawing/2014/main" xmlns="" id="{FADD5F63-4AF7-48AE-838F-1AA8156BB3C4}"/>
               </a:ext>
             </a:extLst>
           </p:cNvPr>
@@ -8186,7 +8162,7 @@
           <p:cNvPr id="32" name="TextBox 31">
             <a:extLst>
               <a:ext uri="{FF2B5EF4-FFF2-40B4-BE49-F238E27FC236}">
-                <a16:creationId xmlns:a16="http://schemas.microsoft.com/office/drawing/2014/main" xmlns="" id="{FADD5F63-4AF7-48AE-838F-1AA8156BB3C4}"/>
+                <a16:creationId xmlns="" xmlns:a16="http://schemas.microsoft.com/office/drawing/2014/main" id="{FADD5F63-4AF7-48AE-838F-1AA8156BB3C4}"/>
               </a:ext>
             </a:extLst>
           </p:cNvPr>
@@ -8254,7 +8230,7 @@
           <p:cNvPr id="33" name="TextBox 32">
             <a:extLst>
               <a:ext uri="{FF2B5EF4-FFF2-40B4-BE49-F238E27FC236}">
-                <a16:creationId xmlns:a16="http://schemas.microsoft.com/office/drawing/2014/main" xmlns="" id="{FADD5F63-4AF7-48AE-838F-1AA8156BB3C4}"/>
+                <a16:creationId xmlns="" xmlns:a16="http://schemas.microsoft.com/office/drawing/2014/main" id="{FADD5F63-4AF7-48AE-838F-1AA8156BB3C4}"/>
               </a:ext>
             </a:extLst>
           </p:cNvPr>
@@ -8408,7 +8384,7 @@
           <p:cNvPr id="34" name="TextBox 33">
             <a:extLst>
               <a:ext uri="{FF2B5EF4-FFF2-40B4-BE49-F238E27FC236}">
-                <a16:creationId xmlns="" xmlns:a16="http://schemas.microsoft.com/office/drawing/2014/main" id="{FADD5F63-4AF7-48AE-838F-1AA8156BB3C4}"/>
+                <a16:creationId xmlns:a16="http://schemas.microsoft.com/office/drawing/2014/main" xmlns="" id="{FADD5F63-4AF7-48AE-838F-1AA8156BB3C4}"/>
               </a:ext>
             </a:extLst>
           </p:cNvPr>
@@ -8476,7 +8452,7 @@
           <p:cNvPr id="35" name="TextBox 34">
             <a:extLst>
               <a:ext uri="{FF2B5EF4-FFF2-40B4-BE49-F238E27FC236}">
-                <a16:creationId xmlns="" xmlns:a16="http://schemas.microsoft.com/office/drawing/2014/main" id="{FADD5F63-4AF7-48AE-838F-1AA8156BB3C4}"/>
+                <a16:creationId xmlns:a16="http://schemas.microsoft.com/office/drawing/2014/main" xmlns="" id="{FADD5F63-4AF7-48AE-838F-1AA8156BB3C4}"/>
               </a:ext>
             </a:extLst>
           </p:cNvPr>
@@ -8568,7 +8544,7 @@
           <p:cNvPr id="36" name="TextBox 35">
             <a:extLst>
               <a:ext uri="{FF2B5EF4-FFF2-40B4-BE49-F238E27FC236}">
-                <a16:creationId xmlns="" xmlns:a16="http://schemas.microsoft.com/office/drawing/2014/main" id="{FADD5F63-4AF7-48AE-838F-1AA8156BB3C4}"/>
+                <a16:creationId xmlns:a16="http://schemas.microsoft.com/office/drawing/2014/main" xmlns="" id="{FADD5F63-4AF7-48AE-838F-1AA8156BB3C4}"/>
               </a:ext>
             </a:extLst>
           </p:cNvPr>
@@ -8648,7 +8624,7 @@
           <p:cNvPr id="37" name="TextBox 36">
             <a:extLst>
               <a:ext uri="{FF2B5EF4-FFF2-40B4-BE49-F238E27FC236}">
-                <a16:creationId xmlns="" xmlns:a16="http://schemas.microsoft.com/office/drawing/2014/main" id="{FADD5F63-4AF7-48AE-838F-1AA8156BB3C4}"/>
+                <a16:creationId xmlns:a16="http://schemas.microsoft.com/office/drawing/2014/main" xmlns="" id="{FADD5F63-4AF7-48AE-838F-1AA8156BB3C4}"/>
               </a:ext>
             </a:extLst>
           </p:cNvPr>
@@ -9078,15 +9054,7 @@
                   <a:schemeClr val="bg1"/>
                 </a:solidFill>
               </a:rPr>
-              <a:t>프로젝트 </a:t>
-            </a:r>
-            <a:r>
-              <a:rPr lang="ko-KR" altLang="en-US" sz="2400" b="1" dirty="0" smtClean="0">
-                <a:solidFill>
-                  <a:schemeClr val="bg1"/>
-                </a:solidFill>
-              </a:rPr>
-              <a:t>진행 상황</a:t>
+              <a:t>프로젝트 진행 상황</a:t>
             </a:r>
             <a:endParaRPr lang="ko-KR" altLang="en-US" sz="2400" b="1" dirty="0">
               <a:solidFill>
@@ -9101,7 +9069,7 @@
           <p:cNvPr id="9" name="TextBox 8">
             <a:extLst>
               <a:ext uri="{FF2B5EF4-FFF2-40B4-BE49-F238E27FC236}">
-                <a16:creationId xmlns:a16="http://schemas.microsoft.com/office/drawing/2014/main" xmlns="" id="{FADD5F63-4AF7-48AE-838F-1AA8156BB3C4}"/>
+                <a16:creationId xmlns="" xmlns:a16="http://schemas.microsoft.com/office/drawing/2014/main" id="{FADD5F63-4AF7-48AE-838F-1AA8156BB3C4}"/>
               </a:ext>
             </a:extLst>
           </p:cNvPr>
@@ -9241,7 +9209,7 @@
           <p:cNvPr id="11" name="TextBox 10">
             <a:extLst>
               <a:ext uri="{FF2B5EF4-FFF2-40B4-BE49-F238E27FC236}">
-                <a16:creationId xmlns:a16="http://schemas.microsoft.com/office/drawing/2014/main" xmlns="" id="{FADD5F63-4AF7-48AE-838F-1AA8156BB3C4}"/>
+                <a16:creationId xmlns="" xmlns:a16="http://schemas.microsoft.com/office/drawing/2014/main" id="{FADD5F63-4AF7-48AE-838F-1AA8156BB3C4}"/>
               </a:ext>
             </a:extLst>
           </p:cNvPr>
@@ -9292,43 +9260,7 @@
                 </a:solidFill>
                 <a:latin typeface="+mn-ea"/>
               </a:rPr>
-              <a:t>이 가설을 </a:t>
-            </a:r>
-            <a:r>
-              <a:rPr lang="ko-KR" altLang="en-US" b="1" spc="-60" dirty="0" smtClean="0">
-                <a:solidFill>
-                  <a:schemeClr val="tx1">
-                    <a:lumMod val="65000"/>
-                    <a:lumOff val="35000"/>
-                  </a:schemeClr>
-                </a:solidFill>
-                <a:latin typeface="+mn-ea"/>
-              </a:rPr>
-              <a:t>뒷받침할 수 </a:t>
-            </a:r>
-            <a:r>
-              <a:rPr lang="ko-KR" altLang="en-US" b="1" spc="-60" dirty="0" smtClean="0">
-                <a:solidFill>
-                  <a:schemeClr val="tx1">
-                    <a:lumMod val="65000"/>
-                    <a:lumOff val="35000"/>
-                  </a:schemeClr>
-                </a:solidFill>
-                <a:latin typeface="+mn-ea"/>
-              </a:rPr>
-              <a:t>있는 </a:t>
-            </a:r>
-            <a:r>
-              <a:rPr lang="ko-KR" altLang="en-US" b="1" spc="-60" dirty="0" smtClean="0">
-                <a:solidFill>
-                  <a:schemeClr val="tx1">
-                    <a:lumMod val="65000"/>
-                    <a:lumOff val="35000"/>
-                  </a:schemeClr>
-                </a:solidFill>
-                <a:latin typeface="+mn-ea"/>
-              </a:rPr>
-              <a:t>자료</a:t>
+              <a:t>이 가설을 뒷받침할 수 있는 자료</a:t>
             </a:r>
             <a:r>
               <a:rPr lang="en-US" altLang="ko-KR" b="1" spc="-60" dirty="0" smtClean="0">
@@ -9340,19 +9272,7 @@
                 </a:solidFill>
                 <a:latin typeface="+mn-ea"/>
               </a:rPr>
-              <a:t> </a:t>
-            </a:r>
-            <a:r>
-              <a:rPr lang="en-US" altLang="ko-KR" b="1" spc="-60" dirty="0" smtClean="0">
-                <a:solidFill>
-                  <a:schemeClr val="tx1">
-                    <a:lumMod val="65000"/>
-                    <a:lumOff val="35000"/>
-                  </a:schemeClr>
-                </a:solidFill>
-                <a:latin typeface="+mn-ea"/>
-              </a:rPr>
-              <a:t>(</a:t>
+              <a:t> (</a:t>
             </a:r>
             <a:r>
               <a:rPr lang="ko-KR" altLang="en-US" b="1" spc="-60" dirty="0" smtClean="0">
@@ -9428,7 +9348,7 @@
           <p:cNvPr id="12" name="TextBox 11">
             <a:extLst>
               <a:ext uri="{FF2B5EF4-FFF2-40B4-BE49-F238E27FC236}">
-                <a16:creationId xmlns:a16="http://schemas.microsoft.com/office/drawing/2014/main" xmlns="" id="{FADD5F63-4AF7-48AE-838F-1AA8156BB3C4}"/>
+                <a16:creationId xmlns="" xmlns:a16="http://schemas.microsoft.com/office/drawing/2014/main" id="{FADD5F63-4AF7-48AE-838F-1AA8156BB3C4}"/>
               </a:ext>
             </a:extLst>
           </p:cNvPr>
@@ -9537,7 +9457,7 @@
           <p:cNvPr id="15" name="TextBox 14">
             <a:extLst>
               <a:ext uri="{FF2B5EF4-FFF2-40B4-BE49-F238E27FC236}">
-                <a16:creationId xmlns:a16="http://schemas.microsoft.com/office/drawing/2014/main" xmlns="" id="{FADD5F63-4AF7-48AE-838F-1AA8156BB3C4}"/>
+                <a16:creationId xmlns="" xmlns:a16="http://schemas.microsoft.com/office/drawing/2014/main" id="{FADD5F63-4AF7-48AE-838F-1AA8156BB3C4}"/>
               </a:ext>
             </a:extLst>
           </p:cNvPr>
@@ -9874,15 +9794,7 @@
                   <a:schemeClr val="bg1"/>
                 </a:solidFill>
               </a:rPr>
-              <a:t>프로젝트 </a:t>
-            </a:r>
-            <a:r>
-              <a:rPr lang="ko-KR" altLang="en-US" sz="2400" b="1" dirty="0" smtClean="0">
-                <a:solidFill>
-                  <a:schemeClr val="bg1"/>
-                </a:solidFill>
-              </a:rPr>
-              <a:t>진행 상황</a:t>
+              <a:t>프로젝트 진행 상황</a:t>
             </a:r>
             <a:endParaRPr lang="ko-KR" altLang="en-US" sz="2400" b="1" dirty="0">
               <a:solidFill>
@@ -9897,7 +9809,7 @@
           <p:cNvPr id="24" name="TextBox 23">
             <a:extLst>
               <a:ext uri="{FF2B5EF4-FFF2-40B4-BE49-F238E27FC236}">
-                <a16:creationId xmlns:a16="http://schemas.microsoft.com/office/drawing/2014/main" xmlns="" id="{FADD5F63-4AF7-48AE-838F-1AA8156BB3C4}"/>
+                <a16:creationId xmlns="" xmlns:a16="http://schemas.microsoft.com/office/drawing/2014/main" id="{FADD5F63-4AF7-48AE-838F-1AA8156BB3C4}"/>
               </a:ext>
             </a:extLst>
           </p:cNvPr>
@@ -10228,19 +10140,7 @@
                 </a:solidFill>
                 <a:latin typeface="+mn-ea"/>
               </a:rPr>
-              <a:t>해당 국가의 도시들이 언급되는 수를 리스트 </a:t>
-            </a:r>
-            <a:r>
-              <a:rPr lang="ko-KR" altLang="en-US" sz="1500" b="1" spc="-60" dirty="0" smtClean="0">
-                <a:solidFill>
-                  <a:schemeClr val="tx1">
-                    <a:lumMod val="65000"/>
-                    <a:lumOff val="35000"/>
-                  </a:schemeClr>
-                </a:solidFill>
-                <a:latin typeface="+mn-ea"/>
-              </a:rPr>
-              <a:t>업 </a:t>
+              <a:t>해당 국가의 도시들이 언급되는 수를 리스트 업 </a:t>
             </a:r>
             <a:r>
               <a:rPr lang="en-US" altLang="ko-KR" sz="1500" b="1" spc="-60" dirty="0" smtClean="0">
@@ -10283,7 +10183,7 @@
           <p:cNvPr id="25" name="TextBox 24">
             <a:extLst>
               <a:ext uri="{FF2B5EF4-FFF2-40B4-BE49-F238E27FC236}">
-                <a16:creationId xmlns:a16="http://schemas.microsoft.com/office/drawing/2014/main" xmlns="" id="{FADD5F63-4AF7-48AE-838F-1AA8156BB3C4}"/>
+                <a16:creationId xmlns="" xmlns:a16="http://schemas.microsoft.com/office/drawing/2014/main" id="{FADD5F63-4AF7-48AE-838F-1AA8156BB3C4}"/>
               </a:ext>
             </a:extLst>
           </p:cNvPr>
@@ -10366,7 +10266,7 @@
           <p:cNvPr id="27" name="TextBox 26">
             <a:extLst>
               <a:ext uri="{FF2B5EF4-FFF2-40B4-BE49-F238E27FC236}">
-                <a16:creationId xmlns:a16="http://schemas.microsoft.com/office/drawing/2014/main" xmlns="" id="{FADD5F63-4AF7-48AE-838F-1AA8156BB3C4}"/>
+                <a16:creationId xmlns="" xmlns:a16="http://schemas.microsoft.com/office/drawing/2014/main" id="{FADD5F63-4AF7-48AE-838F-1AA8156BB3C4}"/>
               </a:ext>
             </a:extLst>
           </p:cNvPr>
@@ -10661,19 +10561,7 @@
                 </a:solidFill>
                 <a:latin typeface="+mn-ea"/>
               </a:rPr>
-              <a:t>해당 국가의 도시들이 언급되는 수를 리스트 </a:t>
-            </a:r>
-            <a:r>
-              <a:rPr lang="ko-KR" altLang="en-US" sz="1500" b="1" spc="-60" dirty="0" smtClean="0">
-                <a:solidFill>
-                  <a:schemeClr val="tx1">
-                    <a:lumMod val="65000"/>
-                    <a:lumOff val="35000"/>
-                  </a:schemeClr>
-                </a:solidFill>
-                <a:latin typeface="+mn-ea"/>
-              </a:rPr>
-              <a:t>업 </a:t>
+              <a:t>해당 국가의 도시들이 언급되는 수를 리스트 업 </a:t>
             </a:r>
             <a:r>
               <a:rPr lang="en-US" altLang="ko-KR" sz="1500" b="1" spc="-60" dirty="0" smtClean="0">
@@ -10716,7 +10604,7 @@
           <p:cNvPr id="28" name="TextBox 27">
             <a:extLst>
               <a:ext uri="{FF2B5EF4-FFF2-40B4-BE49-F238E27FC236}">
-                <a16:creationId xmlns:a16="http://schemas.microsoft.com/office/drawing/2014/main" xmlns="" id="{FADD5F63-4AF7-48AE-838F-1AA8156BB3C4}"/>
+                <a16:creationId xmlns="" xmlns:a16="http://schemas.microsoft.com/office/drawing/2014/main" id="{FADD5F63-4AF7-48AE-838F-1AA8156BB3C4}"/>
               </a:ext>
             </a:extLst>
           </p:cNvPr>
@@ -10907,7 +10795,7 @@
           <p:cNvPr id="31" name="TextBox 30">
             <a:extLst>
               <a:ext uri="{FF2B5EF4-FFF2-40B4-BE49-F238E27FC236}">
-                <a16:creationId xmlns:a16="http://schemas.microsoft.com/office/drawing/2014/main" xmlns="" id="{FADD5F63-4AF7-48AE-838F-1AA8156BB3C4}"/>
+                <a16:creationId xmlns="" xmlns:a16="http://schemas.microsoft.com/office/drawing/2014/main" id="{FADD5F63-4AF7-48AE-838F-1AA8156BB3C4}"/>
               </a:ext>
             </a:extLst>
           </p:cNvPr>
@@ -11158,7 +11046,7 @@
           <p:cNvPr id="33" name="TextBox 32">
             <a:extLst>
               <a:ext uri="{FF2B5EF4-FFF2-40B4-BE49-F238E27FC236}">
-                <a16:creationId xmlns:a16="http://schemas.microsoft.com/office/drawing/2014/main" xmlns="" id="{FADD5F63-4AF7-48AE-838F-1AA8156BB3C4}"/>
+                <a16:creationId xmlns="" xmlns:a16="http://schemas.microsoft.com/office/drawing/2014/main" id="{FADD5F63-4AF7-48AE-838F-1AA8156BB3C4}"/>
               </a:ext>
             </a:extLst>
           </p:cNvPr>
@@ -11232,7 +11120,7 @@
           <p:cNvPr id="35" name="TextBox 34">
             <a:extLst>
               <a:ext uri="{FF2B5EF4-FFF2-40B4-BE49-F238E27FC236}">
-                <a16:creationId xmlns:a16="http://schemas.microsoft.com/office/drawing/2014/main" xmlns="" id="{FADD5F63-4AF7-48AE-838F-1AA8156BB3C4}"/>
+                <a16:creationId xmlns="" xmlns:a16="http://schemas.microsoft.com/office/drawing/2014/main" id="{FADD5F63-4AF7-48AE-838F-1AA8156BB3C4}"/>
               </a:ext>
             </a:extLst>
           </p:cNvPr>
@@ -11306,7 +11194,7 @@
           <p:cNvPr id="14" name="TextBox 13">
             <a:extLst>
               <a:ext uri="{FF2B5EF4-FFF2-40B4-BE49-F238E27FC236}">
-                <a16:creationId xmlns:a16="http://schemas.microsoft.com/office/drawing/2014/main" xmlns="" id="{FADD5F63-4AF7-48AE-838F-1AA8156BB3C4}"/>
+                <a16:creationId xmlns="" xmlns:a16="http://schemas.microsoft.com/office/drawing/2014/main" id="{FADD5F63-4AF7-48AE-838F-1AA8156BB3C4}"/>
               </a:ext>
             </a:extLst>
           </p:cNvPr>
@@ -11369,19 +11257,7 @@
                 </a:solidFill>
                 <a:latin typeface="+mn-ea"/>
               </a:rPr>
-              <a:t>List </a:t>
-            </a:r>
-            <a:r>
-              <a:rPr lang="en-US" altLang="ko-KR" sz="1500" b="1" spc="-60" dirty="0" smtClean="0">
-                <a:solidFill>
-                  <a:schemeClr val="tx1">
-                    <a:lumMod val="65000"/>
-                    <a:lumOff val="35000"/>
-                  </a:schemeClr>
-                </a:solidFill>
-                <a:latin typeface="+mn-ea"/>
-              </a:rPr>
-              <a:t>4</a:t>
+              <a:t>List 4</a:t>
             </a:r>
             <a:r>
               <a:rPr lang="ko-KR" altLang="en-US" sz="1500" b="1" spc="-60" dirty="0" smtClean="0">
@@ -11650,7 +11526,7 @@
           <p:cNvPr id="15" name="TextBox 14">
             <a:extLst>
               <a:ext uri="{FF2B5EF4-FFF2-40B4-BE49-F238E27FC236}">
-                <a16:creationId xmlns:a16="http://schemas.microsoft.com/office/drawing/2014/main" xmlns="" id="{FADD5F63-4AF7-48AE-838F-1AA8156BB3C4}"/>
+                <a16:creationId xmlns="" xmlns:a16="http://schemas.microsoft.com/office/drawing/2014/main" id="{FADD5F63-4AF7-48AE-838F-1AA8156BB3C4}"/>
               </a:ext>
             </a:extLst>
           </p:cNvPr>
@@ -11905,15 +11781,7 @@
                   <a:schemeClr val="bg1"/>
                 </a:solidFill>
               </a:rPr>
-              <a:t>프로젝트 </a:t>
-            </a:r>
-            <a:r>
-              <a:rPr lang="ko-KR" altLang="en-US" sz="2400" b="1" dirty="0" smtClean="0">
-                <a:solidFill>
-                  <a:schemeClr val="bg1"/>
-                </a:solidFill>
-              </a:rPr>
-              <a:t>진행 상황</a:t>
+              <a:t>프로젝트 진행 상황</a:t>
             </a:r>
             <a:endParaRPr lang="ko-KR" altLang="en-US" sz="2400" b="1" dirty="0">
               <a:solidFill>
@@ -11928,7 +11796,7 @@
           <p:cNvPr id="12" name="TextBox 11">
             <a:extLst>
               <a:ext uri="{FF2B5EF4-FFF2-40B4-BE49-F238E27FC236}">
-                <a16:creationId xmlns:a16="http://schemas.microsoft.com/office/drawing/2014/main" xmlns="" id="{FADD5F63-4AF7-48AE-838F-1AA8156BB3C4}"/>
+                <a16:creationId xmlns="" xmlns:a16="http://schemas.microsoft.com/office/drawing/2014/main" id="{FADD5F63-4AF7-48AE-838F-1AA8156BB3C4}"/>
               </a:ext>
             </a:extLst>
           </p:cNvPr>
@@ -12035,7 +11903,7 @@
           <p:cNvPr id="15" name="TextBox 14">
             <a:extLst>
               <a:ext uri="{FF2B5EF4-FFF2-40B4-BE49-F238E27FC236}">
-                <a16:creationId xmlns:a16="http://schemas.microsoft.com/office/drawing/2014/main" xmlns="" id="{FADD5F63-4AF7-48AE-838F-1AA8156BB3C4}"/>
+                <a16:creationId xmlns="" xmlns:a16="http://schemas.microsoft.com/office/drawing/2014/main" id="{FADD5F63-4AF7-48AE-838F-1AA8156BB3C4}"/>
               </a:ext>
             </a:extLst>
           </p:cNvPr>
@@ -12117,7 +11985,7 @@
           <p:cNvPr id="18" name="TextBox 17">
             <a:extLst>
               <a:ext uri="{FF2B5EF4-FFF2-40B4-BE49-F238E27FC236}">
-                <a16:creationId xmlns:a16="http://schemas.microsoft.com/office/drawing/2014/main" xmlns="" id="{FADD5F63-4AF7-48AE-838F-1AA8156BB3C4}"/>
+                <a16:creationId xmlns="" xmlns:a16="http://schemas.microsoft.com/office/drawing/2014/main" id="{FADD5F63-4AF7-48AE-838F-1AA8156BB3C4}"/>
               </a:ext>
             </a:extLst>
           </p:cNvPr>
@@ -12190,7 +12058,79 @@
                 </a:solidFill>
                 <a:latin typeface="+mn-ea"/>
               </a:rPr>
-              <a:t> API / Intercept V3 </a:t>
+              <a:t> </a:t>
+            </a:r>
+            <a:r>
+              <a:rPr lang="en-US" altLang="ko-KR" sz="1500" b="1" spc="-60" dirty="0" smtClean="0">
+                <a:solidFill>
+                  <a:schemeClr val="tx1">
+                    <a:lumMod val="65000"/>
+                    <a:lumOff val="35000"/>
+                  </a:schemeClr>
+                </a:solidFill>
+                <a:latin typeface="+mn-ea"/>
+              </a:rPr>
+              <a:t>API </a:t>
+            </a:r>
+            <a:r>
+              <a:rPr lang="ko-KR" altLang="en-US" sz="1500" b="1" spc="-60" dirty="0" smtClean="0">
+                <a:solidFill>
+                  <a:schemeClr val="tx1">
+                    <a:lumMod val="65000"/>
+                    <a:lumOff val="35000"/>
+                  </a:schemeClr>
+                </a:solidFill>
+                <a:latin typeface="+mn-ea"/>
+              </a:rPr>
+              <a:t>활용</a:t>
+            </a:r>
+            <a:r>
+              <a:rPr lang="en-US" altLang="ko-KR" sz="1500" b="1" spc="-60" dirty="0" smtClean="0">
+                <a:solidFill>
+                  <a:schemeClr val="tx1">
+                    <a:lumMod val="65000"/>
+                    <a:lumOff val="35000"/>
+                  </a:schemeClr>
+                </a:solidFill>
+                <a:latin typeface="+mn-ea"/>
+              </a:rPr>
+              <a:t> </a:t>
+            </a:r>
+            <a:r>
+              <a:rPr lang="en-US" altLang="ko-KR" sz="1500" b="1" spc="-60" dirty="0" smtClean="0">
+                <a:solidFill>
+                  <a:schemeClr val="tx1">
+                    <a:lumMod val="65000"/>
+                    <a:lumOff val="35000"/>
+                  </a:schemeClr>
+                </a:solidFill>
+                <a:latin typeface="+mn-ea"/>
+              </a:rPr>
+              <a:t>/ </a:t>
+            </a:r>
+            <a:r>
+              <a:rPr lang="en-US" altLang="ko-KR" sz="1500" b="1" spc="-60" dirty="0" smtClean="0">
+                <a:solidFill>
+                  <a:schemeClr val="tx1">
+                    <a:lumMod val="65000"/>
+                    <a:lumOff val="35000"/>
+                  </a:schemeClr>
+                </a:solidFill>
+                <a:latin typeface="+mn-ea"/>
+              </a:rPr>
+              <a:t>Inception </a:t>
+            </a:r>
+            <a:r>
+              <a:rPr lang="en-US" altLang="ko-KR" sz="1500" b="1" spc="-60" dirty="0" smtClean="0">
+                <a:solidFill>
+                  <a:schemeClr val="tx1">
+                    <a:lumMod val="65000"/>
+                    <a:lumOff val="35000"/>
+                  </a:schemeClr>
+                </a:solidFill>
+                <a:latin typeface="+mn-ea"/>
+              </a:rPr>
+              <a:t>V3 </a:t>
             </a:r>
             <a:r>
               <a:rPr lang="ko-KR" altLang="en-US" sz="1500" b="1" spc="-60" dirty="0" smtClean="0">
@@ -12233,7 +12173,7 @@
           <p:cNvPr id="21" name="TextBox 20">
             <a:extLst>
               <a:ext uri="{FF2B5EF4-FFF2-40B4-BE49-F238E27FC236}">
-                <a16:creationId xmlns:a16="http://schemas.microsoft.com/office/drawing/2014/main" xmlns="" id="{FADD5F63-4AF7-48AE-838F-1AA8156BB3C4}"/>
+                <a16:creationId xmlns="" xmlns:a16="http://schemas.microsoft.com/office/drawing/2014/main" id="{FADD5F63-4AF7-48AE-838F-1AA8156BB3C4}"/>
               </a:ext>
             </a:extLst>
           </p:cNvPr>
@@ -12313,7 +12253,7 @@
           <p:cNvPr id="23" name="TextBox 22">
             <a:extLst>
               <a:ext uri="{FF2B5EF4-FFF2-40B4-BE49-F238E27FC236}">
-                <a16:creationId xmlns:a16="http://schemas.microsoft.com/office/drawing/2014/main" xmlns="" id="{FADD5F63-4AF7-48AE-838F-1AA8156BB3C4}"/>
+                <a16:creationId xmlns="" xmlns:a16="http://schemas.microsoft.com/office/drawing/2014/main" id="{FADD5F63-4AF7-48AE-838F-1AA8156BB3C4}"/>
               </a:ext>
             </a:extLst>
           </p:cNvPr>
@@ -12453,7 +12393,7 @@
           <p:cNvPr id="17" name="TextBox 16">
             <a:extLst>
               <a:ext uri="{FF2B5EF4-FFF2-40B4-BE49-F238E27FC236}">
-                <a16:creationId xmlns:a16="http://schemas.microsoft.com/office/drawing/2014/main" xmlns="" id="{FADD5F63-4AF7-48AE-838F-1AA8156BB3C4}"/>
+                <a16:creationId xmlns="" xmlns:a16="http://schemas.microsoft.com/office/drawing/2014/main" id="{FADD5F63-4AF7-48AE-838F-1AA8156BB3C4}"/>
               </a:ext>
             </a:extLst>
           </p:cNvPr>
@@ -12738,15 +12678,7 @@
                   <a:schemeClr val="bg1"/>
                 </a:solidFill>
               </a:rPr>
-              <a:t>프로젝트 </a:t>
-            </a:r>
-            <a:r>
-              <a:rPr lang="ko-KR" altLang="en-US" sz="2400" b="1" dirty="0" smtClean="0">
-                <a:solidFill>
-                  <a:schemeClr val="bg1"/>
-                </a:solidFill>
-              </a:rPr>
-              <a:t>진행 상황</a:t>
+              <a:t>프로젝트 진행 상황</a:t>
             </a:r>
             <a:endParaRPr lang="ko-KR" altLang="en-US" sz="2400" b="1" dirty="0">
               <a:solidFill>
@@ -12761,7 +12693,7 @@
           <p:cNvPr id="12" name="TextBox 11">
             <a:extLst>
               <a:ext uri="{FF2B5EF4-FFF2-40B4-BE49-F238E27FC236}">
-                <a16:creationId xmlns:a16="http://schemas.microsoft.com/office/drawing/2014/main" xmlns="" id="{FADD5F63-4AF7-48AE-838F-1AA8156BB3C4}"/>
+                <a16:creationId xmlns="" xmlns:a16="http://schemas.microsoft.com/office/drawing/2014/main" id="{FADD5F63-4AF7-48AE-838F-1AA8156BB3C4}"/>
               </a:ext>
             </a:extLst>
           </p:cNvPr>
@@ -12844,7 +12776,7 @@
           <p:cNvPr id="15" name="TextBox 14">
             <a:extLst>
               <a:ext uri="{FF2B5EF4-FFF2-40B4-BE49-F238E27FC236}">
-                <a16:creationId xmlns:a16="http://schemas.microsoft.com/office/drawing/2014/main" xmlns="" id="{FADD5F63-4AF7-48AE-838F-1AA8156BB3C4}"/>
+                <a16:creationId xmlns="" xmlns:a16="http://schemas.microsoft.com/office/drawing/2014/main" id="{FADD5F63-4AF7-48AE-838F-1AA8156BB3C4}"/>
               </a:ext>
             </a:extLst>
           </p:cNvPr>
@@ -12926,7 +12858,7 @@
           <p:cNvPr id="18" name="TextBox 17">
             <a:extLst>
               <a:ext uri="{FF2B5EF4-FFF2-40B4-BE49-F238E27FC236}">
-                <a16:creationId xmlns:a16="http://schemas.microsoft.com/office/drawing/2014/main" xmlns="" id="{FADD5F63-4AF7-48AE-838F-1AA8156BB3C4}"/>
+                <a16:creationId xmlns="" xmlns:a16="http://schemas.microsoft.com/office/drawing/2014/main" id="{FADD5F63-4AF7-48AE-838F-1AA8156BB3C4}"/>
               </a:ext>
             </a:extLst>
           </p:cNvPr>
@@ -13018,7 +12950,7 @@
           <p:cNvPr id="21" name="TextBox 20">
             <a:extLst>
               <a:ext uri="{FF2B5EF4-FFF2-40B4-BE49-F238E27FC236}">
-                <a16:creationId xmlns:a16="http://schemas.microsoft.com/office/drawing/2014/main" xmlns="" id="{FADD5F63-4AF7-48AE-838F-1AA8156BB3C4}"/>
+                <a16:creationId xmlns="" xmlns:a16="http://schemas.microsoft.com/office/drawing/2014/main" id="{FADD5F63-4AF7-48AE-838F-1AA8156BB3C4}"/>
               </a:ext>
             </a:extLst>
           </p:cNvPr>
@@ -13242,7 +13174,7 @@
           <p:cNvPr id="17" name="TextBox 16">
             <a:extLst>
               <a:ext uri="{FF2B5EF4-FFF2-40B4-BE49-F238E27FC236}">
-                <a16:creationId xmlns:a16="http://schemas.microsoft.com/office/drawing/2014/main" xmlns="" id="{FADD5F63-4AF7-48AE-838F-1AA8156BB3C4}"/>
+                <a16:creationId xmlns="" xmlns:a16="http://schemas.microsoft.com/office/drawing/2014/main" id="{FADD5F63-4AF7-48AE-838F-1AA8156BB3C4}"/>
               </a:ext>
             </a:extLst>
           </p:cNvPr>
@@ -13322,7 +13254,7 @@
           <p:cNvPr id="13" name="TextBox 12">
             <a:extLst>
               <a:ext uri="{FF2B5EF4-FFF2-40B4-BE49-F238E27FC236}">
-                <a16:creationId xmlns:a16="http://schemas.microsoft.com/office/drawing/2014/main" xmlns="" id="{FADD5F63-4AF7-48AE-838F-1AA8156BB3C4}"/>
+                <a16:creationId xmlns="" xmlns:a16="http://schemas.microsoft.com/office/drawing/2014/main" id="{FADD5F63-4AF7-48AE-838F-1AA8156BB3C4}"/>
               </a:ext>
             </a:extLst>
           </p:cNvPr>
@@ -13402,7 +13334,7 @@
           <p:cNvPr id="14" name="TextBox 13">
             <a:extLst>
               <a:ext uri="{FF2B5EF4-FFF2-40B4-BE49-F238E27FC236}">
-                <a16:creationId xmlns:a16="http://schemas.microsoft.com/office/drawing/2014/main" xmlns="" id="{FADD5F63-4AF7-48AE-838F-1AA8156BB3C4}"/>
+                <a16:creationId xmlns="" xmlns:a16="http://schemas.microsoft.com/office/drawing/2014/main" id="{FADD5F63-4AF7-48AE-838F-1AA8156BB3C4}"/>
               </a:ext>
             </a:extLst>
           </p:cNvPr>
@@ -13595,7 +13527,7 @@
           <p:cNvPr id="19" name="TextBox 18">
             <a:extLst>
               <a:ext uri="{FF2B5EF4-FFF2-40B4-BE49-F238E27FC236}">
-                <a16:creationId xmlns:a16="http://schemas.microsoft.com/office/drawing/2014/main" xmlns="" id="{FADD5F63-4AF7-48AE-838F-1AA8156BB3C4}"/>
+                <a16:creationId xmlns="" xmlns:a16="http://schemas.microsoft.com/office/drawing/2014/main" id="{FADD5F63-4AF7-48AE-838F-1AA8156BB3C4}"/>
               </a:ext>
             </a:extLst>
           </p:cNvPr>
@@ -13658,43 +13590,7 @@
                 </a:solidFill>
                 <a:latin typeface="+mn-ea"/>
               </a:rPr>
-              <a:t>를 통해서 각 도시의 </a:t>
-            </a:r>
-            <a:r>
-              <a:rPr lang="ko-KR" altLang="en-US" b="1" spc="-60" dirty="0" smtClean="0">
-                <a:solidFill>
-                  <a:schemeClr val="tx1">
-                    <a:lumMod val="65000"/>
-                    <a:lumOff val="35000"/>
-                  </a:schemeClr>
-                </a:solidFill>
-                <a:latin typeface="+mn-ea"/>
-              </a:rPr>
-              <a:t>이미지와 </a:t>
-            </a:r>
-            <a:r>
-              <a:rPr lang="ko-KR" altLang="en-US" b="1" spc="-60" dirty="0" smtClean="0">
-                <a:solidFill>
-                  <a:schemeClr val="tx1">
-                    <a:lumMod val="65000"/>
-                    <a:lumOff val="35000"/>
-                  </a:schemeClr>
-                </a:solidFill>
-                <a:latin typeface="+mn-ea"/>
-              </a:rPr>
-              <a:t>텍스트를 분석 </a:t>
-            </a:r>
-            <a:r>
-              <a:rPr lang="ko-KR" altLang="en-US" b="1" spc="-60" dirty="0" smtClean="0">
-                <a:solidFill>
-                  <a:schemeClr val="tx1">
-                    <a:lumMod val="65000"/>
-                    <a:lumOff val="35000"/>
-                  </a:schemeClr>
-                </a:solidFill>
-                <a:latin typeface="+mn-ea"/>
-              </a:rPr>
-              <a:t>가능</a:t>
+              <a:t>를 통해서 각 도시의 이미지와 텍스트를 분석 가능</a:t>
             </a:r>
             <a:endParaRPr lang="en-US" altLang="ko-KR" b="1" spc="-60" dirty="0" smtClean="0">
               <a:solidFill>
@@ -13829,28 +13725,61 @@
                 </a:solidFill>
                 <a:latin typeface="+mn-ea"/>
               </a:rPr>
-              <a:t>데이터를 </a:t>
+              <a:t>데이터를 통해 원하는 여행 타입의 </a:t>
             </a:r>
             <a:r>
               <a:rPr lang="ko-KR" altLang="en-US" b="1" spc="-60" dirty="0" smtClean="0">
                 <a:solidFill>
-                  <a:schemeClr val="tx1">
-                    <a:lumMod val="65000"/>
-                    <a:lumOff val="35000"/>
-                  </a:schemeClr>
-                </a:solidFill>
-                <a:latin typeface="+mn-ea"/>
-              </a:rPr>
-              <a:t>통해 원하는 여행 타입의 </a:t>
+                  <a:srgbClr val="FF0000"/>
+                </a:solidFill>
+                <a:latin typeface="+mn-ea"/>
+              </a:rPr>
+              <a:t>추천도시</a:t>
             </a:r>
             <a:r>
               <a:rPr lang="ko-KR" altLang="en-US" b="1" spc="-60" dirty="0" smtClean="0">
                 <a:solidFill>
+                  <a:schemeClr val="tx1">
+                    <a:lumMod val="65000"/>
+                    <a:lumOff val="35000"/>
+                  </a:schemeClr>
+                </a:solidFill>
+                <a:latin typeface="+mn-ea"/>
+              </a:rPr>
+              <a:t> </a:t>
+            </a:r>
+            <a:r>
+              <a:rPr lang="ko-KR" altLang="en-US" b="1" spc="-60" dirty="0">
+                <a:solidFill>
+                  <a:schemeClr val="tx1">
+                    <a:lumMod val="65000"/>
+                    <a:lumOff val="35000"/>
+                  </a:schemeClr>
+                </a:solidFill>
+                <a:latin typeface="+mn-ea"/>
+              </a:rPr>
+              <a:t>및</a:t>
+            </a:r>
+            <a:r>
+              <a:rPr lang="ko-KR" altLang="en-US" b="1" spc="-60" dirty="0" smtClean="0">
+                <a:solidFill>
+                  <a:schemeClr val="tx1">
+                    <a:lumMod val="65000"/>
+                    <a:lumOff val="35000"/>
+                  </a:schemeClr>
+                </a:solidFill>
+                <a:latin typeface="+mn-ea"/>
+              </a:rPr>
+              <a:t> </a:t>
+            </a:r>
+            <a:r>
+              <a:rPr lang="ko-KR" altLang="en-US" b="1" spc="-60" dirty="0" smtClean="0">
+                <a:solidFill>
                   <a:srgbClr val="FF0000"/>
                 </a:solidFill>
                 <a:latin typeface="+mn-ea"/>
               </a:rPr>
-              <a:t>추천도시</a:t>
+              <a:t>추천도시의 타입과 유사한 도시</a:t>
             </a:r>
             <a:r>
               <a:rPr lang="ko-KR" altLang="en-US" b="1" spc="-60" dirty="0" smtClean="0">
@@ -13862,76 +13791,7 @@
                 </a:solidFill>
                 <a:latin typeface="+mn-ea"/>
               </a:rPr>
-              <a:t> </a:t>
-            </a:r>
-            <a:r>
-              <a:rPr lang="ko-KR" altLang="en-US" b="1" spc="-60" dirty="0">
-                <a:solidFill>
-                  <a:schemeClr val="tx1">
-                    <a:lumMod val="65000"/>
-                    <a:lumOff val="35000"/>
-                  </a:schemeClr>
-                </a:solidFill>
-                <a:latin typeface="+mn-ea"/>
-              </a:rPr>
-              <a:t>및</a:t>
-            </a:r>
-            <a:r>
-              <a:rPr lang="ko-KR" altLang="en-US" b="1" spc="-60" dirty="0" smtClean="0">
-                <a:solidFill>
-                  <a:schemeClr val="tx1">
-                    <a:lumMod val="65000"/>
-                    <a:lumOff val="35000"/>
-                  </a:schemeClr>
-                </a:solidFill>
-                <a:latin typeface="+mn-ea"/>
-              </a:rPr>
-              <a:t> </a:t>
-            </a:r>
-            <a:r>
-              <a:rPr lang="ko-KR" altLang="en-US" b="1" spc="-60" dirty="0" smtClean="0">
-                <a:solidFill>
-                  <a:srgbClr val="FF0000"/>
-                </a:solidFill>
-                <a:latin typeface="+mn-ea"/>
-              </a:rPr>
-              <a:t>추천도시의 타입과 유사한 도시</a:t>
-            </a:r>
-            <a:r>
-              <a:rPr lang="ko-KR" altLang="en-US" b="1" spc="-60" dirty="0" smtClean="0">
-                <a:solidFill>
-                  <a:schemeClr val="tx1">
-                    <a:lumMod val="65000"/>
-                    <a:lumOff val="35000"/>
-                  </a:schemeClr>
-                </a:solidFill>
-                <a:latin typeface="+mn-ea"/>
-              </a:rPr>
-              <a:t> 추천</a:t>
-            </a:r>
-            <a:r>
-              <a:rPr lang="ko-KR" altLang="en-US" b="1" spc="-60" dirty="0" smtClean="0">
-                <a:solidFill>
-                  <a:schemeClr val="tx1">
-                    <a:lumMod val="65000"/>
-                    <a:lumOff val="35000"/>
-                  </a:schemeClr>
-                </a:solidFill>
-                <a:latin typeface="+mn-ea"/>
-              </a:rPr>
-              <a:t> </a:t>
-            </a:r>
-            <a:r>
-              <a:rPr lang="ko-KR" altLang="en-US" b="1" spc="-60" dirty="0" smtClean="0">
-                <a:solidFill>
-                  <a:schemeClr val="tx1">
-                    <a:lumMod val="65000"/>
-                    <a:lumOff val="35000"/>
-                  </a:schemeClr>
-                </a:solidFill>
-                <a:latin typeface="+mn-ea"/>
-              </a:rPr>
-              <a:t>가능    </a:t>
+              <a:t> 추천 가능    </a:t>
             </a:r>
             <a:endParaRPr lang="ko-KR" altLang="en-US" b="1" spc="-60" dirty="0">
               <a:solidFill>
@@ -14125,31 +13985,7 @@
                   <a:schemeClr val="bg1"/>
                 </a:solidFill>
               </a:rPr>
-              <a:t>프로젝트 </a:t>
-            </a:r>
-            <a:r>
-              <a:rPr lang="ko-KR" altLang="en-US" sz="2400" b="1" dirty="0" smtClean="0">
-                <a:solidFill>
-                  <a:schemeClr val="bg1"/>
-                </a:solidFill>
-              </a:rPr>
-              <a:t>서비스 </a:t>
-            </a:r>
-            <a:r>
-              <a:rPr lang="ko-KR" altLang="en-US" sz="2400" b="1" dirty="0" smtClean="0">
-                <a:solidFill>
-                  <a:schemeClr val="bg1"/>
-                </a:solidFill>
-              </a:rPr>
-              <a:t>구현</a:t>
-            </a:r>
-            <a:r>
-              <a:rPr lang="ko-KR" altLang="en-US" sz="2400" b="1" dirty="0" smtClean="0">
-                <a:solidFill>
-                  <a:schemeClr val="bg1"/>
-                </a:solidFill>
-              </a:rPr>
-              <a:t> </a:t>
+              <a:t>프로젝트 서비스 구현 </a:t>
             </a:r>
             <a:r>
               <a:rPr lang="en-US" altLang="ko-KR" sz="2400" b="1" dirty="0" smtClean="0">
@@ -14172,7 +14008,7 @@
           <p:cNvPr id="29" name="TextBox 28">
             <a:extLst>
               <a:ext uri="{FF2B5EF4-FFF2-40B4-BE49-F238E27FC236}">
-                <a16:creationId xmlns:a16="http://schemas.microsoft.com/office/drawing/2014/main" xmlns="" id="{FADD5F63-4AF7-48AE-838F-1AA8156BB3C4}"/>
+                <a16:creationId xmlns="" xmlns:a16="http://schemas.microsoft.com/office/drawing/2014/main" id="{FADD5F63-4AF7-48AE-838F-1AA8156BB3C4}"/>
               </a:ext>
             </a:extLst>
           </p:cNvPr>
@@ -14763,39 +14599,15 @@
                   <a:schemeClr val="bg1"/>
                 </a:solidFill>
               </a:rPr>
-              <a:t>프로젝트 </a:t>
-            </a:r>
-            <a:r>
-              <a:rPr lang="ko-KR" altLang="en-US" sz="2400" b="1" dirty="0" smtClean="0">
+              <a:t>프로젝트 서비스 구현 </a:t>
+            </a:r>
+            <a:r>
+              <a:rPr lang="en-US" altLang="ko-KR" sz="2400" b="1" dirty="0" smtClean="0">
                 <a:solidFill>
                   <a:schemeClr val="bg1"/>
                 </a:solidFill>
               </a:rPr>
-              <a:t>서비스 </a:t>
-            </a:r>
-            <a:r>
-              <a:rPr lang="ko-KR" altLang="en-US" sz="2400" b="1" dirty="0" smtClean="0">
-                <a:solidFill>
-                  <a:schemeClr val="bg1"/>
-                </a:solidFill>
-              </a:rPr>
-              <a:t>구현 </a:t>
-            </a:r>
-            <a:r>
-              <a:rPr lang="en-US" altLang="ko-KR" sz="2400" b="1" dirty="0" smtClean="0">
-                <a:solidFill>
-                  <a:schemeClr val="bg1"/>
-                </a:solidFill>
-              </a:rPr>
-              <a:t>(</a:t>
-            </a:r>
-            <a:r>
-              <a:rPr lang="en-US" altLang="ko-KR" sz="2400" b="1" dirty="0" smtClean="0">
-                <a:solidFill>
-                  <a:schemeClr val="bg1"/>
-                </a:solidFill>
-              </a:rPr>
-              <a:t>2)</a:t>
+              <a:t>(2)</a:t>
             </a:r>
             <a:endParaRPr lang="ko-KR" altLang="en-US" sz="2400" b="1" dirty="0">
               <a:solidFill>
@@ -14810,7 +14622,7 @@
           <p:cNvPr id="12" name="TextBox 11">
             <a:extLst>
               <a:ext uri="{FF2B5EF4-FFF2-40B4-BE49-F238E27FC236}">
-                <a16:creationId xmlns:a16="http://schemas.microsoft.com/office/drawing/2014/main" xmlns="" id="{FADD5F63-4AF7-48AE-838F-1AA8156BB3C4}"/>
+                <a16:creationId xmlns="" xmlns:a16="http://schemas.microsoft.com/office/drawing/2014/main" id="{FADD5F63-4AF7-48AE-838F-1AA8156BB3C4}"/>
               </a:ext>
             </a:extLst>
           </p:cNvPr>
@@ -14911,7 +14723,7 @@
           <p:cNvPr id="15" name="TextBox 14">
             <a:extLst>
               <a:ext uri="{FF2B5EF4-FFF2-40B4-BE49-F238E27FC236}">
-                <a16:creationId xmlns:a16="http://schemas.microsoft.com/office/drawing/2014/main" xmlns="" id="{FADD5F63-4AF7-48AE-838F-1AA8156BB3C4}"/>
+                <a16:creationId xmlns="" xmlns:a16="http://schemas.microsoft.com/office/drawing/2014/main" id="{FADD5F63-4AF7-48AE-838F-1AA8156BB3C4}"/>
               </a:ext>
             </a:extLst>
           </p:cNvPr>
@@ -14979,7 +14791,7 @@
           <p:cNvPr id="17" name="TextBox 16">
             <a:extLst>
               <a:ext uri="{FF2B5EF4-FFF2-40B4-BE49-F238E27FC236}">
-                <a16:creationId xmlns:a16="http://schemas.microsoft.com/office/drawing/2014/main" xmlns="" id="{FADD5F63-4AF7-48AE-838F-1AA8156BB3C4}"/>
+                <a16:creationId xmlns="" xmlns:a16="http://schemas.microsoft.com/office/drawing/2014/main" id="{FADD5F63-4AF7-48AE-838F-1AA8156BB3C4}"/>
               </a:ext>
             </a:extLst>
           </p:cNvPr>
@@ -15047,7 +14859,7 @@
           <p:cNvPr id="10" name="TextBox 9">
             <a:extLst>
               <a:ext uri="{FF2B5EF4-FFF2-40B4-BE49-F238E27FC236}">
-                <a16:creationId xmlns:a16="http://schemas.microsoft.com/office/drawing/2014/main" xmlns="" id="{FADD5F63-4AF7-48AE-838F-1AA8156BB3C4}"/>
+                <a16:creationId xmlns="" xmlns:a16="http://schemas.microsoft.com/office/drawing/2014/main" id="{FADD5F63-4AF7-48AE-838F-1AA8156BB3C4}"/>
               </a:ext>
             </a:extLst>
           </p:cNvPr>
@@ -15151,7 +14963,7 @@
           <p:cNvPr id="11" name="TextBox 10">
             <a:extLst>
               <a:ext uri="{FF2B5EF4-FFF2-40B4-BE49-F238E27FC236}">
-                <a16:creationId xmlns:a16="http://schemas.microsoft.com/office/drawing/2014/main" xmlns="" id="{FADD5F63-4AF7-48AE-838F-1AA8156BB3C4}"/>
+                <a16:creationId xmlns="" xmlns:a16="http://schemas.microsoft.com/office/drawing/2014/main" id="{FADD5F63-4AF7-48AE-838F-1AA8156BB3C4}"/>
               </a:ext>
             </a:extLst>
           </p:cNvPr>
@@ -15215,7 +15027,7 @@
           <p:cNvPr id="13" name="TextBox 12">
             <a:extLst>
               <a:ext uri="{FF2B5EF4-FFF2-40B4-BE49-F238E27FC236}">
-                <a16:creationId xmlns:a16="http://schemas.microsoft.com/office/drawing/2014/main" xmlns="" id="{FADD5F63-4AF7-48AE-838F-1AA8156BB3C4}"/>
+                <a16:creationId xmlns="" xmlns:a16="http://schemas.microsoft.com/office/drawing/2014/main" id="{FADD5F63-4AF7-48AE-838F-1AA8156BB3C4}"/>
               </a:ext>
             </a:extLst>
           </p:cNvPr>
@@ -15371,7 +15183,7 @@
           <p:cNvPr id="18" name="TextBox 17">
             <a:extLst>
               <a:ext uri="{FF2B5EF4-FFF2-40B4-BE49-F238E27FC236}">
-                <a16:creationId xmlns:a16="http://schemas.microsoft.com/office/drawing/2014/main" xmlns="" id="{FADD5F63-4AF7-48AE-838F-1AA8156BB3C4}"/>
+                <a16:creationId xmlns="" xmlns:a16="http://schemas.microsoft.com/office/drawing/2014/main" id="{FADD5F63-4AF7-48AE-838F-1AA8156BB3C4}"/>
               </a:ext>
             </a:extLst>
           </p:cNvPr>
@@ -15495,7 +15307,7 @@
           <p:cNvPr id="20" name="TextBox 19">
             <a:extLst>
               <a:ext uri="{FF2B5EF4-FFF2-40B4-BE49-F238E27FC236}">
-                <a16:creationId xmlns:a16="http://schemas.microsoft.com/office/drawing/2014/main" xmlns="" id="{FADD5F63-4AF7-48AE-838F-1AA8156BB3C4}"/>
+                <a16:creationId xmlns="" xmlns:a16="http://schemas.microsoft.com/office/drawing/2014/main" id="{FADD5F63-4AF7-48AE-838F-1AA8156BB3C4}"/>
               </a:ext>
             </a:extLst>
           </p:cNvPr>
@@ -15591,7 +15403,7 @@
           <p:cNvPr id="22" name="TextBox 21">
             <a:extLst>
               <a:ext uri="{FF2B5EF4-FFF2-40B4-BE49-F238E27FC236}">
-                <a16:creationId xmlns:a16="http://schemas.microsoft.com/office/drawing/2014/main" xmlns="" id="{FADD5F63-4AF7-48AE-838F-1AA8156BB3C4}"/>
+                <a16:creationId xmlns="" xmlns:a16="http://schemas.microsoft.com/office/drawing/2014/main" id="{FADD5F63-4AF7-48AE-838F-1AA8156BB3C4}"/>
               </a:ext>
             </a:extLst>
           </p:cNvPr>
@@ -15887,7 +15699,7 @@
           <p:cNvPr id="31" name="TextBox 30">
             <a:extLst>
               <a:ext uri="{FF2B5EF4-FFF2-40B4-BE49-F238E27FC236}">
-                <a16:creationId xmlns:a16="http://schemas.microsoft.com/office/drawing/2014/main" xmlns="" id="{FADD5F63-4AF7-48AE-838F-1AA8156BB3C4}"/>
+                <a16:creationId xmlns="" xmlns:a16="http://schemas.microsoft.com/office/drawing/2014/main" id="{FADD5F63-4AF7-48AE-838F-1AA8156BB3C4}"/>
               </a:ext>
             </a:extLst>
           </p:cNvPr>
@@ -15967,7 +15779,7 @@
           <p:cNvPr id="32" name="TextBox 31">
             <a:extLst>
               <a:ext uri="{FF2B5EF4-FFF2-40B4-BE49-F238E27FC236}">
-                <a16:creationId xmlns:a16="http://schemas.microsoft.com/office/drawing/2014/main" xmlns="" id="{FADD5F63-4AF7-48AE-838F-1AA8156BB3C4}"/>
+                <a16:creationId xmlns="" xmlns:a16="http://schemas.microsoft.com/office/drawing/2014/main" id="{FADD5F63-4AF7-48AE-838F-1AA8156BB3C4}"/>
               </a:ext>
             </a:extLst>
           </p:cNvPr>
@@ -16231,7 +16043,7 @@
           <p:cNvPr id="12" name="TextBox 11">
             <a:extLst>
               <a:ext uri="{FF2B5EF4-FFF2-40B4-BE49-F238E27FC236}">
-                <a16:creationId xmlns:a16="http://schemas.microsoft.com/office/drawing/2014/main" xmlns="" id="{FADD5F63-4AF7-48AE-838F-1AA8156BB3C4}"/>
+                <a16:creationId xmlns="" xmlns:a16="http://schemas.microsoft.com/office/drawing/2014/main" id="{FADD5F63-4AF7-48AE-838F-1AA8156BB3C4}"/>
               </a:ext>
             </a:extLst>
           </p:cNvPr>
@@ -16332,7 +16144,7 @@
           <p:cNvPr id="15" name="TextBox 14">
             <a:extLst>
               <a:ext uri="{FF2B5EF4-FFF2-40B4-BE49-F238E27FC236}">
-                <a16:creationId xmlns:a16="http://schemas.microsoft.com/office/drawing/2014/main" xmlns="" id="{FADD5F63-4AF7-48AE-838F-1AA8156BB3C4}"/>
+                <a16:creationId xmlns="" xmlns:a16="http://schemas.microsoft.com/office/drawing/2014/main" id="{FADD5F63-4AF7-48AE-838F-1AA8156BB3C4}"/>
               </a:ext>
             </a:extLst>
           </p:cNvPr>
@@ -16400,7 +16212,7 @@
           <p:cNvPr id="17" name="TextBox 16">
             <a:extLst>
               <a:ext uri="{FF2B5EF4-FFF2-40B4-BE49-F238E27FC236}">
-                <a16:creationId xmlns:a16="http://schemas.microsoft.com/office/drawing/2014/main" xmlns="" id="{FADD5F63-4AF7-48AE-838F-1AA8156BB3C4}"/>
+                <a16:creationId xmlns="" xmlns:a16="http://schemas.microsoft.com/office/drawing/2014/main" id="{FADD5F63-4AF7-48AE-838F-1AA8156BB3C4}"/>
               </a:ext>
             </a:extLst>
           </p:cNvPr>
@@ -16468,7 +16280,7 @@
           <p:cNvPr id="10" name="TextBox 9">
             <a:extLst>
               <a:ext uri="{FF2B5EF4-FFF2-40B4-BE49-F238E27FC236}">
-                <a16:creationId xmlns:a16="http://schemas.microsoft.com/office/drawing/2014/main" xmlns="" id="{FADD5F63-4AF7-48AE-838F-1AA8156BB3C4}"/>
+                <a16:creationId xmlns="" xmlns:a16="http://schemas.microsoft.com/office/drawing/2014/main" id="{FADD5F63-4AF7-48AE-838F-1AA8156BB3C4}"/>
               </a:ext>
             </a:extLst>
           </p:cNvPr>
@@ -16572,7 +16384,7 @@
           <p:cNvPr id="11" name="TextBox 10">
             <a:extLst>
               <a:ext uri="{FF2B5EF4-FFF2-40B4-BE49-F238E27FC236}">
-                <a16:creationId xmlns:a16="http://schemas.microsoft.com/office/drawing/2014/main" xmlns="" id="{FADD5F63-4AF7-48AE-838F-1AA8156BB3C4}"/>
+                <a16:creationId xmlns="" xmlns:a16="http://schemas.microsoft.com/office/drawing/2014/main" id="{FADD5F63-4AF7-48AE-838F-1AA8156BB3C4}"/>
               </a:ext>
             </a:extLst>
           </p:cNvPr>
@@ -16636,7 +16448,7 @@
           <p:cNvPr id="13" name="TextBox 12">
             <a:extLst>
               <a:ext uri="{FF2B5EF4-FFF2-40B4-BE49-F238E27FC236}">
-                <a16:creationId xmlns:a16="http://schemas.microsoft.com/office/drawing/2014/main" xmlns="" id="{FADD5F63-4AF7-48AE-838F-1AA8156BB3C4}"/>
+                <a16:creationId xmlns="" xmlns:a16="http://schemas.microsoft.com/office/drawing/2014/main" id="{FADD5F63-4AF7-48AE-838F-1AA8156BB3C4}"/>
               </a:ext>
             </a:extLst>
           </p:cNvPr>
@@ -16780,7 +16592,7 @@
           <p:cNvPr id="14" name="TextBox 13">
             <a:extLst>
               <a:ext uri="{FF2B5EF4-FFF2-40B4-BE49-F238E27FC236}">
-                <a16:creationId xmlns:a16="http://schemas.microsoft.com/office/drawing/2014/main" xmlns="" id="{FADD5F63-4AF7-48AE-838F-1AA8156BB3C4}"/>
+                <a16:creationId xmlns="" xmlns:a16="http://schemas.microsoft.com/office/drawing/2014/main" id="{FADD5F63-4AF7-48AE-838F-1AA8156BB3C4}"/>
               </a:ext>
             </a:extLst>
           </p:cNvPr>
@@ -16948,7 +16760,7 @@
           <p:cNvPr id="18" name="TextBox 17">
             <a:extLst>
               <a:ext uri="{FF2B5EF4-FFF2-40B4-BE49-F238E27FC236}">
-                <a16:creationId xmlns:a16="http://schemas.microsoft.com/office/drawing/2014/main" xmlns="" id="{FADD5F63-4AF7-48AE-838F-1AA8156BB3C4}"/>
+                <a16:creationId xmlns="" xmlns:a16="http://schemas.microsoft.com/office/drawing/2014/main" id="{FADD5F63-4AF7-48AE-838F-1AA8156BB3C4}"/>
               </a:ext>
             </a:extLst>
           </p:cNvPr>
@@ -17072,7 +16884,7 @@
           <p:cNvPr id="20" name="TextBox 19">
             <a:extLst>
               <a:ext uri="{FF2B5EF4-FFF2-40B4-BE49-F238E27FC236}">
-                <a16:creationId xmlns:a16="http://schemas.microsoft.com/office/drawing/2014/main" xmlns="" id="{FADD5F63-4AF7-48AE-838F-1AA8156BB3C4}"/>
+                <a16:creationId xmlns="" xmlns:a16="http://schemas.microsoft.com/office/drawing/2014/main" id="{FADD5F63-4AF7-48AE-838F-1AA8156BB3C4}"/>
               </a:ext>
             </a:extLst>
           </p:cNvPr>
@@ -17140,7 +16952,7 @@
           <p:cNvPr id="22" name="TextBox 21">
             <a:extLst>
               <a:ext uri="{FF2B5EF4-FFF2-40B4-BE49-F238E27FC236}">
-                <a16:creationId xmlns:a16="http://schemas.microsoft.com/office/drawing/2014/main" xmlns="" id="{FADD5F63-4AF7-48AE-838F-1AA8156BB3C4}"/>
+                <a16:creationId xmlns="" xmlns:a16="http://schemas.microsoft.com/office/drawing/2014/main" id="{FADD5F63-4AF7-48AE-838F-1AA8156BB3C4}"/>
               </a:ext>
             </a:extLst>
           </p:cNvPr>
@@ -17292,7 +17104,7 @@
           <p:cNvPr id="31" name="TextBox 30">
             <a:extLst>
               <a:ext uri="{FF2B5EF4-FFF2-40B4-BE49-F238E27FC236}">
-                <a16:creationId xmlns:a16="http://schemas.microsoft.com/office/drawing/2014/main" xmlns="" id="{FADD5F63-4AF7-48AE-838F-1AA8156BB3C4}"/>
+                <a16:creationId xmlns="" xmlns:a16="http://schemas.microsoft.com/office/drawing/2014/main" id="{FADD5F63-4AF7-48AE-838F-1AA8156BB3C4}"/>
               </a:ext>
             </a:extLst>
           </p:cNvPr>
@@ -17557,31 +17369,7 @@
                   <a:schemeClr val="bg1"/>
                 </a:solidFill>
               </a:rPr>
-              <a:t>프로젝트 </a:t>
-            </a:r>
-            <a:r>
-              <a:rPr lang="ko-KR" altLang="en-US" sz="2400" b="1" dirty="0" smtClean="0">
-                <a:solidFill>
-                  <a:schemeClr val="bg1"/>
-                </a:solidFill>
-              </a:rPr>
-              <a:t>서비스 </a:t>
-            </a:r>
-            <a:r>
-              <a:rPr lang="ko-KR" altLang="en-US" sz="2400" b="1" dirty="0" smtClean="0">
-                <a:solidFill>
-                  <a:schemeClr val="bg1"/>
-                </a:solidFill>
-              </a:rPr>
-              <a:t>구현</a:t>
-            </a:r>
-            <a:r>
-              <a:rPr lang="ko-KR" altLang="en-US" sz="2400" b="1" dirty="0" smtClean="0">
-                <a:solidFill>
-                  <a:schemeClr val="bg1"/>
-                </a:solidFill>
-              </a:rPr>
-              <a:t> </a:t>
+              <a:t>프로젝트 서비스 구현 </a:t>
             </a:r>
             <a:r>
               <a:rPr lang="en-US" altLang="ko-KR" sz="2400" b="1" dirty="0" smtClean="0">
@@ -17604,7 +17392,7 @@
           <p:cNvPr id="28" name="TextBox 27">
             <a:extLst>
               <a:ext uri="{FF2B5EF4-FFF2-40B4-BE49-F238E27FC236}">
-                <a16:creationId xmlns:a16="http://schemas.microsoft.com/office/drawing/2014/main" xmlns="" id="{FADD5F63-4AF7-48AE-838F-1AA8156BB3C4}"/>
+                <a16:creationId xmlns="" xmlns:a16="http://schemas.microsoft.com/office/drawing/2014/main" id="{FADD5F63-4AF7-48AE-838F-1AA8156BB3C4}"/>
               </a:ext>
             </a:extLst>
           </p:cNvPr>

--- a/기획 PPT 및 피드백/4조 final_project 200320.pptx
+++ b/기획 PPT 및 피드백/4조 final_project 200320.pptx
@@ -208,7 +208,7 @@
           <a:p>
             <a:fld id="{FC3DB055-1117-4D2D-85F1-AED5D95D945E}" type="datetimeFigureOut">
               <a:rPr lang="ko-KR" altLang="en-US" smtClean="0"/>
-              <a:t>2020-03-23</a:t>
+              <a:t>2020-03-27</a:t>
             </a:fld>
             <a:endParaRPr lang="ko-KR" altLang="en-US"/>
           </a:p>
@@ -272,38 +272,37 @@
           <a:p>
             <a:pPr lvl="0"/>
             <a:r>
-              <a:rPr lang="ko-KR" altLang="en-US" smtClean="0"/>
+              <a:rPr lang="ko-KR" altLang="en-US"/>
               <a:t>마스터 텍스트 스타일을 편집합니다</a:t>
             </a:r>
           </a:p>
           <a:p>
             <a:pPr lvl="1"/>
             <a:r>
-              <a:rPr lang="ko-KR" altLang="en-US" smtClean="0"/>
+              <a:rPr lang="ko-KR" altLang="en-US"/>
               <a:t>둘째 수준</a:t>
             </a:r>
           </a:p>
           <a:p>
             <a:pPr lvl="2"/>
             <a:r>
-              <a:rPr lang="ko-KR" altLang="en-US" smtClean="0"/>
+              <a:rPr lang="ko-KR" altLang="en-US"/>
               <a:t>셋째 수준</a:t>
             </a:r>
           </a:p>
           <a:p>
             <a:pPr lvl="3"/>
             <a:r>
-              <a:rPr lang="ko-KR" altLang="en-US" smtClean="0"/>
+              <a:rPr lang="ko-KR" altLang="en-US"/>
               <a:t>넷째 수준</a:t>
             </a:r>
           </a:p>
           <a:p>
             <a:pPr lvl="4"/>
             <a:r>
-              <a:rPr lang="ko-KR" altLang="en-US" smtClean="0"/>
+              <a:rPr lang="ko-KR" altLang="en-US"/>
               <a:t>다섯째 수준</a:t>
             </a:r>
-            <a:endParaRPr lang="ko-KR" altLang="en-US"/>
           </a:p>
         </p:txBody>
       </p:sp>
@@ -518,10 +517,9 @@
           </a:lstStyle>
           <a:p>
             <a:r>
-              <a:rPr lang="ko-KR" altLang="en-US" smtClean="0"/>
+              <a:rPr lang="ko-KR" altLang="en-US"/>
               <a:t>마스터 제목 스타일 편집</a:t>
             </a:r>
-            <a:endParaRPr lang="ko-KR" altLang="en-US"/>
           </a:p>
         </p:txBody>
       </p:sp>
@@ -583,10 +581,9 @@
           </a:lstStyle>
           <a:p>
             <a:r>
-              <a:rPr lang="ko-KR" altLang="en-US" smtClean="0"/>
+              <a:rPr lang="ko-KR" altLang="en-US"/>
               <a:t>마스터 부제목 스타일 편집</a:t>
             </a:r>
-            <a:endParaRPr lang="ko-KR" altLang="en-US"/>
           </a:p>
         </p:txBody>
       </p:sp>
@@ -607,7 +604,7 @@
           <a:p>
             <a:fld id="{136852BE-1F73-4538-B5E7-B15699C3C920}" type="datetimeFigureOut">
               <a:rPr lang="ko-KR" altLang="en-US" smtClean="0"/>
-              <a:t>2020-03-23</a:t>
+              <a:t>2020-03-27</a:t>
             </a:fld>
             <a:endParaRPr lang="ko-KR" altLang="en-US"/>
           </a:p>
@@ -701,10 +698,9 @@
           <a:lstStyle/>
           <a:p>
             <a:r>
-              <a:rPr lang="ko-KR" altLang="en-US" smtClean="0"/>
+              <a:rPr lang="ko-KR" altLang="en-US"/>
               <a:t>마스터 제목 스타일 편집</a:t>
             </a:r>
-            <a:endParaRPr lang="ko-KR" altLang="en-US"/>
           </a:p>
         </p:txBody>
       </p:sp>
@@ -725,38 +721,37 @@
           <a:p>
             <a:pPr lvl="0"/>
             <a:r>
-              <a:rPr lang="ko-KR" altLang="en-US" smtClean="0"/>
+              <a:rPr lang="ko-KR" altLang="en-US"/>
               <a:t>마스터 텍스트 스타일을 편집합니다</a:t>
             </a:r>
           </a:p>
           <a:p>
             <a:pPr lvl="1"/>
             <a:r>
-              <a:rPr lang="ko-KR" altLang="en-US" smtClean="0"/>
+              <a:rPr lang="ko-KR" altLang="en-US"/>
               <a:t>둘째 수준</a:t>
             </a:r>
           </a:p>
           <a:p>
             <a:pPr lvl="2"/>
             <a:r>
-              <a:rPr lang="ko-KR" altLang="en-US" smtClean="0"/>
+              <a:rPr lang="ko-KR" altLang="en-US"/>
               <a:t>셋째 수준</a:t>
             </a:r>
           </a:p>
           <a:p>
             <a:pPr lvl="3"/>
             <a:r>
-              <a:rPr lang="ko-KR" altLang="en-US" smtClean="0"/>
+              <a:rPr lang="ko-KR" altLang="en-US"/>
               <a:t>넷째 수준</a:t>
             </a:r>
           </a:p>
           <a:p>
             <a:pPr lvl="4"/>
             <a:r>
-              <a:rPr lang="ko-KR" altLang="en-US" smtClean="0"/>
+              <a:rPr lang="ko-KR" altLang="en-US"/>
               <a:t>다섯째 수준</a:t>
             </a:r>
-            <a:endParaRPr lang="ko-KR" altLang="en-US"/>
           </a:p>
         </p:txBody>
       </p:sp>
@@ -777,7 +772,7 @@
           <a:p>
             <a:fld id="{136852BE-1F73-4538-B5E7-B15699C3C920}" type="datetimeFigureOut">
               <a:rPr lang="ko-KR" altLang="en-US" smtClean="0"/>
-              <a:t>2020-03-23</a:t>
+              <a:t>2020-03-27</a:t>
             </a:fld>
             <a:endParaRPr lang="ko-KR" altLang="en-US"/>
           </a:p>
@@ -876,10 +871,9 @@
           <a:lstStyle/>
           <a:p>
             <a:r>
-              <a:rPr lang="ko-KR" altLang="en-US" smtClean="0"/>
+              <a:rPr lang="ko-KR" altLang="en-US"/>
               <a:t>마스터 제목 스타일 편집</a:t>
             </a:r>
-            <a:endParaRPr lang="ko-KR" altLang="en-US"/>
           </a:p>
         </p:txBody>
       </p:sp>
@@ -905,38 +899,37 @@
           <a:p>
             <a:pPr lvl="0"/>
             <a:r>
-              <a:rPr lang="ko-KR" altLang="en-US" smtClean="0"/>
+              <a:rPr lang="ko-KR" altLang="en-US"/>
               <a:t>마스터 텍스트 스타일을 편집합니다</a:t>
             </a:r>
           </a:p>
           <a:p>
             <a:pPr lvl="1"/>
             <a:r>
-              <a:rPr lang="ko-KR" altLang="en-US" smtClean="0"/>
+              <a:rPr lang="ko-KR" altLang="en-US"/>
               <a:t>둘째 수준</a:t>
             </a:r>
           </a:p>
           <a:p>
             <a:pPr lvl="2"/>
             <a:r>
-              <a:rPr lang="ko-KR" altLang="en-US" smtClean="0"/>
+              <a:rPr lang="ko-KR" altLang="en-US"/>
               <a:t>셋째 수준</a:t>
             </a:r>
           </a:p>
           <a:p>
             <a:pPr lvl="3"/>
             <a:r>
-              <a:rPr lang="ko-KR" altLang="en-US" smtClean="0"/>
+              <a:rPr lang="ko-KR" altLang="en-US"/>
               <a:t>넷째 수준</a:t>
             </a:r>
           </a:p>
           <a:p>
             <a:pPr lvl="4"/>
             <a:r>
-              <a:rPr lang="ko-KR" altLang="en-US" smtClean="0"/>
+              <a:rPr lang="ko-KR" altLang="en-US"/>
               <a:t>다섯째 수준</a:t>
             </a:r>
-            <a:endParaRPr lang="ko-KR" altLang="en-US"/>
           </a:p>
         </p:txBody>
       </p:sp>
@@ -957,7 +950,7 @@
           <a:p>
             <a:fld id="{136852BE-1F73-4538-B5E7-B15699C3C920}" type="datetimeFigureOut">
               <a:rPr lang="ko-KR" altLang="en-US" smtClean="0"/>
-              <a:t>2020-03-23</a:t>
+              <a:t>2020-03-27</a:t>
             </a:fld>
             <a:endParaRPr lang="ko-KR" altLang="en-US"/>
           </a:p>
@@ -1051,10 +1044,9 @@
           <a:lstStyle/>
           <a:p>
             <a:r>
-              <a:rPr lang="ko-KR" altLang="en-US" smtClean="0"/>
+              <a:rPr lang="ko-KR" altLang="en-US"/>
               <a:t>마스터 제목 스타일 편집</a:t>
             </a:r>
-            <a:endParaRPr lang="ko-KR" altLang="en-US"/>
           </a:p>
         </p:txBody>
       </p:sp>
@@ -1075,38 +1067,37 @@
           <a:p>
             <a:pPr lvl="0"/>
             <a:r>
-              <a:rPr lang="ko-KR" altLang="en-US" smtClean="0"/>
+              <a:rPr lang="ko-KR" altLang="en-US"/>
               <a:t>마스터 텍스트 스타일을 편집합니다</a:t>
             </a:r>
           </a:p>
           <a:p>
             <a:pPr lvl="1"/>
             <a:r>
-              <a:rPr lang="ko-KR" altLang="en-US" smtClean="0"/>
+              <a:rPr lang="ko-KR" altLang="en-US"/>
               <a:t>둘째 수준</a:t>
             </a:r>
           </a:p>
           <a:p>
             <a:pPr lvl="2"/>
             <a:r>
-              <a:rPr lang="ko-KR" altLang="en-US" smtClean="0"/>
+              <a:rPr lang="ko-KR" altLang="en-US"/>
               <a:t>셋째 수준</a:t>
             </a:r>
           </a:p>
           <a:p>
             <a:pPr lvl="3"/>
             <a:r>
-              <a:rPr lang="ko-KR" altLang="en-US" smtClean="0"/>
+              <a:rPr lang="ko-KR" altLang="en-US"/>
               <a:t>넷째 수준</a:t>
             </a:r>
           </a:p>
           <a:p>
             <a:pPr lvl="4"/>
             <a:r>
-              <a:rPr lang="ko-KR" altLang="en-US" smtClean="0"/>
+              <a:rPr lang="ko-KR" altLang="en-US"/>
               <a:t>다섯째 수준</a:t>
             </a:r>
-            <a:endParaRPr lang="ko-KR" altLang="en-US"/>
           </a:p>
         </p:txBody>
       </p:sp>
@@ -1127,7 +1118,7 @@
           <a:p>
             <a:fld id="{136852BE-1F73-4538-B5E7-B15699C3C920}" type="datetimeFigureOut">
               <a:rPr lang="ko-KR" altLang="en-US" smtClean="0"/>
-              <a:t>2020-03-23</a:t>
+              <a:t>2020-03-27</a:t>
             </a:fld>
             <a:endParaRPr lang="ko-KR" altLang="en-US"/>
           </a:p>
@@ -1230,10 +1221,9 @@
           </a:lstStyle>
           <a:p>
             <a:r>
-              <a:rPr lang="ko-KR" altLang="en-US" smtClean="0"/>
+              <a:rPr lang="ko-KR" altLang="en-US"/>
               <a:t>마스터 제목 스타일 편집</a:t>
             </a:r>
-            <a:endParaRPr lang="ko-KR" altLang="en-US"/>
           </a:p>
         </p:txBody>
       </p:sp>
@@ -1350,7 +1340,7 @@
           <a:p>
             <a:pPr lvl="0"/>
             <a:r>
-              <a:rPr lang="ko-KR" altLang="en-US" smtClean="0"/>
+              <a:rPr lang="ko-KR" altLang="en-US"/>
               <a:t>마스터 텍스트 스타일을 편집합니다</a:t>
             </a:r>
           </a:p>
@@ -1373,7 +1363,7 @@
           <a:p>
             <a:fld id="{136852BE-1F73-4538-B5E7-B15699C3C920}" type="datetimeFigureOut">
               <a:rPr lang="ko-KR" altLang="en-US" smtClean="0"/>
-              <a:t>2020-03-23</a:t>
+              <a:t>2020-03-27</a:t>
             </a:fld>
             <a:endParaRPr lang="ko-KR" altLang="en-US"/>
           </a:p>
@@ -1467,10 +1457,9 @@
           <a:lstStyle/>
           <a:p>
             <a:r>
-              <a:rPr lang="ko-KR" altLang="en-US" smtClean="0"/>
+              <a:rPr lang="ko-KR" altLang="en-US"/>
               <a:t>마스터 제목 스타일 편집</a:t>
             </a:r>
-            <a:endParaRPr lang="ko-KR" altLang="en-US"/>
           </a:p>
         </p:txBody>
       </p:sp>
@@ -1496,38 +1485,37 @@
           <a:p>
             <a:pPr lvl="0"/>
             <a:r>
-              <a:rPr lang="ko-KR" altLang="en-US" smtClean="0"/>
+              <a:rPr lang="ko-KR" altLang="en-US"/>
               <a:t>마스터 텍스트 스타일을 편집합니다</a:t>
             </a:r>
           </a:p>
           <a:p>
             <a:pPr lvl="1"/>
             <a:r>
-              <a:rPr lang="ko-KR" altLang="en-US" smtClean="0"/>
+              <a:rPr lang="ko-KR" altLang="en-US"/>
               <a:t>둘째 수준</a:t>
             </a:r>
           </a:p>
           <a:p>
             <a:pPr lvl="2"/>
             <a:r>
-              <a:rPr lang="ko-KR" altLang="en-US" smtClean="0"/>
+              <a:rPr lang="ko-KR" altLang="en-US"/>
               <a:t>셋째 수준</a:t>
             </a:r>
           </a:p>
           <a:p>
             <a:pPr lvl="3"/>
             <a:r>
-              <a:rPr lang="ko-KR" altLang="en-US" smtClean="0"/>
+              <a:rPr lang="ko-KR" altLang="en-US"/>
               <a:t>넷째 수준</a:t>
             </a:r>
           </a:p>
           <a:p>
             <a:pPr lvl="4"/>
             <a:r>
-              <a:rPr lang="ko-KR" altLang="en-US" smtClean="0"/>
+              <a:rPr lang="ko-KR" altLang="en-US"/>
               <a:t>다섯째 수준</a:t>
             </a:r>
-            <a:endParaRPr lang="ko-KR" altLang="en-US"/>
           </a:p>
         </p:txBody>
       </p:sp>
@@ -1553,38 +1541,37 @@
           <a:p>
             <a:pPr lvl="0"/>
             <a:r>
-              <a:rPr lang="ko-KR" altLang="en-US" smtClean="0"/>
+              <a:rPr lang="ko-KR" altLang="en-US"/>
               <a:t>마스터 텍스트 스타일을 편집합니다</a:t>
             </a:r>
           </a:p>
           <a:p>
             <a:pPr lvl="1"/>
             <a:r>
-              <a:rPr lang="ko-KR" altLang="en-US" smtClean="0"/>
+              <a:rPr lang="ko-KR" altLang="en-US"/>
               <a:t>둘째 수준</a:t>
             </a:r>
           </a:p>
           <a:p>
             <a:pPr lvl="2"/>
             <a:r>
-              <a:rPr lang="ko-KR" altLang="en-US" smtClean="0"/>
+              <a:rPr lang="ko-KR" altLang="en-US"/>
               <a:t>셋째 수준</a:t>
             </a:r>
           </a:p>
           <a:p>
             <a:pPr lvl="3"/>
             <a:r>
-              <a:rPr lang="ko-KR" altLang="en-US" smtClean="0"/>
+              <a:rPr lang="ko-KR" altLang="en-US"/>
               <a:t>넷째 수준</a:t>
             </a:r>
           </a:p>
           <a:p>
             <a:pPr lvl="4"/>
             <a:r>
-              <a:rPr lang="ko-KR" altLang="en-US" smtClean="0"/>
+              <a:rPr lang="ko-KR" altLang="en-US"/>
               <a:t>다섯째 수준</a:t>
             </a:r>
-            <a:endParaRPr lang="ko-KR" altLang="en-US"/>
           </a:p>
         </p:txBody>
       </p:sp>
@@ -1605,7 +1592,7 @@
           <a:p>
             <a:fld id="{136852BE-1F73-4538-B5E7-B15699C3C920}" type="datetimeFigureOut">
               <a:rPr lang="ko-KR" altLang="en-US" smtClean="0"/>
-              <a:t>2020-03-23</a:t>
+              <a:t>2020-03-27</a:t>
             </a:fld>
             <a:endParaRPr lang="ko-KR" altLang="en-US"/>
           </a:p>
@@ -1704,10 +1691,9 @@
           <a:lstStyle/>
           <a:p>
             <a:r>
-              <a:rPr lang="ko-KR" altLang="en-US" smtClean="0"/>
+              <a:rPr lang="ko-KR" altLang="en-US"/>
               <a:t>마스터 제목 스타일 편집</a:t>
             </a:r>
-            <a:endParaRPr lang="ko-KR" altLang="en-US"/>
           </a:p>
         </p:txBody>
       </p:sp>
@@ -1770,7 +1756,7 @@
           <a:p>
             <a:pPr lvl="0"/>
             <a:r>
-              <a:rPr lang="ko-KR" altLang="en-US" smtClean="0"/>
+              <a:rPr lang="ko-KR" altLang="en-US"/>
               <a:t>마스터 텍스트 스타일을 편집합니다</a:t>
             </a:r>
           </a:p>
@@ -1798,38 +1784,37 @@
           <a:p>
             <a:pPr lvl="0"/>
             <a:r>
-              <a:rPr lang="ko-KR" altLang="en-US" smtClean="0"/>
+              <a:rPr lang="ko-KR" altLang="en-US"/>
               <a:t>마스터 텍스트 스타일을 편집합니다</a:t>
             </a:r>
           </a:p>
           <a:p>
             <a:pPr lvl="1"/>
             <a:r>
-              <a:rPr lang="ko-KR" altLang="en-US" smtClean="0"/>
+              <a:rPr lang="ko-KR" altLang="en-US"/>
               <a:t>둘째 수준</a:t>
             </a:r>
           </a:p>
           <a:p>
             <a:pPr lvl="2"/>
             <a:r>
-              <a:rPr lang="ko-KR" altLang="en-US" smtClean="0"/>
+              <a:rPr lang="ko-KR" altLang="en-US"/>
               <a:t>셋째 수준</a:t>
             </a:r>
           </a:p>
           <a:p>
             <a:pPr lvl="3"/>
             <a:r>
-              <a:rPr lang="ko-KR" altLang="en-US" smtClean="0"/>
+              <a:rPr lang="ko-KR" altLang="en-US"/>
               <a:t>넷째 수준</a:t>
             </a:r>
           </a:p>
           <a:p>
             <a:pPr lvl="4"/>
             <a:r>
-              <a:rPr lang="ko-KR" altLang="en-US" smtClean="0"/>
+              <a:rPr lang="ko-KR" altLang="en-US"/>
               <a:t>다섯째 수준</a:t>
             </a:r>
-            <a:endParaRPr lang="ko-KR" altLang="en-US"/>
           </a:p>
         </p:txBody>
       </p:sp>
@@ -1892,7 +1877,7 @@
           <a:p>
             <a:pPr lvl="0"/>
             <a:r>
-              <a:rPr lang="ko-KR" altLang="en-US" smtClean="0"/>
+              <a:rPr lang="ko-KR" altLang="en-US"/>
               <a:t>마스터 텍스트 스타일을 편집합니다</a:t>
             </a:r>
           </a:p>
@@ -1920,38 +1905,37 @@
           <a:p>
             <a:pPr lvl="0"/>
             <a:r>
-              <a:rPr lang="ko-KR" altLang="en-US" smtClean="0"/>
+              <a:rPr lang="ko-KR" altLang="en-US"/>
               <a:t>마스터 텍스트 스타일을 편집합니다</a:t>
             </a:r>
           </a:p>
           <a:p>
             <a:pPr lvl="1"/>
             <a:r>
-              <a:rPr lang="ko-KR" altLang="en-US" smtClean="0"/>
+              <a:rPr lang="ko-KR" altLang="en-US"/>
               <a:t>둘째 수준</a:t>
             </a:r>
           </a:p>
           <a:p>
             <a:pPr lvl="2"/>
             <a:r>
-              <a:rPr lang="ko-KR" altLang="en-US" smtClean="0"/>
+              <a:rPr lang="ko-KR" altLang="en-US"/>
               <a:t>셋째 수준</a:t>
             </a:r>
           </a:p>
           <a:p>
             <a:pPr lvl="3"/>
             <a:r>
-              <a:rPr lang="ko-KR" altLang="en-US" smtClean="0"/>
+              <a:rPr lang="ko-KR" altLang="en-US"/>
               <a:t>넷째 수준</a:t>
             </a:r>
           </a:p>
           <a:p>
             <a:pPr lvl="4"/>
             <a:r>
-              <a:rPr lang="ko-KR" altLang="en-US" smtClean="0"/>
+              <a:rPr lang="ko-KR" altLang="en-US"/>
               <a:t>다섯째 수준</a:t>
             </a:r>
-            <a:endParaRPr lang="ko-KR" altLang="en-US"/>
           </a:p>
         </p:txBody>
       </p:sp>
@@ -1972,7 +1956,7 @@
           <a:p>
             <a:fld id="{136852BE-1F73-4538-B5E7-B15699C3C920}" type="datetimeFigureOut">
               <a:rPr lang="ko-KR" altLang="en-US" smtClean="0"/>
-              <a:t>2020-03-23</a:t>
+              <a:t>2020-03-27</a:t>
             </a:fld>
             <a:endParaRPr lang="ko-KR" altLang="en-US"/>
           </a:p>
@@ -2066,10 +2050,9 @@
           <a:lstStyle/>
           <a:p>
             <a:r>
-              <a:rPr lang="ko-KR" altLang="en-US" smtClean="0"/>
+              <a:rPr lang="ko-KR" altLang="en-US"/>
               <a:t>마스터 제목 스타일 편집</a:t>
             </a:r>
-            <a:endParaRPr lang="ko-KR" altLang="en-US"/>
           </a:p>
         </p:txBody>
       </p:sp>
@@ -2090,7 +2073,7 @@
           <a:p>
             <a:fld id="{136852BE-1F73-4538-B5E7-B15699C3C920}" type="datetimeFigureOut">
               <a:rPr lang="ko-KR" altLang="en-US" smtClean="0"/>
-              <a:t>2020-03-23</a:t>
+              <a:t>2020-03-27</a:t>
             </a:fld>
             <a:endParaRPr lang="ko-KR" altLang="en-US"/>
           </a:p>
@@ -2185,7 +2168,7 @@
           <a:p>
             <a:fld id="{136852BE-1F73-4538-B5E7-B15699C3C920}" type="datetimeFigureOut">
               <a:rPr lang="ko-KR" altLang="en-US" smtClean="0"/>
-              <a:t>2020-03-23</a:t>
+              <a:t>2020-03-27</a:t>
             </a:fld>
             <a:endParaRPr lang="ko-KR" altLang="en-US"/>
           </a:p>
@@ -2288,10 +2271,9 @@
           </a:lstStyle>
           <a:p>
             <a:r>
-              <a:rPr lang="ko-KR" altLang="en-US" smtClean="0"/>
+              <a:rPr lang="ko-KR" altLang="en-US"/>
               <a:t>마스터 제목 스타일 편집</a:t>
             </a:r>
-            <a:endParaRPr lang="ko-KR" altLang="en-US"/>
           </a:p>
         </p:txBody>
       </p:sp>
@@ -2345,38 +2327,37 @@
           <a:p>
             <a:pPr lvl="0"/>
             <a:r>
-              <a:rPr lang="ko-KR" altLang="en-US" smtClean="0"/>
+              <a:rPr lang="ko-KR" altLang="en-US"/>
               <a:t>마스터 텍스트 스타일을 편집합니다</a:t>
             </a:r>
           </a:p>
           <a:p>
             <a:pPr lvl="1"/>
             <a:r>
-              <a:rPr lang="ko-KR" altLang="en-US" smtClean="0"/>
+              <a:rPr lang="ko-KR" altLang="en-US"/>
               <a:t>둘째 수준</a:t>
             </a:r>
           </a:p>
           <a:p>
             <a:pPr lvl="2"/>
             <a:r>
-              <a:rPr lang="ko-KR" altLang="en-US" smtClean="0"/>
+              <a:rPr lang="ko-KR" altLang="en-US"/>
               <a:t>셋째 수준</a:t>
             </a:r>
           </a:p>
           <a:p>
             <a:pPr lvl="3"/>
             <a:r>
-              <a:rPr lang="ko-KR" altLang="en-US" smtClean="0"/>
+              <a:rPr lang="ko-KR" altLang="en-US"/>
               <a:t>넷째 수준</a:t>
             </a:r>
           </a:p>
           <a:p>
             <a:pPr lvl="4"/>
             <a:r>
-              <a:rPr lang="ko-KR" altLang="en-US" smtClean="0"/>
+              <a:rPr lang="ko-KR" altLang="en-US"/>
               <a:t>다섯째 수준</a:t>
             </a:r>
-            <a:endParaRPr lang="ko-KR" altLang="en-US"/>
           </a:p>
         </p:txBody>
       </p:sp>
@@ -2439,7 +2420,7 @@
           <a:p>
             <a:pPr lvl="0"/>
             <a:r>
-              <a:rPr lang="ko-KR" altLang="en-US" smtClean="0"/>
+              <a:rPr lang="ko-KR" altLang="en-US"/>
               <a:t>마스터 텍스트 스타일을 편집합니다</a:t>
             </a:r>
           </a:p>
@@ -2462,7 +2443,7 @@
           <a:p>
             <a:fld id="{136852BE-1F73-4538-B5E7-B15699C3C920}" type="datetimeFigureOut">
               <a:rPr lang="ko-KR" altLang="en-US" smtClean="0"/>
-              <a:t>2020-03-23</a:t>
+              <a:t>2020-03-27</a:t>
             </a:fld>
             <a:endParaRPr lang="ko-KR" altLang="en-US"/>
           </a:p>
@@ -2565,10 +2546,9 @@
           </a:lstStyle>
           <a:p>
             <a:r>
-              <a:rPr lang="ko-KR" altLang="en-US" smtClean="0"/>
+              <a:rPr lang="ko-KR" altLang="en-US"/>
               <a:t>마스터 제목 스타일 편집</a:t>
             </a:r>
-            <a:endParaRPr lang="ko-KR" altLang="en-US"/>
           </a:p>
         </p:txBody>
       </p:sp>
@@ -2692,7 +2672,7 @@
           <a:p>
             <a:pPr lvl="0"/>
             <a:r>
-              <a:rPr lang="ko-KR" altLang="en-US" smtClean="0"/>
+              <a:rPr lang="ko-KR" altLang="en-US"/>
               <a:t>마스터 텍스트 스타일을 편집합니다</a:t>
             </a:r>
           </a:p>
@@ -2715,7 +2695,7 @@
           <a:p>
             <a:fld id="{136852BE-1F73-4538-B5E7-B15699C3C920}" type="datetimeFigureOut">
               <a:rPr lang="ko-KR" altLang="en-US" smtClean="0"/>
-              <a:t>2020-03-23</a:t>
+              <a:t>2020-03-27</a:t>
             </a:fld>
             <a:endParaRPr lang="ko-KR" altLang="en-US"/>
           </a:p>
@@ -2824,10 +2804,9 @@
           <a:lstStyle/>
           <a:p>
             <a:r>
-              <a:rPr lang="ko-KR" altLang="en-US" smtClean="0"/>
+              <a:rPr lang="ko-KR" altLang="en-US"/>
               <a:t>마스터 제목 스타일 편집</a:t>
             </a:r>
-            <a:endParaRPr lang="ko-KR" altLang="en-US"/>
           </a:p>
         </p:txBody>
       </p:sp>
@@ -2858,38 +2837,37 @@
           <a:p>
             <a:pPr lvl="0"/>
             <a:r>
-              <a:rPr lang="ko-KR" altLang="en-US" smtClean="0"/>
+              <a:rPr lang="ko-KR" altLang="en-US"/>
               <a:t>마스터 텍스트 스타일을 편집합니다</a:t>
             </a:r>
           </a:p>
           <a:p>
             <a:pPr lvl="1"/>
             <a:r>
-              <a:rPr lang="ko-KR" altLang="en-US" smtClean="0"/>
+              <a:rPr lang="ko-KR" altLang="en-US"/>
               <a:t>둘째 수준</a:t>
             </a:r>
           </a:p>
           <a:p>
             <a:pPr lvl="2"/>
             <a:r>
-              <a:rPr lang="ko-KR" altLang="en-US" smtClean="0"/>
+              <a:rPr lang="ko-KR" altLang="en-US"/>
               <a:t>셋째 수준</a:t>
             </a:r>
           </a:p>
           <a:p>
             <a:pPr lvl="3"/>
             <a:r>
-              <a:rPr lang="ko-KR" altLang="en-US" smtClean="0"/>
+              <a:rPr lang="ko-KR" altLang="en-US"/>
               <a:t>넷째 수준</a:t>
             </a:r>
           </a:p>
           <a:p>
             <a:pPr lvl="4"/>
             <a:r>
-              <a:rPr lang="ko-KR" altLang="en-US" smtClean="0"/>
+              <a:rPr lang="ko-KR" altLang="en-US"/>
               <a:t>다섯째 수준</a:t>
             </a:r>
-            <a:endParaRPr lang="ko-KR" altLang="en-US"/>
           </a:p>
         </p:txBody>
       </p:sp>
@@ -2928,7 +2906,7 @@
           <a:p>
             <a:fld id="{136852BE-1F73-4538-B5E7-B15699C3C920}" type="datetimeFigureOut">
               <a:rPr lang="ko-KR" altLang="en-US" smtClean="0"/>
-              <a:t>2020-03-23</a:t>
+              <a:t>2020-03-27</a:t>
             </a:fld>
             <a:endParaRPr lang="ko-KR" altLang="en-US"/>
           </a:p>
@@ -3831,7 +3809,7 @@
           <p:cNvPr id="20" name="TextBox 19">
             <a:extLst>
               <a:ext uri="{FF2B5EF4-FFF2-40B4-BE49-F238E27FC236}">
-                <a16:creationId xmlns="" xmlns:a16="http://schemas.microsoft.com/office/drawing/2014/main" id="{5191B7C8-3FAD-486A-8579-D0EF3AB1F3F7}"/>
+                <a16:creationId xmlns:a16="http://schemas.microsoft.com/office/drawing/2014/main" id="{5191B7C8-3FAD-486A-8579-D0EF3AB1F3F7}"/>
               </a:ext>
             </a:extLst>
           </p:cNvPr>
@@ -3952,7 +3930,7 @@
           <p:cNvPr id="21" name="TextBox 20">
             <a:extLst>
               <a:ext uri="{FF2B5EF4-FFF2-40B4-BE49-F238E27FC236}">
-                <a16:creationId xmlns="" xmlns:a16="http://schemas.microsoft.com/office/drawing/2014/main" id="{4292DB72-6D66-428C-B3E4-5D7E7B062215}"/>
+                <a16:creationId xmlns:a16="http://schemas.microsoft.com/office/drawing/2014/main" id="{4292DB72-6D66-428C-B3E4-5D7E7B062215}"/>
               </a:ext>
             </a:extLst>
           </p:cNvPr>
@@ -4095,7 +4073,7 @@
               <a:buSzPct val="60000"/>
             </a:pPr>
             <a:r>
-              <a:rPr lang="ko-KR" altLang="en-US" sz="1600" b="1" spc="-45" dirty="0" smtClean="0">
+              <a:rPr lang="ko-KR" altLang="en-US" sz="1600" b="1" spc="-45" dirty="0">
                 <a:solidFill>
                   <a:schemeClr val="bg1"/>
                 </a:solidFill>
@@ -4117,13 +4095,6 @@
   <p:clrMapOvr>
     <a:masterClrMapping/>
   </p:clrMapOvr>
-  <p:timing>
-    <p:tnLst>
-      <p:par>
-        <p:cTn id="1" dur="indefinite" restart="never" nodeType="tmRoot"/>
-      </p:par>
-    </p:tnLst>
-  </p:timing>
 </p:sld>
 </file>
 
@@ -4294,7 +4265,7 @@
           <p:cNvPr id="12" name="TextBox 11">
             <a:extLst>
               <a:ext uri="{FF2B5EF4-FFF2-40B4-BE49-F238E27FC236}">
-                <a16:creationId xmlns="" xmlns:a16="http://schemas.microsoft.com/office/drawing/2014/main" id="{FADD5F63-4AF7-48AE-838F-1AA8156BB3C4}"/>
+                <a16:creationId xmlns:a16="http://schemas.microsoft.com/office/drawing/2014/main" id="{FADD5F63-4AF7-48AE-838F-1AA8156BB3C4}"/>
               </a:ext>
             </a:extLst>
           </p:cNvPr>
@@ -4334,7 +4305,7 @@
               <a:buSzPct val="60000"/>
             </a:pPr>
             <a:r>
-              <a:rPr lang="en-US" altLang="ko-KR" sz="1500" b="1" spc="-60" dirty="0" smtClean="0">
+              <a:rPr lang="en-US" altLang="ko-KR" sz="1500" b="1" spc="-60" dirty="0">
                 <a:solidFill>
                   <a:schemeClr val="tx1">
                     <a:lumMod val="65000"/>
@@ -4346,7 +4317,7 @@
               <a:t>&lt;</a:t>
             </a:r>
             <a:r>
-              <a:rPr lang="ko-KR" altLang="en-US" sz="1500" b="1" spc="-60" dirty="0" smtClean="0">
+              <a:rPr lang="ko-KR" altLang="en-US" sz="1500" b="1" spc="-60" dirty="0">
                 <a:solidFill>
                   <a:schemeClr val="tx1">
                     <a:lumMod val="65000"/>
@@ -4358,7 +4329,7 @@
               <a:t>서비스 구현 </a:t>
             </a:r>
             <a:r>
-              <a:rPr lang="en-US" altLang="ko-KR" sz="1500" b="1" spc="-60" dirty="0" smtClean="0">
+              <a:rPr lang="en-US" altLang="ko-KR" sz="1500" b="1" spc="-60" dirty="0">
                 <a:solidFill>
                   <a:schemeClr val="tx1">
                     <a:lumMod val="65000"/>
@@ -4370,13 +4341,13 @@
               <a:t>: </a:t>
             </a:r>
             <a:r>
-              <a:rPr lang="ko-KR" altLang="en-US" sz="1500" b="1" spc="-60" dirty="0" smtClean="0">
+              <a:rPr lang="ko-KR" altLang="en-US" sz="1500" b="1" spc="-60" dirty="0">
                 <a:latin typeface="+mn-ea"/>
               </a:rPr>
               <a:t>자세한 정보 띄우기</a:t>
             </a:r>
             <a:r>
-              <a:rPr lang="en-US" altLang="ko-KR" sz="1500" b="1" spc="-60" dirty="0" smtClean="0">
+              <a:rPr lang="en-US" altLang="ko-KR" sz="1500" b="1" spc="-60" dirty="0">
                 <a:solidFill>
                   <a:schemeClr val="tx1">
                     <a:lumMod val="65000"/>
@@ -4413,7 +4384,7 @@
           <a:lstStyle/>
           <a:p>
             <a:r>
-              <a:rPr lang="ko-KR" altLang="en-US" sz="2400" b="1" dirty="0" smtClean="0">
+              <a:rPr lang="ko-KR" altLang="en-US" sz="2400" b="1" dirty="0">
                 <a:solidFill>
                   <a:schemeClr val="bg1"/>
                 </a:solidFill>
@@ -4421,7 +4392,7 @@
               <a:t>프로젝트 서비스 구현 </a:t>
             </a:r>
             <a:r>
-              <a:rPr lang="en-US" altLang="ko-KR" sz="2400" b="1" dirty="0" smtClean="0">
+              <a:rPr lang="en-US" altLang="ko-KR" sz="2400" b="1" dirty="0">
                 <a:solidFill>
                   <a:schemeClr val="bg1"/>
                 </a:solidFill>
@@ -5011,7 +4982,7 @@
           <p:cNvPr id="49" name="TextBox 48">
             <a:extLst>
               <a:ext uri="{FF2B5EF4-FFF2-40B4-BE49-F238E27FC236}">
-                <a16:creationId xmlns="" xmlns:a16="http://schemas.microsoft.com/office/drawing/2014/main" id="{FADD5F63-4AF7-48AE-838F-1AA8156BB3C4}"/>
+                <a16:creationId xmlns:a16="http://schemas.microsoft.com/office/drawing/2014/main" id="{FADD5F63-4AF7-48AE-838F-1AA8156BB3C4}"/>
               </a:ext>
             </a:extLst>
           </p:cNvPr>
@@ -5051,7 +5022,7 @@
               <a:buSzPct val="60000"/>
             </a:pPr>
             <a:r>
-              <a:rPr lang="en-US" altLang="ko-KR" sz="1500" b="1" spc="-60" dirty="0" smtClean="0">
+              <a:rPr lang="en-US" altLang="ko-KR" sz="1500" b="1" spc="-60" dirty="0">
                 <a:solidFill>
                   <a:schemeClr val="tx1">
                     <a:lumMod val="65000"/>
@@ -5063,7 +5034,7 @@
               <a:t>▶</a:t>
             </a:r>
             <a:r>
-              <a:rPr lang="ko-KR" altLang="en-US" sz="1500" b="1" spc="-60" dirty="0" smtClean="0">
+              <a:rPr lang="ko-KR" altLang="en-US" sz="1500" b="1" spc="-60" dirty="0">
                 <a:solidFill>
                   <a:schemeClr val="tx1">
                     <a:lumMod val="65000"/>
@@ -5074,15 +5045,6 @@
               </a:rPr>
               <a:t>지도에 표시된 도시들에 대한 정보를 자세히 보고 싶다면 두 번 클릭 </a:t>
             </a:r>
-            <a:endParaRPr lang="ko-KR" altLang="en-US" sz="1500" b="1" spc="-60" dirty="0">
-              <a:solidFill>
-                <a:schemeClr val="tx1">
-                  <a:lumMod val="65000"/>
-                  <a:lumOff val="35000"/>
-                </a:schemeClr>
-              </a:solidFill>
-              <a:latin typeface="+mn-ea"/>
-            </a:endParaRPr>
           </a:p>
         </p:txBody>
       </p:sp>
@@ -5194,7 +5156,7 @@
               <p:cNvPr id="39" name="TextBox 38">
                 <a:extLst>
                   <a:ext uri="{FF2B5EF4-FFF2-40B4-BE49-F238E27FC236}">
-                    <a16:creationId xmlns="" xmlns:a16="http://schemas.microsoft.com/office/drawing/2014/main" id="{FADD5F63-4AF7-48AE-838F-1AA8156BB3C4}"/>
+                    <a16:creationId xmlns:a16="http://schemas.microsoft.com/office/drawing/2014/main" id="{FADD5F63-4AF7-48AE-838F-1AA8156BB3C4}"/>
                   </a:ext>
                 </a:extLst>
               </p:cNvPr>
@@ -5234,7 +5196,7 @@
                   <a:buSzPct val="60000"/>
                 </a:pPr>
                 <a:r>
-                  <a:rPr lang="ko-KR" altLang="en-US" sz="1500" b="1" spc="-60" dirty="0" err="1" smtClean="0">
+                  <a:rPr lang="ko-KR" altLang="en-US" sz="1500" b="1" spc="-60" dirty="0" err="1">
                     <a:solidFill>
                       <a:srgbClr val="002060"/>
                     </a:solidFill>
@@ -5242,7 +5204,7 @@
                   </a:rPr>
                   <a:t>친퀘테레</a:t>
                 </a:r>
-                <a:endParaRPr lang="en-US" altLang="ko-KR" sz="1500" b="1" spc="-60" dirty="0" smtClean="0">
+                <a:endParaRPr lang="en-US" altLang="ko-KR" sz="1500" b="1" spc="-60" dirty="0">
                   <a:solidFill>
                     <a:srgbClr val="002060"/>
                   </a:solidFill>
@@ -5257,7 +5219,7 @@
             <p:cNvPr id="41" name="TextBox 40">
               <a:extLst>
                 <a:ext uri="{FF2B5EF4-FFF2-40B4-BE49-F238E27FC236}">
-                  <a16:creationId xmlns="" xmlns:a16="http://schemas.microsoft.com/office/drawing/2014/main" id="{FADD5F63-4AF7-48AE-838F-1AA8156BB3C4}"/>
+                  <a16:creationId xmlns:a16="http://schemas.microsoft.com/office/drawing/2014/main" id="{FADD5F63-4AF7-48AE-838F-1AA8156BB3C4}"/>
                 </a:ext>
               </a:extLst>
             </p:cNvPr>
@@ -5299,7 +5261,7 @@
                 <a:buChar char="l"/>
               </a:pPr>
               <a:r>
-                <a:rPr lang="ko-KR" altLang="en-US" sz="1500" b="1" spc="-60" dirty="0" smtClean="0">
+                <a:rPr lang="ko-KR" altLang="en-US" sz="1500" b="1" spc="-60" dirty="0">
                   <a:solidFill>
                     <a:schemeClr val="tx1">
                       <a:lumMod val="65000"/>
@@ -5311,7 +5273,7 @@
                 <a:t>추천 키워드</a:t>
               </a:r>
               <a:r>
-                <a:rPr lang="en-US" altLang="ko-KR" sz="1500" b="1" spc="-60" dirty="0" smtClean="0">
+                <a:rPr lang="en-US" altLang="ko-KR" sz="1500" b="1" spc="-60" dirty="0">
                   <a:solidFill>
                     <a:schemeClr val="tx1">
                       <a:lumMod val="65000"/>
@@ -5323,7 +5285,7 @@
                 <a:t>: </a:t>
               </a:r>
               <a:r>
-                <a:rPr lang="ko-KR" altLang="en-US" sz="1500" b="1" spc="-60" dirty="0" smtClean="0">
+                <a:rPr lang="ko-KR" altLang="en-US" sz="1500" b="1" spc="-60" dirty="0">
                   <a:solidFill>
                     <a:schemeClr val="tx1">
                       <a:lumMod val="65000"/>
@@ -5335,7 +5297,7 @@
                 <a:t>휴양</a:t>
               </a:r>
               <a:r>
-                <a:rPr lang="en-US" altLang="ko-KR" sz="1500" b="1" spc="-60" dirty="0" smtClean="0">
+                <a:rPr lang="en-US" altLang="ko-KR" sz="1500" b="1" spc="-60" dirty="0">
                   <a:solidFill>
                     <a:schemeClr val="tx1">
                       <a:lumMod val="65000"/>
@@ -5347,7 +5309,7 @@
                 <a:t>, </a:t>
               </a:r>
               <a:r>
-                <a:rPr lang="ko-KR" altLang="en-US" sz="1500" b="1" spc="-60" dirty="0" smtClean="0">
+                <a:rPr lang="ko-KR" altLang="en-US" sz="1500" b="1" spc="-60" dirty="0">
                   <a:solidFill>
                     <a:schemeClr val="tx1">
                       <a:lumMod val="65000"/>
@@ -5358,7 +5320,7 @@
                 </a:rPr>
                 <a:t>레저</a:t>
               </a:r>
-              <a:endParaRPr lang="en-US" altLang="ko-KR" sz="1500" b="1" spc="-60" dirty="0" smtClean="0">
+              <a:endParaRPr lang="en-US" altLang="ko-KR" sz="1500" b="1" spc="-60" dirty="0">
                 <a:solidFill>
                   <a:schemeClr val="tx1">
                     <a:lumMod val="65000"/>
@@ -5384,7 +5346,7 @@
                 <a:buChar char="l"/>
               </a:pPr>
               <a:r>
-                <a:rPr lang="ko-KR" altLang="en-US" sz="1500" b="1" spc="-60" dirty="0" smtClean="0">
+                <a:rPr lang="ko-KR" altLang="en-US" sz="1500" b="1" spc="-60" dirty="0">
                   <a:solidFill>
                     <a:schemeClr val="tx1">
                       <a:lumMod val="65000"/>
@@ -5396,7 +5358,7 @@
                 <a:t>추천 코스</a:t>
               </a:r>
               <a:r>
-                <a:rPr lang="en-US" altLang="ko-KR" sz="1500" b="1" spc="-60" dirty="0" smtClean="0">
+                <a:rPr lang="en-US" altLang="ko-KR" sz="1500" b="1" spc="-60" dirty="0">
                   <a:solidFill>
                     <a:schemeClr val="tx1">
                       <a:lumMod val="65000"/>
@@ -5408,7 +5370,7 @@
                 <a:t>: </a:t>
               </a:r>
               <a:r>
-                <a:rPr lang="ko-KR" altLang="en-US" sz="1500" b="1" spc="-60" dirty="0" smtClean="0">
+                <a:rPr lang="ko-KR" altLang="en-US" sz="1500" b="1" spc="-60" dirty="0">
                   <a:solidFill>
                     <a:schemeClr val="tx1">
                       <a:lumMod val="65000"/>
@@ -5420,7 +5382,7 @@
                 <a:t>해안 산책</a:t>
               </a:r>
               <a:r>
-                <a:rPr lang="en-US" altLang="ko-KR" sz="1500" b="1" spc="-60" dirty="0" smtClean="0">
+                <a:rPr lang="en-US" altLang="ko-KR" sz="1500" b="1" spc="-60" dirty="0">
                   <a:solidFill>
                     <a:schemeClr val="tx1">
                       <a:lumMod val="65000"/>
@@ -5432,7 +5394,7 @@
                 <a:t>, </a:t>
               </a:r>
               <a:r>
-                <a:rPr lang="ko-KR" altLang="en-US" sz="1500" b="1" spc="-60" dirty="0" smtClean="0">
+                <a:rPr lang="ko-KR" altLang="en-US" sz="1500" b="1" spc="-60" dirty="0">
                   <a:solidFill>
                     <a:schemeClr val="tx1">
                       <a:lumMod val="65000"/>
@@ -5443,7 +5405,7 @@
                 </a:rPr>
                 <a:t>스피드 보트</a:t>
               </a:r>
-              <a:endParaRPr lang="en-US" altLang="ko-KR" sz="1500" b="1" spc="-60" dirty="0" smtClean="0">
+              <a:endParaRPr lang="en-US" altLang="ko-KR" sz="1500" b="1" spc="-60" dirty="0">
                 <a:solidFill>
                   <a:schemeClr val="tx1">
                     <a:lumMod val="65000"/>
@@ -5469,7 +5431,7 @@
                 <a:buChar char="l"/>
               </a:pPr>
               <a:r>
-                <a:rPr lang="ko-KR" altLang="en-US" sz="1500" b="1" spc="-60" dirty="0" smtClean="0">
+                <a:rPr lang="ko-KR" altLang="en-US" sz="1500" b="1" spc="-60" dirty="0">
                   <a:solidFill>
                     <a:schemeClr val="tx1">
                       <a:lumMod val="65000"/>
@@ -5481,7 +5443,7 @@
                 <a:t>추천 레스토랑</a:t>
               </a:r>
               <a:r>
-                <a:rPr lang="en-US" altLang="ko-KR" sz="1500" b="1" spc="-60" dirty="0" smtClean="0">
+                <a:rPr lang="en-US" altLang="ko-KR" sz="1500" b="1" spc="-60" dirty="0">
                   <a:solidFill>
                     <a:schemeClr val="tx1">
                       <a:lumMod val="65000"/>
@@ -5493,7 +5455,7 @@
                 <a:t>: OO </a:t>
               </a:r>
               <a:r>
-                <a:rPr lang="ko-KR" altLang="en-US" sz="1500" b="1" spc="-60" dirty="0" smtClean="0">
+                <a:rPr lang="ko-KR" altLang="en-US" sz="1500" b="1" spc="-60" dirty="0">
                   <a:solidFill>
                     <a:schemeClr val="tx1">
                       <a:lumMod val="65000"/>
@@ -5504,7 +5466,7 @@
                 </a:rPr>
                 <a:t>식당</a:t>
               </a:r>
-              <a:endParaRPr lang="en-US" altLang="ko-KR" sz="1500" b="1" spc="-60" dirty="0" smtClean="0">
+              <a:endParaRPr lang="en-US" altLang="ko-KR" sz="1500" b="1" spc="-60" dirty="0">
                 <a:solidFill>
                   <a:schemeClr val="tx1">
                     <a:lumMod val="65000"/>
@@ -5529,7 +5491,7 @@
                 <a:buFont typeface="Wingdings" pitchFamily="2" charset="2"/>
                 <a:buChar char="l"/>
               </a:pPr>
-              <a:endParaRPr lang="en-US" altLang="ko-KR" sz="1500" b="1" spc="-60" dirty="0" smtClean="0">
+              <a:endParaRPr lang="en-US" altLang="ko-KR" sz="1500" b="1" spc="-60" dirty="0">
                 <a:solidFill>
                   <a:schemeClr val="tx1">
                     <a:lumMod val="65000"/>
@@ -5546,7 +5508,7 @@
             <p:cNvPr id="46" name="TextBox 45">
               <a:extLst>
                 <a:ext uri="{FF2B5EF4-FFF2-40B4-BE49-F238E27FC236}">
-                  <a16:creationId xmlns="" xmlns:a16="http://schemas.microsoft.com/office/drawing/2014/main" id="{FADD5F63-4AF7-48AE-838F-1AA8156BB3C4}"/>
+                  <a16:creationId xmlns:a16="http://schemas.microsoft.com/office/drawing/2014/main" id="{FADD5F63-4AF7-48AE-838F-1AA8156BB3C4}"/>
                 </a:ext>
               </a:extLst>
             </p:cNvPr>
@@ -5588,7 +5550,7 @@
                 <a:buChar char="l"/>
               </a:pPr>
               <a:r>
-                <a:rPr lang="ko-KR" altLang="en-US" sz="1500" b="1" spc="-60" dirty="0" smtClean="0">
+                <a:rPr lang="ko-KR" altLang="en-US" sz="1500" b="1" spc="-60" dirty="0">
                   <a:solidFill>
                     <a:schemeClr val="tx1">
                       <a:lumMod val="65000"/>
@@ -5600,7 +5562,7 @@
                 <a:t>추천 키워드</a:t>
               </a:r>
               <a:r>
-                <a:rPr lang="en-US" altLang="ko-KR" sz="1500" b="1" spc="-60" dirty="0" smtClean="0">
+                <a:rPr lang="en-US" altLang="ko-KR" sz="1500" b="1" spc="-60" dirty="0">
                   <a:solidFill>
                     <a:schemeClr val="tx1">
                       <a:lumMod val="65000"/>
@@ -5612,7 +5574,7 @@
                 <a:t>: </a:t>
               </a:r>
               <a:r>
-                <a:rPr lang="ko-KR" altLang="en-US" sz="1500" b="1" spc="-60" dirty="0" smtClean="0">
+                <a:rPr lang="ko-KR" altLang="en-US" sz="1500" b="1" spc="-60" dirty="0">
                   <a:solidFill>
                     <a:schemeClr val="tx1">
                       <a:lumMod val="65000"/>
@@ -5624,7 +5586,7 @@
                 <a:t>휴양</a:t>
               </a:r>
               <a:r>
-                <a:rPr lang="en-US" altLang="ko-KR" sz="1500" b="1" spc="-60" dirty="0" smtClean="0">
+                <a:rPr lang="en-US" altLang="ko-KR" sz="1500" b="1" spc="-60" dirty="0">
                   <a:solidFill>
                     <a:schemeClr val="tx1">
                       <a:lumMod val="65000"/>
@@ -5636,7 +5598,7 @@
                 <a:t>, </a:t>
               </a:r>
               <a:r>
-                <a:rPr lang="ko-KR" altLang="en-US" sz="1500" b="1" spc="-60" dirty="0" smtClean="0">
+                <a:rPr lang="ko-KR" altLang="en-US" sz="1500" b="1" spc="-60" dirty="0">
                   <a:solidFill>
                     <a:schemeClr val="tx1">
                       <a:lumMod val="65000"/>
@@ -5647,7 +5609,7 @@
                 </a:rPr>
                 <a:t>쇼핑</a:t>
               </a:r>
-              <a:endParaRPr lang="en-US" altLang="ko-KR" sz="1500" b="1" spc="-60" dirty="0" smtClean="0">
+              <a:endParaRPr lang="en-US" altLang="ko-KR" sz="1500" b="1" spc="-60" dirty="0">
                 <a:solidFill>
                   <a:schemeClr val="tx1">
                     <a:lumMod val="65000"/>
@@ -5673,7 +5635,7 @@
                 <a:buChar char="l"/>
               </a:pPr>
               <a:r>
-                <a:rPr lang="ko-KR" altLang="en-US" sz="1500" b="1" spc="-60" dirty="0" smtClean="0">
+                <a:rPr lang="ko-KR" altLang="en-US" sz="1500" b="1" spc="-60" dirty="0">
                   <a:solidFill>
                     <a:schemeClr val="tx1">
                       <a:lumMod val="65000"/>
@@ -5685,7 +5647,7 @@
                 <a:t>추천 코스</a:t>
               </a:r>
               <a:r>
-                <a:rPr lang="en-US" altLang="ko-KR" sz="1500" b="1" spc="-60" dirty="0" smtClean="0">
+                <a:rPr lang="en-US" altLang="ko-KR" sz="1500" b="1" spc="-60" dirty="0">
                   <a:solidFill>
                     <a:schemeClr val="tx1">
                       <a:lumMod val="65000"/>
@@ -5697,7 +5659,7 @@
                 <a:t>: </a:t>
               </a:r>
               <a:r>
-                <a:rPr lang="ko-KR" altLang="en-US" sz="1500" b="1" spc="-60" dirty="0" smtClean="0">
+                <a:rPr lang="ko-KR" altLang="en-US" sz="1500" b="1" spc="-60" dirty="0">
                   <a:solidFill>
                     <a:schemeClr val="tx1">
                       <a:lumMod val="65000"/>
@@ -5709,7 +5671,7 @@
                 <a:t>해안가 </a:t>
               </a:r>
               <a:r>
-                <a:rPr lang="ko-KR" altLang="en-US" sz="1500" b="1" spc="-60" dirty="0" err="1" smtClean="0">
+                <a:rPr lang="ko-KR" altLang="en-US" sz="1500" b="1" spc="-60" dirty="0" err="1">
                   <a:solidFill>
                     <a:schemeClr val="tx1">
                       <a:lumMod val="65000"/>
@@ -5721,7 +5683,7 @@
                 <a:t>트래킹</a:t>
               </a:r>
               <a:r>
-                <a:rPr lang="en-US" altLang="ko-KR" sz="1500" b="1" spc="-60" dirty="0" smtClean="0">
+                <a:rPr lang="en-US" altLang="ko-KR" sz="1500" b="1" spc="-60" dirty="0">
                   <a:solidFill>
                     <a:schemeClr val="tx1">
                       <a:lumMod val="65000"/>
@@ -5733,7 +5695,7 @@
                 <a:t>, </a:t>
               </a:r>
               <a:r>
-                <a:rPr lang="ko-KR" altLang="en-US" sz="1500" b="1" spc="-60" dirty="0" smtClean="0">
+                <a:rPr lang="ko-KR" altLang="en-US" sz="1500" b="1" spc="-60" dirty="0">
                   <a:solidFill>
                     <a:schemeClr val="tx1">
                       <a:lumMod val="65000"/>
@@ -5744,7 +5706,7 @@
                 </a:rPr>
                 <a:t>기념품 쇼핑</a:t>
               </a:r>
-              <a:endParaRPr lang="en-US" altLang="ko-KR" sz="1500" b="1" spc="-60" dirty="0" smtClean="0">
+              <a:endParaRPr lang="en-US" altLang="ko-KR" sz="1500" b="1" spc="-60" dirty="0">
                 <a:solidFill>
                   <a:schemeClr val="tx1">
                     <a:lumMod val="65000"/>
@@ -5770,7 +5732,7 @@
                 <a:buChar char="l"/>
               </a:pPr>
               <a:r>
-                <a:rPr lang="ko-KR" altLang="en-US" sz="1500" b="1" spc="-60" dirty="0" smtClean="0">
+                <a:rPr lang="ko-KR" altLang="en-US" sz="1500" b="1" spc="-60" dirty="0">
                   <a:solidFill>
                     <a:schemeClr val="tx1">
                       <a:lumMod val="65000"/>
@@ -5782,7 +5744,7 @@
                 <a:t>추천 레스토랑</a:t>
               </a:r>
               <a:r>
-                <a:rPr lang="en-US" altLang="ko-KR" sz="1500" b="1" spc="-60" dirty="0" smtClean="0">
+                <a:rPr lang="en-US" altLang="ko-KR" sz="1500" b="1" spc="-60" dirty="0">
                   <a:solidFill>
                     <a:schemeClr val="tx1">
                       <a:lumMod val="65000"/>
@@ -5794,7 +5756,7 @@
                 <a:t>: XX </a:t>
               </a:r>
               <a:r>
-                <a:rPr lang="ko-KR" altLang="en-US" sz="1500" b="1" spc="-60" dirty="0" smtClean="0">
+                <a:rPr lang="ko-KR" altLang="en-US" sz="1500" b="1" spc="-60" dirty="0">
                   <a:solidFill>
                     <a:schemeClr val="tx1">
                       <a:lumMod val="65000"/>
@@ -5805,7 +5767,7 @@
                 </a:rPr>
                 <a:t>식당</a:t>
               </a:r>
-              <a:endParaRPr lang="en-US" altLang="ko-KR" sz="1500" b="1" spc="-60" dirty="0" smtClean="0">
+              <a:endParaRPr lang="en-US" altLang="ko-KR" sz="1500" b="1" spc="-60" dirty="0">
                 <a:solidFill>
                   <a:schemeClr val="tx1">
                     <a:lumMod val="65000"/>
@@ -5830,7 +5792,7 @@
                 <a:buFont typeface="Wingdings" pitchFamily="2" charset="2"/>
                 <a:buChar char="l"/>
               </a:pPr>
-              <a:endParaRPr lang="en-US" altLang="ko-KR" sz="1500" b="1" spc="-60" dirty="0" smtClean="0">
+              <a:endParaRPr lang="en-US" altLang="ko-KR" sz="1500" b="1" spc="-60" dirty="0">
                 <a:solidFill>
                   <a:schemeClr val="tx1">
                     <a:lumMod val="65000"/>
@@ -5847,7 +5809,7 @@
             <p:cNvPr id="51" name="TextBox 50">
               <a:extLst>
                 <a:ext uri="{FF2B5EF4-FFF2-40B4-BE49-F238E27FC236}">
-                  <a16:creationId xmlns="" xmlns:a16="http://schemas.microsoft.com/office/drawing/2014/main" id="{FADD5F63-4AF7-48AE-838F-1AA8156BB3C4}"/>
+                  <a16:creationId xmlns:a16="http://schemas.microsoft.com/office/drawing/2014/main" id="{FADD5F63-4AF7-48AE-838F-1AA8156BB3C4}"/>
                 </a:ext>
               </a:extLst>
             </p:cNvPr>
@@ -5887,7 +5849,7 @@
                 <a:buSzPct val="60000"/>
               </a:pPr>
               <a:r>
-                <a:rPr lang="ko-KR" altLang="en-US" sz="1500" b="1" spc="-60" dirty="0" err="1" smtClean="0">
+                <a:rPr lang="ko-KR" altLang="en-US" sz="1500" b="1" spc="-60" dirty="0" err="1">
                   <a:solidFill>
                     <a:srgbClr val="002060"/>
                   </a:solidFill>
@@ -5895,7 +5857,7 @@
                 </a:rPr>
                 <a:t>포지타노</a:t>
               </a:r>
-              <a:endParaRPr lang="en-US" altLang="ko-KR" sz="1500" b="1" spc="-60" dirty="0" smtClean="0">
+              <a:endParaRPr lang="en-US" altLang="ko-KR" sz="1500" b="1" spc="-60" dirty="0">
                 <a:solidFill>
                   <a:srgbClr val="002060"/>
                 </a:solidFill>
@@ -5950,7 +5912,7 @@
           <p:cNvPr id="52" name="TextBox 51">
             <a:extLst>
               <a:ext uri="{FF2B5EF4-FFF2-40B4-BE49-F238E27FC236}">
-                <a16:creationId xmlns="" xmlns:a16="http://schemas.microsoft.com/office/drawing/2014/main" id="{FADD5F63-4AF7-48AE-838F-1AA8156BB3C4}"/>
+                <a16:creationId xmlns:a16="http://schemas.microsoft.com/office/drawing/2014/main" id="{FADD5F63-4AF7-48AE-838F-1AA8156BB3C4}"/>
               </a:ext>
             </a:extLst>
           </p:cNvPr>
@@ -5990,7 +5952,7 @@
               <a:buSzPct val="60000"/>
             </a:pPr>
             <a:r>
-              <a:rPr lang="en-US" altLang="ko-KR" sz="1500" b="1" spc="-60" dirty="0" smtClean="0">
+              <a:rPr lang="en-US" altLang="ko-KR" sz="1500" b="1" spc="-60" dirty="0">
                 <a:solidFill>
                   <a:schemeClr val="tx1">
                     <a:lumMod val="65000"/>
@@ -6002,7 +5964,7 @@
               <a:t>▶</a:t>
             </a:r>
             <a:r>
-              <a:rPr lang="ko-KR" altLang="en-US" sz="1500" b="1" spc="-60" dirty="0" smtClean="0">
+              <a:rPr lang="ko-KR" altLang="en-US" sz="1500" b="1" spc="-60" dirty="0">
                 <a:solidFill>
                   <a:schemeClr val="tx1">
                     <a:lumMod val="65000"/>
@@ -6013,15 +5975,6 @@
               </a:rPr>
               <a:t>클릭 후 새 화면에서 정보 출력</a:t>
             </a:r>
-            <a:endParaRPr lang="ko-KR" altLang="en-US" sz="1500" b="1" spc="-60" dirty="0">
-              <a:solidFill>
-                <a:schemeClr val="tx1">
-                  <a:lumMod val="65000"/>
-                  <a:lumOff val="35000"/>
-                </a:schemeClr>
-              </a:solidFill>
-              <a:latin typeface="+mn-ea"/>
-            </a:endParaRPr>
           </a:p>
         </p:txBody>
       </p:sp>
@@ -6083,13 +6036,6 @@
   <p:clrMapOvr>
     <a:masterClrMapping/>
   </p:clrMapOvr>
-  <p:timing>
-    <p:tnLst>
-      <p:par>
-        <p:cTn id="1" dur="indefinite" restart="never" nodeType="tmRoot"/>
-      </p:par>
-    </p:tnLst>
-  </p:timing>
 </p:sld>
 </file>
 
@@ -6256,7 +6202,7 @@
               <a:t>프로젝트 서비스 구현 </a:t>
             </a:r>
             <a:r>
-              <a:rPr lang="en-US" altLang="ko-KR" sz="2400" b="1" dirty="0" smtClean="0">
+              <a:rPr lang="en-US" altLang="ko-KR" sz="2400" b="1" dirty="0">
                 <a:solidFill>
                   <a:schemeClr val="bg1"/>
                 </a:solidFill>
@@ -6276,7 +6222,7 @@
           <p:cNvPr id="12" name="TextBox 11">
             <a:extLst>
               <a:ext uri="{FF2B5EF4-FFF2-40B4-BE49-F238E27FC236}">
-                <a16:creationId xmlns="" xmlns:a16="http://schemas.microsoft.com/office/drawing/2014/main" id="{FADD5F63-4AF7-48AE-838F-1AA8156BB3C4}"/>
+                <a16:creationId xmlns:a16="http://schemas.microsoft.com/office/drawing/2014/main" id="{FADD5F63-4AF7-48AE-838F-1AA8156BB3C4}"/>
               </a:ext>
             </a:extLst>
           </p:cNvPr>
@@ -6316,7 +6262,7 @@
               <a:buSzPct val="60000"/>
             </a:pPr>
             <a:r>
-              <a:rPr lang="en-US" altLang="ko-KR" sz="1500" b="1" spc="-60" dirty="0" smtClean="0">
+              <a:rPr lang="en-US" altLang="ko-KR" sz="1500" b="1" spc="-60" dirty="0">
                 <a:solidFill>
                   <a:schemeClr val="tx1">
                     <a:lumMod val="65000"/>
@@ -6328,7 +6274,7 @@
               <a:t>&lt;</a:t>
             </a:r>
             <a:r>
-              <a:rPr lang="ko-KR" altLang="en-US" sz="1500" b="1" spc="-60" dirty="0" smtClean="0">
+              <a:rPr lang="ko-KR" altLang="en-US" sz="1500" b="1" spc="-60" dirty="0">
                 <a:solidFill>
                   <a:schemeClr val="tx1">
                     <a:lumMod val="65000"/>
@@ -6340,7 +6286,7 @@
               <a:t>웹 서비스 구현 </a:t>
             </a:r>
             <a:r>
-              <a:rPr lang="en-US" altLang="ko-KR" sz="1500" b="1" spc="-60" dirty="0" smtClean="0">
+              <a:rPr lang="en-US" altLang="ko-KR" sz="1500" b="1" spc="-60" dirty="0">
                 <a:solidFill>
                   <a:schemeClr val="tx1">
                     <a:lumMod val="65000"/>
@@ -6352,13 +6298,13 @@
               <a:t>: </a:t>
             </a:r>
             <a:r>
-              <a:rPr lang="ko-KR" altLang="en-US" sz="1500" b="1" spc="-60" dirty="0" smtClean="0">
+              <a:rPr lang="ko-KR" altLang="en-US" sz="1500" b="1" spc="-60" dirty="0">
                 <a:latin typeface="+mn-ea"/>
               </a:rPr>
               <a:t>여행 장바구니</a:t>
             </a:r>
             <a:r>
-              <a:rPr lang="en-US" altLang="ko-KR" sz="1500" b="1" spc="-60" dirty="0" smtClean="0">
+              <a:rPr lang="en-US" altLang="ko-KR" sz="1500" b="1" spc="-60" dirty="0">
                 <a:solidFill>
                   <a:schemeClr val="tx1">
                     <a:lumMod val="65000"/>
@@ -6377,7 +6323,7 @@
           <p:cNvPr id="18" name="TextBox 17">
             <a:extLst>
               <a:ext uri="{FF2B5EF4-FFF2-40B4-BE49-F238E27FC236}">
-                <a16:creationId xmlns="" xmlns:a16="http://schemas.microsoft.com/office/drawing/2014/main" id="{FADD5F63-4AF7-48AE-838F-1AA8156BB3C4}"/>
+                <a16:creationId xmlns:a16="http://schemas.microsoft.com/office/drawing/2014/main" id="{FADD5F63-4AF7-48AE-838F-1AA8156BB3C4}"/>
               </a:ext>
             </a:extLst>
           </p:cNvPr>
@@ -6419,7 +6365,7 @@
               <a:buChar char="l"/>
             </a:pPr>
             <a:r>
-              <a:rPr lang="ko-KR" altLang="en-US" sz="1500" b="1" spc="-60" dirty="0" err="1" smtClean="0">
+              <a:rPr lang="ko-KR" altLang="en-US" sz="1500" b="1" spc="-60" dirty="0" err="1">
                 <a:solidFill>
                   <a:schemeClr val="accent2"/>
                 </a:solidFill>
@@ -6427,7 +6373,7 @@
               </a:rPr>
               <a:t>친퀘테레</a:t>
             </a:r>
-            <a:endParaRPr lang="en-US" altLang="ko-KR" sz="1500" b="1" spc="-60" dirty="0" smtClean="0">
+            <a:endParaRPr lang="en-US" altLang="ko-KR" sz="1500" b="1" spc="-60" dirty="0">
               <a:solidFill>
                 <a:schemeClr val="accent2"/>
               </a:solidFill>
@@ -6441,7 +6387,7 @@
           <p:cNvPr id="19" name="TextBox 18">
             <a:extLst>
               <a:ext uri="{FF2B5EF4-FFF2-40B4-BE49-F238E27FC236}">
-                <a16:creationId xmlns="" xmlns:a16="http://schemas.microsoft.com/office/drawing/2014/main" id="{FADD5F63-4AF7-48AE-838F-1AA8156BB3C4}"/>
+                <a16:creationId xmlns:a16="http://schemas.microsoft.com/office/drawing/2014/main" id="{FADD5F63-4AF7-48AE-838F-1AA8156BB3C4}"/>
               </a:ext>
             </a:extLst>
           </p:cNvPr>
@@ -6483,7 +6429,7 @@
               <a:buChar char="l"/>
             </a:pPr>
             <a:r>
-              <a:rPr lang="en-US" altLang="ko-KR" sz="1500" b="1" spc="-60" dirty="0" smtClean="0">
+              <a:rPr lang="en-US" altLang="ko-KR" sz="1500" b="1" spc="-60" dirty="0">
                 <a:solidFill>
                   <a:schemeClr val="tx1">
                     <a:lumMod val="65000"/>
@@ -6504,21 +6450,9 @@
                 </a:solidFill>
                 <a:latin typeface="+mn-ea"/>
               </a:rPr>
-              <a:t> </a:t>
-            </a:r>
-            <a:r>
-              <a:rPr lang="ko-KR" altLang="en-US" sz="1500" b="1" spc="-60" dirty="0" smtClean="0">
-                <a:solidFill>
-                  <a:schemeClr val="tx1">
-                    <a:lumMod val="65000"/>
-                    <a:lumOff val="35000"/>
-                  </a:schemeClr>
-                </a:solidFill>
-                <a:latin typeface="+mn-ea"/>
-              </a:rPr>
-              <a:t>도시</a:t>
-            </a:r>
-            <a:endParaRPr lang="en-US" altLang="ko-KR" sz="1500" b="1" spc="-60" dirty="0" smtClean="0">
+              <a:t> 도시</a:t>
+            </a:r>
+            <a:endParaRPr lang="en-US" altLang="ko-KR" sz="1500" b="1" spc="-60" dirty="0">
               <a:solidFill>
                 <a:schemeClr val="tx1">
                   <a:lumMod val="65000"/>
@@ -6544,7 +6478,7 @@
               <a:buChar char="l"/>
             </a:pPr>
             <a:r>
-              <a:rPr lang="en-US" altLang="ko-KR" sz="1500" b="1" spc="-60" dirty="0" smtClean="0">
+              <a:rPr lang="en-US" altLang="ko-KR" sz="1500" b="1" spc="-60" dirty="0">
                 <a:solidFill>
                   <a:schemeClr val="tx1">
                     <a:lumMod val="65000"/>
@@ -6556,7 +6490,7 @@
               <a:t>B </a:t>
             </a:r>
             <a:r>
-              <a:rPr lang="ko-KR" altLang="en-US" sz="1500" b="1" spc="-60" dirty="0" smtClean="0">
+              <a:rPr lang="ko-KR" altLang="en-US" sz="1500" b="1" spc="-60" dirty="0">
                 <a:solidFill>
                   <a:schemeClr val="tx1">
                     <a:lumMod val="65000"/>
@@ -6567,15 +6501,6 @@
               </a:rPr>
               <a:t>도시 </a:t>
             </a:r>
-            <a:endParaRPr lang="ko-KR" altLang="en-US" sz="1500" b="1" spc="-60" dirty="0">
-              <a:solidFill>
-                <a:schemeClr val="tx1">
-                  <a:lumMod val="65000"/>
-                  <a:lumOff val="35000"/>
-                </a:schemeClr>
-              </a:solidFill>
-              <a:latin typeface="+mn-ea"/>
-            </a:endParaRPr>
           </a:p>
         </p:txBody>
       </p:sp>
@@ -6584,7 +6509,7 @@
           <p:cNvPr id="20" name="TextBox 19">
             <a:extLst>
               <a:ext uri="{FF2B5EF4-FFF2-40B4-BE49-F238E27FC236}">
-                <a16:creationId xmlns="" xmlns:a16="http://schemas.microsoft.com/office/drawing/2014/main" id="{FADD5F63-4AF7-48AE-838F-1AA8156BB3C4}"/>
+                <a16:creationId xmlns:a16="http://schemas.microsoft.com/office/drawing/2014/main" id="{FADD5F63-4AF7-48AE-838F-1AA8156BB3C4}"/>
               </a:ext>
             </a:extLst>
           </p:cNvPr>
@@ -6624,7 +6549,7 @@
               <a:buSzPct val="60000"/>
             </a:pPr>
             <a:r>
-              <a:rPr lang="ko-KR" altLang="en-US" sz="1500" b="1" spc="-60" dirty="0" smtClean="0">
+              <a:rPr lang="ko-KR" altLang="en-US" sz="1500" b="1" spc="-60" dirty="0">
                 <a:solidFill>
                   <a:schemeClr val="tx1">
                     <a:lumMod val="65000"/>
@@ -6635,15 +6560,6 @@
               </a:rPr>
               <a:t>최적 동선을 구하여 일정 추천하는 서비스 제공</a:t>
             </a:r>
-            <a:endParaRPr lang="ko-KR" altLang="en-US" sz="1500" b="1" spc="-60" dirty="0">
-              <a:solidFill>
-                <a:schemeClr val="tx1">
-                  <a:lumMod val="65000"/>
-                  <a:lumOff val="35000"/>
-                </a:schemeClr>
-              </a:solidFill>
-              <a:latin typeface="+mn-ea"/>
-            </a:endParaRPr>
           </a:p>
         </p:txBody>
       </p:sp>
@@ -7165,7 +7081,7 @@
           <a:lstStyle/>
           <a:p>
             <a:r>
-              <a:rPr lang="ko-KR" altLang="en-US" sz="2400" b="1" dirty="0" smtClean="0">
+              <a:rPr lang="ko-KR" altLang="en-US" sz="2400" b="1" dirty="0">
                 <a:solidFill>
                   <a:schemeClr val="bg1"/>
                 </a:solidFill>
@@ -7173,7 +7089,7 @@
               <a:t>프로젝트 </a:t>
             </a:r>
             <a:r>
-              <a:rPr lang="en-US" altLang="ko-KR" sz="2400" b="1" dirty="0" smtClean="0">
+              <a:rPr lang="en-US" altLang="ko-KR" sz="2400" b="1" dirty="0">
                 <a:solidFill>
                   <a:schemeClr val="bg1"/>
                 </a:solidFill>
@@ -7193,7 +7109,7 @@
           <p:cNvPr id="13" name="TextBox 12">
             <a:extLst>
               <a:ext uri="{FF2B5EF4-FFF2-40B4-BE49-F238E27FC236}">
-                <a16:creationId xmlns="" xmlns:a16="http://schemas.microsoft.com/office/drawing/2014/main" id="{FADD5F63-4AF7-48AE-838F-1AA8156BB3C4}"/>
+                <a16:creationId xmlns:a16="http://schemas.microsoft.com/office/drawing/2014/main" id="{FADD5F63-4AF7-48AE-838F-1AA8156BB3C4}"/>
               </a:ext>
             </a:extLst>
           </p:cNvPr>
@@ -7242,7 +7158,7 @@
               <a:t> </a:t>
             </a:r>
             <a:r>
-              <a:rPr lang="ko-KR" altLang="en-US" sz="5400" b="1" spc="-60" dirty="0" smtClean="0">
+              <a:rPr lang="ko-KR" altLang="en-US" sz="5400" b="1" spc="-60" dirty="0">
                 <a:solidFill>
                   <a:srgbClr val="0070C0"/>
                 </a:solidFill>
@@ -7250,7 +7166,7 @@
               </a:rPr>
               <a:t>감사합니다</a:t>
             </a:r>
-            <a:endParaRPr lang="en-US" altLang="ko-KR" sz="5400" b="1" spc="-60" dirty="0" smtClean="0">
+            <a:endParaRPr lang="en-US" altLang="ko-KR" sz="5400" b="1" spc="-60" dirty="0">
               <a:solidFill>
                 <a:srgbClr val="0070C0"/>
               </a:solidFill>
@@ -7269,13 +7185,6 @@
   <p:clrMapOvr>
     <a:masterClrMapping/>
   </p:clrMapOvr>
-  <p:timing>
-    <p:tnLst>
-      <p:par>
-        <p:cTn id="1" dur="indefinite" restart="never" nodeType="tmRoot"/>
-      </p:par>
-    </p:tnLst>
-  </p:timing>
 </p:sld>
 </file>
 
@@ -7434,18 +7343,13 @@
           <a:lstStyle/>
           <a:p>
             <a:r>
-              <a:rPr lang="ko-KR" altLang="en-US" sz="2400" b="1" dirty="0" smtClean="0">
+              <a:rPr lang="ko-KR" altLang="en-US" sz="2400" b="1" dirty="0">
                 <a:solidFill>
                   <a:schemeClr val="bg1"/>
                 </a:solidFill>
               </a:rPr>
               <a:t>기획 의도</a:t>
             </a:r>
-            <a:endParaRPr lang="ko-KR" altLang="en-US" sz="2400" b="1" dirty="0">
-              <a:solidFill>
-                <a:schemeClr val="bg1"/>
-              </a:solidFill>
-            </a:endParaRPr>
           </a:p>
         </p:txBody>
       </p:sp>
@@ -7454,7 +7358,7 @@
           <p:cNvPr id="14" name="TextBox 13">
             <a:extLst>
               <a:ext uri="{FF2B5EF4-FFF2-40B4-BE49-F238E27FC236}">
-                <a16:creationId xmlns="" xmlns:a16="http://schemas.microsoft.com/office/drawing/2014/main" id="{FADD5F63-4AF7-48AE-838F-1AA8156BB3C4}"/>
+                <a16:creationId xmlns:a16="http://schemas.microsoft.com/office/drawing/2014/main" id="{FADD5F63-4AF7-48AE-838F-1AA8156BB3C4}"/>
               </a:ext>
             </a:extLst>
           </p:cNvPr>
@@ -7494,7 +7398,7 @@
               <a:buSzPct val="60000"/>
             </a:pPr>
             <a:r>
-              <a:rPr lang="en-US" altLang="ko-KR" sz="2000" b="1" spc="-60" dirty="0" smtClean="0">
+              <a:rPr lang="en-US" altLang="ko-KR" sz="2000" b="1" spc="-60" dirty="0">
                 <a:solidFill>
                   <a:schemeClr val="tx1">
                     <a:lumMod val="65000"/>
@@ -7513,7 +7417,7 @@
           <p:cNvPr id="17" name="TextBox 16">
             <a:extLst>
               <a:ext uri="{FF2B5EF4-FFF2-40B4-BE49-F238E27FC236}">
-                <a16:creationId xmlns="" xmlns:a16="http://schemas.microsoft.com/office/drawing/2014/main" id="{FADD5F63-4AF7-48AE-838F-1AA8156BB3C4}"/>
+                <a16:creationId xmlns:a16="http://schemas.microsoft.com/office/drawing/2014/main" id="{FADD5F63-4AF7-48AE-838F-1AA8156BB3C4}"/>
               </a:ext>
             </a:extLst>
           </p:cNvPr>
@@ -7555,7 +7459,7 @@
               <a:buChar char="l"/>
             </a:pPr>
             <a:r>
-              <a:rPr lang="ko-KR" altLang="en-US" sz="1500" b="1" spc="-60" dirty="0" smtClean="0">
+              <a:rPr lang="ko-KR" altLang="en-US" sz="1500" b="1" spc="-60" dirty="0">
                 <a:solidFill>
                   <a:schemeClr val="tx1">
                     <a:lumMod val="65000"/>
@@ -7566,15 +7470,6 @@
               </a:rPr>
               <a:t>자신이 가고 싶은 취향의 여행지 사진</a:t>
             </a:r>
-            <a:endParaRPr lang="ko-KR" altLang="en-US" sz="1500" b="1" spc="-60" dirty="0">
-              <a:solidFill>
-                <a:schemeClr val="tx1">
-                  <a:lumMod val="65000"/>
-                  <a:lumOff val="35000"/>
-                </a:schemeClr>
-              </a:solidFill>
-              <a:latin typeface="+mn-ea"/>
-            </a:endParaRPr>
           </a:p>
         </p:txBody>
       </p:sp>
@@ -7784,7 +7679,7 @@
           <p:cNvPr id="24" name="TextBox 23">
             <a:extLst>
               <a:ext uri="{FF2B5EF4-FFF2-40B4-BE49-F238E27FC236}">
-                <a16:creationId xmlns:a16="http://schemas.microsoft.com/office/drawing/2014/main" xmlns="" id="{FADD5F63-4AF7-48AE-838F-1AA8156BB3C4}"/>
+                <a16:creationId xmlns:a16="http://schemas.microsoft.com/office/drawing/2014/main" id="{FADD5F63-4AF7-48AE-838F-1AA8156BB3C4}"/>
               </a:ext>
             </a:extLst>
           </p:cNvPr>
@@ -7824,7 +7719,7 @@
               <a:buSzPct val="60000"/>
             </a:pPr>
             <a:r>
-              <a:rPr lang="ko-KR" altLang="en-US" sz="1200" b="1" spc="-60" dirty="0" smtClean="0">
+              <a:rPr lang="ko-KR" altLang="en-US" sz="1200" b="1" spc="-60" dirty="0">
                 <a:solidFill>
                   <a:schemeClr val="tx1">
                     <a:lumMod val="65000"/>
@@ -7835,7 +7730,7 @@
               </a:rPr>
               <a:t>추천도시</a:t>
             </a:r>
-            <a:endParaRPr lang="en-US" altLang="ko-KR" sz="1200" b="1" spc="-60" dirty="0" smtClean="0">
+            <a:endParaRPr lang="en-US" altLang="ko-KR" sz="1200" b="1" spc="-60" dirty="0">
               <a:solidFill>
                 <a:schemeClr val="tx1">
                   <a:lumMod val="65000"/>
@@ -7948,7 +7843,7 @@
           <p:cNvPr id="28" name="TextBox 27">
             <a:extLst>
               <a:ext uri="{FF2B5EF4-FFF2-40B4-BE49-F238E27FC236}">
-                <a16:creationId xmlns:a16="http://schemas.microsoft.com/office/drawing/2014/main" xmlns="" id="{FADD5F63-4AF7-48AE-838F-1AA8156BB3C4}"/>
+                <a16:creationId xmlns:a16="http://schemas.microsoft.com/office/drawing/2014/main" id="{FADD5F63-4AF7-48AE-838F-1AA8156BB3C4}"/>
               </a:ext>
             </a:extLst>
           </p:cNvPr>
@@ -7988,7 +7883,7 @@
               <a:buSzPct val="60000"/>
             </a:pPr>
             <a:r>
-              <a:rPr lang="ko-KR" altLang="en-US" sz="1200" b="1" spc="-60" dirty="0" smtClean="0">
+              <a:rPr lang="ko-KR" altLang="en-US" sz="1200" b="1" spc="-60" dirty="0">
                 <a:solidFill>
                   <a:schemeClr val="tx1">
                     <a:lumMod val="65000"/>
@@ -7999,7 +7894,7 @@
               </a:rPr>
               <a:t>이탈리아 전역 기준</a:t>
             </a:r>
-            <a:endParaRPr lang="en-US" altLang="ko-KR" sz="1200" b="1" spc="-60" dirty="0" smtClean="0">
+            <a:endParaRPr lang="en-US" altLang="ko-KR" sz="1200" b="1" spc="-60" dirty="0">
               <a:solidFill>
                 <a:schemeClr val="tx1">
                   <a:lumMod val="65000"/>
@@ -8016,7 +7911,7 @@
           <p:cNvPr id="29" name="TextBox 28">
             <a:extLst>
               <a:ext uri="{FF2B5EF4-FFF2-40B4-BE49-F238E27FC236}">
-                <a16:creationId xmlns:a16="http://schemas.microsoft.com/office/drawing/2014/main" xmlns="" id="{FADD5F63-4AF7-48AE-838F-1AA8156BB3C4}"/>
+                <a16:creationId xmlns:a16="http://schemas.microsoft.com/office/drawing/2014/main" id="{FADD5F63-4AF7-48AE-838F-1AA8156BB3C4}"/>
               </a:ext>
             </a:extLst>
           </p:cNvPr>
@@ -8056,7 +7951,7 @@
               <a:buSzPct val="60000"/>
             </a:pPr>
             <a:r>
-              <a:rPr lang="ko-KR" altLang="en-US" sz="1200" b="1" spc="-60" dirty="0" smtClean="0">
+              <a:rPr lang="ko-KR" altLang="en-US" sz="1200" b="1" spc="-60" dirty="0">
                 <a:solidFill>
                   <a:schemeClr val="tx1">
                     <a:lumMod val="65000"/>
@@ -8067,7 +7962,7 @@
               </a:rPr>
               <a:t>사진과 비슷한 도시 추천</a:t>
             </a:r>
-            <a:endParaRPr lang="en-US" altLang="ko-KR" sz="1200" b="1" spc="-60" dirty="0" smtClean="0">
+            <a:endParaRPr lang="en-US" altLang="ko-KR" sz="1200" b="1" spc="-60" dirty="0">
               <a:solidFill>
                 <a:schemeClr val="tx1">
                   <a:lumMod val="65000"/>
@@ -8162,7 +8057,7 @@
           <p:cNvPr id="32" name="TextBox 31">
             <a:extLst>
               <a:ext uri="{FF2B5EF4-FFF2-40B4-BE49-F238E27FC236}">
-                <a16:creationId xmlns="" xmlns:a16="http://schemas.microsoft.com/office/drawing/2014/main" id="{FADD5F63-4AF7-48AE-838F-1AA8156BB3C4}"/>
+                <a16:creationId xmlns:a16="http://schemas.microsoft.com/office/drawing/2014/main" id="{FADD5F63-4AF7-48AE-838F-1AA8156BB3C4}"/>
               </a:ext>
             </a:extLst>
           </p:cNvPr>
@@ -8202,7 +8097,7 @@
               <a:buSzPct val="60000"/>
             </a:pPr>
             <a:r>
-              <a:rPr lang="ko-KR" altLang="en-US" sz="2000" b="1" spc="-60" smtClean="0">
+              <a:rPr lang="ko-KR" altLang="en-US" sz="2000" b="1" spc="-60">
                 <a:solidFill>
                   <a:schemeClr val="tx1">
                     <a:lumMod val="65000"/>
@@ -8213,7 +8108,7 @@
               </a:rPr>
               <a:t>서비스 구현</a:t>
             </a:r>
-            <a:endParaRPr lang="en-US" altLang="ko-KR" sz="2000" b="1" spc="-60" dirty="0" smtClean="0">
+            <a:endParaRPr lang="en-US" altLang="ko-KR" sz="2000" b="1" spc="-60" dirty="0">
               <a:solidFill>
                 <a:schemeClr val="tx1">
                   <a:lumMod val="65000"/>
@@ -8230,7 +8125,7 @@
           <p:cNvPr id="33" name="TextBox 32">
             <a:extLst>
               <a:ext uri="{FF2B5EF4-FFF2-40B4-BE49-F238E27FC236}">
-                <a16:creationId xmlns="" xmlns:a16="http://schemas.microsoft.com/office/drawing/2014/main" id="{FADD5F63-4AF7-48AE-838F-1AA8156BB3C4}"/>
+                <a16:creationId xmlns:a16="http://schemas.microsoft.com/office/drawing/2014/main" id="{FADD5F63-4AF7-48AE-838F-1AA8156BB3C4}"/>
               </a:ext>
             </a:extLst>
           </p:cNvPr>
@@ -8272,7 +8167,7 @@
               <a:buChar char="l"/>
             </a:pPr>
             <a:r>
-              <a:rPr lang="ko-KR" altLang="en-US" sz="1500" b="1" spc="-60" dirty="0" smtClean="0">
+              <a:rPr lang="ko-KR" altLang="en-US" sz="1500" b="1" spc="-60" dirty="0">
                 <a:solidFill>
                   <a:schemeClr val="tx1">
                     <a:lumMod val="65000"/>
@@ -8283,7 +8178,7 @@
               </a:rPr>
               <a:t>일정 짜기</a:t>
             </a:r>
-            <a:endParaRPr lang="en-US" altLang="ko-KR" sz="1500" b="1" spc="-60" dirty="0" smtClean="0">
+            <a:endParaRPr lang="en-US" altLang="ko-KR" sz="1500" b="1" spc="-60" dirty="0">
               <a:solidFill>
                 <a:schemeClr val="tx1">
                   <a:lumMod val="65000"/>
@@ -8309,7 +8204,7 @@
               <a:buChar char="l"/>
             </a:pPr>
             <a:r>
-              <a:rPr lang="ko-KR" altLang="en-US" sz="1500" b="1" spc="-60" dirty="0" smtClean="0">
+              <a:rPr lang="ko-KR" altLang="en-US" sz="1500" b="1" spc="-60" dirty="0">
                 <a:solidFill>
                   <a:schemeClr val="tx1">
                     <a:lumMod val="65000"/>
@@ -8320,7 +8215,7 @@
               </a:rPr>
               <a:t>음식점 추천</a:t>
             </a:r>
-            <a:endParaRPr lang="en-US" altLang="ko-KR" sz="1500" b="1" spc="-60" dirty="0" smtClean="0">
+            <a:endParaRPr lang="en-US" altLang="ko-KR" sz="1500" b="1" spc="-60" dirty="0">
               <a:solidFill>
                 <a:schemeClr val="tx1">
                   <a:lumMod val="65000"/>
@@ -8344,7 +8239,7 @@
               <a:buSzPct val="60000"/>
             </a:pPr>
             <a:r>
-              <a:rPr lang="en-US" altLang="ko-KR" sz="1500" b="1" spc="-60" dirty="0" smtClean="0">
+              <a:rPr lang="en-US" altLang="ko-KR" sz="1500" b="1" spc="-60" dirty="0">
                 <a:solidFill>
                   <a:schemeClr val="tx1">
                     <a:lumMod val="65000"/>
@@ -8356,7 +8251,7 @@
               <a:t>       ….. </a:t>
             </a:r>
             <a:r>
-              <a:rPr lang="ko-KR" altLang="en-US" sz="1500" b="1" spc="-60" dirty="0" smtClean="0">
+              <a:rPr lang="ko-KR" altLang="en-US" sz="1500" b="1" spc="-60" dirty="0">
                 <a:solidFill>
                   <a:schemeClr val="tx1">
                     <a:lumMod val="65000"/>
@@ -8367,15 +8262,6 @@
               </a:rPr>
               <a:t>등</a:t>
             </a:r>
-            <a:endParaRPr lang="ko-KR" altLang="en-US" sz="1500" b="1" spc="-60" dirty="0">
-              <a:solidFill>
-                <a:schemeClr val="tx1">
-                  <a:lumMod val="65000"/>
-                  <a:lumOff val="35000"/>
-                </a:schemeClr>
-              </a:solidFill>
-              <a:latin typeface="+mn-ea"/>
-            </a:endParaRPr>
           </a:p>
         </p:txBody>
       </p:sp>
@@ -8384,7 +8270,7 @@
           <p:cNvPr id="34" name="TextBox 33">
             <a:extLst>
               <a:ext uri="{FF2B5EF4-FFF2-40B4-BE49-F238E27FC236}">
-                <a16:creationId xmlns:a16="http://schemas.microsoft.com/office/drawing/2014/main" xmlns="" id="{FADD5F63-4AF7-48AE-838F-1AA8156BB3C4}"/>
+                <a16:creationId xmlns:a16="http://schemas.microsoft.com/office/drawing/2014/main" id="{FADD5F63-4AF7-48AE-838F-1AA8156BB3C4}"/>
               </a:ext>
             </a:extLst>
           </p:cNvPr>
@@ -8424,7 +8310,7 @@
               <a:buSzPct val="60000"/>
             </a:pPr>
             <a:r>
-              <a:rPr lang="ko-KR" altLang="en-US" sz="1200" b="1" spc="-60" dirty="0" smtClean="0">
+              <a:rPr lang="ko-KR" altLang="en-US" sz="1200" b="1" spc="-60" dirty="0">
                 <a:solidFill>
                   <a:schemeClr val="tx1">
                     <a:lumMod val="65000"/>
@@ -8435,7 +8321,7 @@
               </a:rPr>
               <a:t>추천도시와 유사한 다른 도시 추천</a:t>
             </a:r>
-            <a:endParaRPr lang="en-US" altLang="ko-KR" sz="1200" b="1" spc="-60" dirty="0" smtClean="0">
+            <a:endParaRPr lang="en-US" altLang="ko-KR" sz="1200" b="1" spc="-60" dirty="0">
               <a:solidFill>
                 <a:schemeClr val="tx1">
                   <a:lumMod val="65000"/>
@@ -8452,7 +8338,7 @@
           <p:cNvPr id="35" name="TextBox 34">
             <a:extLst>
               <a:ext uri="{FF2B5EF4-FFF2-40B4-BE49-F238E27FC236}">
-                <a16:creationId xmlns:a16="http://schemas.microsoft.com/office/drawing/2014/main" xmlns="" id="{FADD5F63-4AF7-48AE-838F-1AA8156BB3C4}"/>
+                <a16:creationId xmlns:a16="http://schemas.microsoft.com/office/drawing/2014/main" id="{FADD5F63-4AF7-48AE-838F-1AA8156BB3C4}"/>
               </a:ext>
             </a:extLst>
           </p:cNvPr>
@@ -8513,21 +8399,9 @@
                 </a:solidFill>
                 <a:latin typeface="+mn-ea"/>
               </a:rPr>
-              <a:t>의 </a:t>
-            </a:r>
-            <a:r>
-              <a:rPr lang="ko-KR" altLang="en-US" sz="1200" b="1" spc="-60" dirty="0" smtClean="0">
-                <a:solidFill>
-                  <a:schemeClr val="tx1">
-                    <a:lumMod val="65000"/>
-                    <a:lumOff val="35000"/>
-                  </a:schemeClr>
-                </a:solidFill>
-                <a:latin typeface="+mn-ea"/>
-              </a:rPr>
-              <a:t>도시 중 에서</a:t>
-            </a:r>
-            <a:endParaRPr lang="en-US" altLang="ko-KR" sz="1200" b="1" spc="-60" dirty="0" smtClean="0">
+              <a:t>의 도시 중 에서</a:t>
+            </a:r>
+            <a:endParaRPr lang="en-US" altLang="ko-KR" sz="1200" b="1" spc="-60" dirty="0">
               <a:solidFill>
                 <a:schemeClr val="tx1">
                   <a:lumMod val="65000"/>
@@ -8544,7 +8418,7 @@
           <p:cNvPr id="36" name="TextBox 35">
             <a:extLst>
               <a:ext uri="{FF2B5EF4-FFF2-40B4-BE49-F238E27FC236}">
-                <a16:creationId xmlns:a16="http://schemas.microsoft.com/office/drawing/2014/main" xmlns="" id="{FADD5F63-4AF7-48AE-838F-1AA8156BB3C4}"/>
+                <a16:creationId xmlns:a16="http://schemas.microsoft.com/office/drawing/2014/main" id="{FADD5F63-4AF7-48AE-838F-1AA8156BB3C4}"/>
               </a:ext>
             </a:extLst>
           </p:cNvPr>
@@ -8584,7 +8458,7 @@
               <a:buSzPct val="60000"/>
             </a:pPr>
             <a:r>
-              <a:rPr lang="en-US" altLang="ko-KR" sz="1200" b="1" spc="-60" dirty="0" smtClean="0">
+              <a:rPr lang="en-US" altLang="ko-KR" sz="1200" b="1" spc="-60" dirty="0">
                 <a:solidFill>
                   <a:schemeClr val="tx1">
                     <a:lumMod val="65000"/>
@@ -8596,7 +8470,7 @@
               <a:t>List1</a:t>
             </a:r>
             <a:r>
-              <a:rPr lang="ko-KR" altLang="en-US" sz="1200" b="1" spc="-60" dirty="0" smtClean="0">
+              <a:rPr lang="ko-KR" altLang="en-US" sz="1200" b="1" spc="-60" dirty="0">
                 <a:solidFill>
                   <a:schemeClr val="tx1">
                     <a:lumMod val="65000"/>
@@ -8607,7 +8481,7 @@
               </a:rPr>
               <a:t>의 도시 중 에서</a:t>
             </a:r>
-            <a:endParaRPr lang="en-US" altLang="ko-KR" sz="1200" b="1" spc="-60" dirty="0" smtClean="0">
+            <a:endParaRPr lang="en-US" altLang="ko-KR" sz="1200" b="1" spc="-60" dirty="0">
               <a:solidFill>
                 <a:schemeClr val="tx1">
                   <a:lumMod val="65000"/>
@@ -8624,7 +8498,7 @@
           <p:cNvPr id="37" name="TextBox 36">
             <a:extLst>
               <a:ext uri="{FF2B5EF4-FFF2-40B4-BE49-F238E27FC236}">
-                <a16:creationId xmlns:a16="http://schemas.microsoft.com/office/drawing/2014/main" xmlns="" id="{FADD5F63-4AF7-48AE-838F-1AA8156BB3C4}"/>
+                <a16:creationId xmlns:a16="http://schemas.microsoft.com/office/drawing/2014/main" id="{FADD5F63-4AF7-48AE-838F-1AA8156BB3C4}"/>
               </a:ext>
             </a:extLst>
           </p:cNvPr>
@@ -8664,7 +8538,7 @@
               <a:buSzPct val="60000"/>
             </a:pPr>
             <a:r>
-              <a:rPr lang="ko-KR" altLang="en-US" sz="1200" b="1" spc="-60" dirty="0" smtClean="0">
+              <a:rPr lang="ko-KR" altLang="en-US" sz="1200" b="1" spc="-60" dirty="0">
                 <a:solidFill>
                   <a:schemeClr val="tx1">
                     <a:lumMod val="65000"/>
@@ -8675,7 +8549,7 @@
               </a:rPr>
               <a:t>추천도시</a:t>
             </a:r>
-            <a:endParaRPr lang="en-US" altLang="ko-KR" sz="1200" b="1" spc="-60" dirty="0" smtClean="0">
+            <a:endParaRPr lang="en-US" altLang="ko-KR" sz="1200" b="1" spc="-60" dirty="0">
               <a:solidFill>
                 <a:schemeClr val="tx1">
                   <a:lumMod val="65000"/>
@@ -8710,7 +8584,7 @@
           <a:lstStyle/>
           <a:p>
             <a:r>
-              <a:rPr lang="en-US" altLang="ko-KR" sz="1400" b="1" dirty="0" smtClean="0">
+              <a:rPr lang="en-US" altLang="ko-KR" sz="1400" b="1" dirty="0">
                 <a:solidFill>
                   <a:srgbClr val="FF0000"/>
                 </a:solidFill>
@@ -8718,7 +8592,7 @@
               <a:t>*List3 = </a:t>
             </a:r>
             <a:r>
-              <a:rPr lang="ko-KR" altLang="en-US" sz="1400" b="1" dirty="0" smtClean="0">
+              <a:rPr lang="ko-KR" altLang="en-US" sz="1400" b="1" dirty="0">
                 <a:solidFill>
                   <a:srgbClr val="FF0000"/>
                 </a:solidFill>
@@ -8726,7 +8600,7 @@
               <a:t>외국인들이 많이 가는 도시 전체에서</a:t>
             </a:r>
             <a:r>
-              <a:rPr lang="en-US" altLang="ko-KR" sz="1400" b="1" dirty="0" smtClean="0">
+              <a:rPr lang="en-US" altLang="ko-KR" sz="1400" b="1" dirty="0">
                 <a:solidFill>
                   <a:srgbClr val="FF0000"/>
                 </a:solidFill>
@@ -8734,7 +8608,7 @@
               <a:t> </a:t>
             </a:r>
             <a:r>
-              <a:rPr lang="ko-KR" altLang="en-US" sz="1400" b="1" dirty="0" smtClean="0">
+              <a:rPr lang="ko-KR" altLang="en-US" sz="1400" b="1" dirty="0">
                 <a:solidFill>
                   <a:srgbClr val="FF0000"/>
                 </a:solidFill>
@@ -8742,7 +8616,7 @@
               <a:t>한국인들이 많이 가는 도시 </a:t>
             </a:r>
             <a:r>
-              <a:rPr lang="en-US" altLang="ko-KR" sz="1400" b="1" dirty="0" smtClean="0">
+              <a:rPr lang="en-US" altLang="ko-KR" sz="1400" b="1" dirty="0">
                 <a:solidFill>
                   <a:srgbClr val="FF0000"/>
                 </a:solidFill>
@@ -8750,7 +8624,7 @@
               <a:t>10</a:t>
             </a:r>
             <a:r>
-              <a:rPr lang="ko-KR" altLang="en-US" sz="1400" b="1" dirty="0" smtClean="0">
+              <a:rPr lang="ko-KR" altLang="en-US" sz="1400" b="1" dirty="0">
                 <a:solidFill>
                   <a:srgbClr val="FF0000"/>
                 </a:solidFill>
@@ -8758,7 +8632,7 @@
               <a:t>위를 뺀 나머지 </a:t>
             </a:r>
             <a:r>
-              <a:rPr lang="en-US" altLang="ko-KR" sz="1400" b="1" dirty="0" smtClean="0">
+              <a:rPr lang="en-US" altLang="ko-KR" sz="1400" b="1" dirty="0">
                 <a:solidFill>
                   <a:srgbClr val="FF0000"/>
                 </a:solidFill>
@@ -8766,14 +8640,14 @@
               <a:t>10</a:t>
             </a:r>
             <a:r>
-              <a:rPr lang="ko-KR" altLang="en-US" sz="1400" b="1" dirty="0" smtClean="0">
+              <a:rPr lang="ko-KR" altLang="en-US" sz="1400" b="1" dirty="0">
                 <a:solidFill>
                   <a:srgbClr val="FF0000"/>
                 </a:solidFill>
               </a:rPr>
               <a:t>위</a:t>
             </a:r>
-            <a:endParaRPr lang="en-US" altLang="ko-KR" sz="1400" b="1" dirty="0" smtClean="0">
+            <a:endParaRPr lang="en-US" altLang="ko-KR" sz="1400" b="1" dirty="0">
               <a:solidFill>
                 <a:srgbClr val="FF0000"/>
               </a:solidFill>
@@ -8786,29 +8660,16 @@
                   <a:srgbClr val="FF0000"/>
                 </a:solidFill>
               </a:rPr>
-              <a:t> </a:t>
-            </a:r>
-            <a:r>
-              <a:rPr lang="en-US" altLang="ko-KR" sz="1400" b="1" dirty="0" smtClean="0">
+              <a:t>         = </a:t>
+            </a:r>
+            <a:r>
+              <a:rPr lang="ko-KR" altLang="en-US" sz="1400" b="1" dirty="0">
                 <a:solidFill>
                   <a:srgbClr val="FF0000"/>
                 </a:solidFill>
               </a:rPr>
-              <a:t>        = </a:t>
-            </a:r>
-            <a:r>
-              <a:rPr lang="ko-KR" altLang="en-US" sz="1400" b="1" dirty="0" smtClean="0">
-                <a:solidFill>
-                  <a:srgbClr val="FF0000"/>
-                </a:solidFill>
-              </a:rPr>
               <a:t>외국인에게는 유명하지만 한국인들은 아직 잘 모르는 도시 도출</a:t>
             </a:r>
-            <a:endParaRPr lang="ko-KR" altLang="en-US" sz="1400" b="1" dirty="0">
-              <a:solidFill>
-                <a:srgbClr val="FF0000"/>
-              </a:solidFill>
-            </a:endParaRPr>
           </a:p>
         </p:txBody>
       </p:sp>
@@ -8835,7 +8696,7 @@
           <a:lstStyle/>
           <a:p>
             <a:r>
-              <a:rPr lang="en-US" altLang="ko-KR" sz="1400" b="1" dirty="0" smtClean="0">
+              <a:rPr lang="en-US" altLang="ko-KR" sz="1400" b="1" dirty="0">
                 <a:solidFill>
                   <a:srgbClr val="FF0000"/>
                 </a:solidFill>
@@ -8843,7 +8704,7 @@
               <a:t>*List1: </a:t>
             </a:r>
             <a:r>
-              <a:rPr lang="ko-KR" altLang="en-US" sz="1400" b="1" dirty="0" smtClean="0">
+              <a:rPr lang="ko-KR" altLang="en-US" sz="1400" b="1" dirty="0">
                 <a:solidFill>
                   <a:srgbClr val="FF0000"/>
                 </a:solidFill>
@@ -8851,7 +8712,7 @@
               <a:t>한국인들이 많이 가는 도시 </a:t>
             </a:r>
             <a:r>
-              <a:rPr lang="en-US" altLang="ko-KR" sz="1400" b="1" dirty="0" smtClean="0">
+              <a:rPr lang="en-US" altLang="ko-KR" sz="1400" b="1" dirty="0">
                 <a:solidFill>
                   <a:srgbClr val="FF0000"/>
                 </a:solidFill>
@@ -8859,18 +8720,13 @@
               <a:t>10</a:t>
             </a:r>
             <a:r>
-              <a:rPr lang="ko-KR" altLang="en-US" sz="1400" b="1" dirty="0" smtClean="0">
+              <a:rPr lang="ko-KR" altLang="en-US" sz="1400" b="1" dirty="0">
                 <a:solidFill>
                   <a:srgbClr val="FF0000"/>
                 </a:solidFill>
               </a:rPr>
               <a:t>위</a:t>
             </a:r>
-            <a:endParaRPr lang="ko-KR" altLang="en-US" sz="1400" b="1" dirty="0">
-              <a:solidFill>
-                <a:srgbClr val="FF0000"/>
-              </a:solidFill>
-            </a:endParaRPr>
           </a:p>
         </p:txBody>
       </p:sp>
@@ -8884,13 +8740,6 @@
   <p:clrMapOvr>
     <a:masterClrMapping/>
   </p:clrMapOvr>
-  <p:timing>
-    <p:tnLst>
-      <p:par>
-        <p:cTn id="1" dur="indefinite" restart="never" nodeType="tmRoot"/>
-      </p:par>
-    </p:tnLst>
-  </p:timing>
 </p:sld>
 </file>
 
@@ -9049,18 +8898,13 @@
           <a:lstStyle/>
           <a:p>
             <a:r>
-              <a:rPr lang="ko-KR" altLang="en-US" sz="2400" b="1" dirty="0" smtClean="0">
+              <a:rPr lang="ko-KR" altLang="en-US" sz="2400" b="1" dirty="0">
                 <a:solidFill>
                   <a:schemeClr val="bg1"/>
                 </a:solidFill>
               </a:rPr>
               <a:t>프로젝트 진행 상황</a:t>
             </a:r>
-            <a:endParaRPr lang="ko-KR" altLang="en-US" sz="2400" b="1" dirty="0">
-              <a:solidFill>
-                <a:schemeClr val="bg1"/>
-              </a:solidFill>
-            </a:endParaRPr>
           </a:p>
         </p:txBody>
       </p:sp>
@@ -9069,7 +8913,7 @@
           <p:cNvPr id="9" name="TextBox 8">
             <a:extLst>
               <a:ext uri="{FF2B5EF4-FFF2-40B4-BE49-F238E27FC236}">
-                <a16:creationId xmlns="" xmlns:a16="http://schemas.microsoft.com/office/drawing/2014/main" id="{FADD5F63-4AF7-48AE-838F-1AA8156BB3C4}"/>
+                <a16:creationId xmlns:a16="http://schemas.microsoft.com/office/drawing/2014/main" id="{FADD5F63-4AF7-48AE-838F-1AA8156BB3C4}"/>
               </a:ext>
             </a:extLst>
           </p:cNvPr>
@@ -9109,7 +8953,7 @@
               <a:buSzPct val="60000"/>
             </a:pPr>
             <a:r>
-              <a:rPr lang="en-US" altLang="ko-KR" b="1" spc="-60" dirty="0" smtClean="0">
+              <a:rPr lang="en-US" altLang="ko-KR" b="1" spc="-60" dirty="0">
                 <a:solidFill>
                   <a:schemeClr val="tx1">
                     <a:lumMod val="65000"/>
@@ -9121,7 +8965,7 @@
               <a:t>&lt;</a:t>
             </a:r>
             <a:r>
-              <a:rPr lang="ko-KR" altLang="en-US" b="1" spc="-60" dirty="0" smtClean="0">
+              <a:rPr lang="ko-KR" altLang="en-US" b="1" spc="-60" dirty="0">
                 <a:solidFill>
                   <a:schemeClr val="tx1">
                     <a:lumMod val="65000"/>
@@ -9133,7 +8977,7 @@
               <a:t>가설에 대한 타당성 입증할 수 있는 통계자료 </a:t>
             </a:r>
             <a:r>
-              <a:rPr lang="en-US" altLang="ko-KR" b="1" spc="-60" dirty="0" smtClean="0">
+              <a:rPr lang="en-US" altLang="ko-KR" b="1" spc="-60" dirty="0">
                 <a:solidFill>
                   <a:schemeClr val="accent6">
                     <a:lumMod val="75000"/>
@@ -9144,7 +8988,7 @@
               <a:t>[2-3</a:t>
             </a:r>
             <a:r>
-              <a:rPr lang="ko-KR" altLang="en-US" b="1" spc="-60" dirty="0" smtClean="0">
+              <a:rPr lang="ko-KR" altLang="en-US" b="1" spc="-60" dirty="0">
                 <a:solidFill>
                   <a:schemeClr val="accent6">
                     <a:lumMod val="75000"/>
@@ -9155,7 +8999,7 @@
               <a:t>개</a:t>
             </a:r>
             <a:r>
-              <a:rPr lang="en-US" altLang="ko-KR" b="1" spc="-60" dirty="0" smtClean="0">
+              <a:rPr lang="en-US" altLang="ko-KR" b="1" spc="-60" dirty="0">
                 <a:solidFill>
                   <a:schemeClr val="accent6">
                     <a:lumMod val="75000"/>
@@ -9175,22 +9019,10 @@
                 </a:solidFill>
                 <a:latin typeface="+mn-ea"/>
               </a:rPr>
-              <a:t> </a:t>
-            </a:r>
-            <a:r>
-              <a:rPr lang="ko-KR" altLang="en-US" b="1" spc="-60" dirty="0" smtClean="0">
-                <a:solidFill>
-                  <a:schemeClr val="tx1">
-                    <a:lumMod val="65000"/>
-                    <a:lumOff val="35000"/>
-                  </a:schemeClr>
-                </a:solidFill>
-                <a:latin typeface="+mn-ea"/>
-              </a:rPr>
-              <a:t>수집</a:t>
-            </a:r>
-            <a:r>
-              <a:rPr lang="en-US" altLang="ko-KR" b="1" spc="-60" dirty="0" smtClean="0">
+              <a:t> 수집</a:t>
+            </a:r>
+            <a:r>
+              <a:rPr lang="en-US" altLang="ko-KR" b="1" spc="-60" dirty="0">
                 <a:solidFill>
                   <a:schemeClr val="tx1">
                     <a:lumMod val="65000"/>
@@ -9209,7 +9041,7 @@
           <p:cNvPr id="11" name="TextBox 10">
             <a:extLst>
               <a:ext uri="{FF2B5EF4-FFF2-40B4-BE49-F238E27FC236}">
-                <a16:creationId xmlns="" xmlns:a16="http://schemas.microsoft.com/office/drawing/2014/main" id="{FADD5F63-4AF7-48AE-838F-1AA8156BB3C4}"/>
+                <a16:creationId xmlns:a16="http://schemas.microsoft.com/office/drawing/2014/main" id="{FADD5F63-4AF7-48AE-838F-1AA8156BB3C4}"/>
               </a:ext>
             </a:extLst>
           </p:cNvPr>
@@ -9251,7 +9083,7 @@
               <a:buChar char="l"/>
             </a:pPr>
             <a:r>
-              <a:rPr lang="ko-KR" altLang="en-US" b="1" spc="-60" dirty="0" smtClean="0">
+              <a:rPr lang="ko-KR" altLang="en-US" b="1" spc="-60" dirty="0">
                 <a:solidFill>
                   <a:schemeClr val="tx1">
                     <a:lumMod val="65000"/>
@@ -9263,7 +9095,7 @@
               <a:t>이 가설을 뒷받침할 수 있는 자료</a:t>
             </a:r>
             <a:r>
-              <a:rPr lang="en-US" altLang="ko-KR" b="1" spc="-60" dirty="0" smtClean="0">
+              <a:rPr lang="en-US" altLang="ko-KR" b="1" spc="-60" dirty="0">
                 <a:solidFill>
                   <a:schemeClr val="tx1">
                     <a:lumMod val="65000"/>
@@ -9275,7 +9107,7 @@
               <a:t> (</a:t>
             </a:r>
             <a:r>
-              <a:rPr lang="ko-KR" altLang="en-US" b="1" spc="-60" dirty="0" smtClean="0">
+              <a:rPr lang="ko-KR" altLang="en-US" b="1" spc="-60" dirty="0">
                 <a:solidFill>
                   <a:schemeClr val="tx1">
                     <a:lumMod val="65000"/>
@@ -9287,7 +9119,7 @@
               <a:t>논문</a:t>
             </a:r>
             <a:r>
-              <a:rPr lang="en-US" altLang="ko-KR" b="1" spc="-60" dirty="0" smtClean="0">
+              <a:rPr lang="en-US" altLang="ko-KR" b="1" spc="-60" dirty="0">
                 <a:solidFill>
                   <a:schemeClr val="tx1">
                     <a:lumMod val="65000"/>
@@ -9299,7 +9131,7 @@
               <a:t>, </a:t>
             </a:r>
             <a:r>
-              <a:rPr lang="ko-KR" altLang="en-US" b="1" spc="-60" dirty="0" smtClean="0">
+              <a:rPr lang="ko-KR" altLang="en-US" b="1" spc="-60" dirty="0">
                 <a:solidFill>
                   <a:schemeClr val="tx1">
                     <a:lumMod val="65000"/>
@@ -9311,7 +9143,7 @@
               <a:t>뉴스 기사</a:t>
             </a:r>
             <a:r>
-              <a:rPr lang="en-US" altLang="ko-KR" b="1" spc="-60" dirty="0" smtClean="0">
+              <a:rPr lang="en-US" altLang="ko-KR" b="1" spc="-60" dirty="0">
                 <a:solidFill>
                   <a:schemeClr val="tx1">
                     <a:lumMod val="65000"/>
@@ -9323,7 +9155,7 @@
               <a:t>) </a:t>
             </a:r>
             <a:r>
-              <a:rPr lang="ko-KR" altLang="en-US" b="1" spc="-60" dirty="0" smtClean="0">
+              <a:rPr lang="ko-KR" altLang="en-US" b="1" spc="-60" dirty="0">
                 <a:solidFill>
                   <a:schemeClr val="tx1">
                     <a:lumMod val="65000"/>
@@ -9334,7 +9166,7 @@
               </a:rPr>
               <a:t>수집</a:t>
             </a:r>
-            <a:endParaRPr lang="en-US" altLang="ko-KR" b="1" spc="-60" dirty="0" smtClean="0">
+            <a:endParaRPr lang="en-US" altLang="ko-KR" b="1" spc="-60" dirty="0">
               <a:solidFill>
                 <a:srgbClr val="FF0000"/>
               </a:solidFill>
@@ -9348,7 +9180,7 @@
           <p:cNvPr id="12" name="TextBox 11">
             <a:extLst>
               <a:ext uri="{FF2B5EF4-FFF2-40B4-BE49-F238E27FC236}">
-                <a16:creationId xmlns="" xmlns:a16="http://schemas.microsoft.com/office/drawing/2014/main" id="{FADD5F63-4AF7-48AE-838F-1AA8156BB3C4}"/>
+                <a16:creationId xmlns:a16="http://schemas.microsoft.com/office/drawing/2014/main" id="{FADD5F63-4AF7-48AE-838F-1AA8156BB3C4}"/>
               </a:ext>
             </a:extLst>
           </p:cNvPr>
@@ -9388,7 +9220,7 @@
               <a:buSzPct val="60000"/>
             </a:pPr>
             <a:r>
-              <a:rPr lang="en-US" altLang="ko-KR" sz="2800" b="1" spc="-60" dirty="0" smtClean="0">
+              <a:rPr lang="en-US" altLang="ko-KR" sz="2800" b="1" spc="-60" dirty="0">
                 <a:solidFill>
                   <a:schemeClr val="tx1">
                     <a:lumMod val="65000"/>
@@ -9440,7 +9272,7 @@
               </a:buClr>
               <a:buSzPct val="60000"/>
             </a:pPr>
-            <a:endParaRPr lang="en-US" altLang="ko-KR" sz="2800" b="1" spc="-60" dirty="0" smtClean="0">
+            <a:endParaRPr lang="en-US" altLang="ko-KR" sz="2800" b="1" spc="-60" dirty="0">
               <a:solidFill>
                 <a:schemeClr val="tx1">
                   <a:lumMod val="65000"/>
@@ -9457,7 +9289,7 @@
           <p:cNvPr id="15" name="TextBox 14">
             <a:extLst>
               <a:ext uri="{FF2B5EF4-FFF2-40B4-BE49-F238E27FC236}">
-                <a16:creationId xmlns="" xmlns:a16="http://schemas.microsoft.com/office/drawing/2014/main" id="{FADD5F63-4AF7-48AE-838F-1AA8156BB3C4}"/>
+                <a16:creationId xmlns:a16="http://schemas.microsoft.com/office/drawing/2014/main" id="{FADD5F63-4AF7-48AE-838F-1AA8156BB3C4}"/>
               </a:ext>
             </a:extLst>
           </p:cNvPr>
@@ -9499,7 +9331,7 @@
               <a:buChar char="l"/>
             </a:pPr>
             <a:r>
-              <a:rPr lang="ko-KR" altLang="en-US" b="1" spc="-60" dirty="0" smtClean="0">
+              <a:rPr lang="ko-KR" altLang="en-US" b="1" spc="-60" dirty="0">
                 <a:solidFill>
                   <a:schemeClr val="tx1">
                     <a:lumMod val="65000"/>
@@ -9511,7 +9343,7 @@
               <a:t>가설</a:t>
             </a:r>
             <a:r>
-              <a:rPr lang="en-US" altLang="ko-KR" b="1" spc="-60" dirty="0" smtClean="0">
+              <a:rPr lang="en-US" altLang="ko-KR" b="1" spc="-60" dirty="0">
                 <a:solidFill>
                   <a:schemeClr val="tx1">
                     <a:lumMod val="65000"/>
@@ -9523,7 +9355,7 @@
               <a:t>: ‘</a:t>
             </a:r>
             <a:r>
-              <a:rPr lang="ko-KR" altLang="en-US" b="1" spc="-60" dirty="0" smtClean="0">
+              <a:rPr lang="ko-KR" altLang="en-US" b="1" spc="-60" dirty="0">
                 <a:solidFill>
                   <a:schemeClr val="tx1">
                     <a:lumMod val="65000"/>
@@ -9535,7 +9367,7 @@
               <a:t>한국인은 여행을 가는 곳만 간다</a:t>
             </a:r>
             <a:r>
-              <a:rPr lang="en-US" altLang="ko-KR" b="1" spc="-60" dirty="0" smtClean="0">
+              <a:rPr lang="en-US" altLang="ko-KR" b="1" spc="-60" dirty="0">
                 <a:solidFill>
                   <a:schemeClr val="tx1">
                     <a:lumMod val="65000"/>
@@ -9572,42 +9404,42 @@
           <a:lstStyle/>
           <a:p>
             <a:r>
-              <a:rPr lang="en-US" altLang="ko-KR" sz="1600" b="1" dirty="0" smtClean="0"/>
+              <a:rPr lang="en-US" altLang="ko-KR" sz="1600" b="1" dirty="0"/>
               <a:t>    TV </a:t>
             </a:r>
             <a:r>
-              <a:rPr lang="ko-KR" altLang="en-US" sz="1600" b="1" dirty="0" smtClean="0"/>
+              <a:rPr lang="ko-KR" altLang="en-US" sz="1600" b="1" dirty="0"/>
               <a:t>프로그램에서 </a:t>
             </a:r>
             <a:r>
-              <a:rPr lang="en-US" altLang="ko-KR" sz="1600" b="1" dirty="0" smtClean="0"/>
+              <a:rPr lang="en-US" altLang="ko-KR" sz="1600" b="1" dirty="0"/>
               <a:t>‘</a:t>
             </a:r>
             <a:r>
-              <a:rPr lang="ko-KR" altLang="en-US" sz="1600" b="1" dirty="0" smtClean="0"/>
+              <a:rPr lang="ko-KR" altLang="en-US" sz="1600" b="1" dirty="0"/>
               <a:t>라오스</a:t>
             </a:r>
             <a:r>
-              <a:rPr lang="en-US" altLang="ko-KR" sz="1600" b="1" dirty="0" smtClean="0"/>
+              <a:rPr lang="en-US" altLang="ko-KR" sz="1600" b="1" dirty="0"/>
               <a:t>’</a:t>
             </a:r>
             <a:r>
-              <a:rPr lang="ko-KR" altLang="en-US" sz="1600" b="1" dirty="0" smtClean="0"/>
+              <a:rPr lang="ko-KR" altLang="en-US" sz="1600" b="1" dirty="0"/>
               <a:t>라는 기존에 들어보지 못했던 새로운 여행지가 나오고</a:t>
             </a:r>
-            <a:endParaRPr lang="en-US" altLang="ko-KR" sz="1600" b="1" dirty="0" smtClean="0"/>
-          </a:p>
-          <a:p>
-            <a:r>
-              <a:rPr lang="en-US" altLang="ko-KR" sz="1600" b="1" dirty="0" smtClean="0"/>
+            <a:endParaRPr lang="en-US" altLang="ko-KR" sz="1600" b="1" dirty="0"/>
+          </a:p>
+          <a:p>
+            <a:r>
+              <a:rPr lang="en-US" altLang="ko-KR" sz="1600" b="1" dirty="0"/>
               <a:t>    </a:t>
             </a:r>
             <a:r>
-              <a:rPr lang="ko-KR" altLang="en-US" sz="1600" b="1" dirty="0" smtClean="0"/>
+              <a:rPr lang="ko-KR" altLang="en-US" sz="1600" b="1" dirty="0"/>
               <a:t>이후 라오스로 여행을 떠나는 한국인이 급증했다는 기사 </a:t>
             </a:r>
             <a:r>
-              <a:rPr lang="en-US" altLang="ko-KR" sz="1600" b="1" dirty="0" smtClean="0"/>
+              <a:rPr lang="en-US" altLang="ko-KR" sz="1600" b="1" dirty="0"/>
               <a:t>etc.</a:t>
             </a:r>
             <a:endParaRPr lang="ko-KR" altLang="en-US" sz="1600" b="1" dirty="0"/>
@@ -9624,13 +9456,6 @@
   <p:clrMapOvr>
     <a:masterClrMapping/>
   </p:clrMapOvr>
-  <p:timing>
-    <p:tnLst>
-      <p:par>
-        <p:cTn id="1" dur="indefinite" restart="never" nodeType="tmRoot"/>
-      </p:par>
-    </p:tnLst>
-  </p:timing>
 </p:sld>
 </file>
 
@@ -9789,18 +9614,13 @@
           <a:lstStyle/>
           <a:p>
             <a:r>
-              <a:rPr lang="ko-KR" altLang="en-US" sz="2400" b="1" dirty="0" smtClean="0">
+              <a:rPr lang="ko-KR" altLang="en-US" sz="2400" b="1" dirty="0">
                 <a:solidFill>
                   <a:schemeClr val="bg1"/>
                 </a:solidFill>
               </a:rPr>
               <a:t>프로젝트 진행 상황</a:t>
             </a:r>
-            <a:endParaRPr lang="ko-KR" altLang="en-US" sz="2400" b="1" dirty="0">
-              <a:solidFill>
-                <a:schemeClr val="bg1"/>
-              </a:solidFill>
-            </a:endParaRPr>
           </a:p>
         </p:txBody>
       </p:sp>
@@ -9809,7 +9629,7 @@
           <p:cNvPr id="24" name="TextBox 23">
             <a:extLst>
               <a:ext uri="{FF2B5EF4-FFF2-40B4-BE49-F238E27FC236}">
-                <a16:creationId xmlns="" xmlns:a16="http://schemas.microsoft.com/office/drawing/2014/main" id="{FADD5F63-4AF7-48AE-838F-1AA8156BB3C4}"/>
+                <a16:creationId xmlns:a16="http://schemas.microsoft.com/office/drawing/2014/main" id="{FADD5F63-4AF7-48AE-838F-1AA8156BB3C4}"/>
               </a:ext>
             </a:extLst>
           </p:cNvPr>
@@ -9851,7 +9671,7 @@
               <a:buChar char="l"/>
             </a:pPr>
             <a:r>
-              <a:rPr lang="ko-KR" altLang="en-US" sz="1500" b="1" spc="-60" dirty="0" smtClean="0">
+              <a:rPr lang="ko-KR" altLang="en-US" sz="1500" b="1" spc="-60" dirty="0">
                 <a:solidFill>
                   <a:schemeClr val="tx1">
                     <a:lumMod val="65000"/>
@@ -9863,7 +9683,7 @@
               <a:t>한국인이 자주 방문하는 도시 선정 </a:t>
             </a:r>
             <a:r>
-              <a:rPr lang="en-US" altLang="ko-KR" sz="1500" b="1" spc="-60" dirty="0" smtClean="0">
+              <a:rPr lang="en-US" altLang="ko-KR" sz="1500" b="1" spc="-60" dirty="0">
                 <a:solidFill>
                   <a:schemeClr val="tx1">
                     <a:lumMod val="65000"/>
@@ -9893,7 +9713,7 @@
               <a:t>진행 완료</a:t>
             </a:r>
             <a:r>
-              <a:rPr lang="en-US" altLang="ko-KR" sz="1500" b="1" spc="-60" dirty="0" smtClean="0">
+              <a:rPr lang="en-US" altLang="ko-KR" sz="1500" b="1" spc="-60" dirty="0">
                 <a:solidFill>
                   <a:srgbClr val="FF0000"/>
                 </a:solidFill>
@@ -9916,7 +9736,7 @@
               <a:buSzPct val="60000"/>
             </a:pPr>
             <a:r>
-              <a:rPr lang="en-US" altLang="ko-KR" sz="1500" b="1" spc="-60" dirty="0" smtClean="0">
+              <a:rPr lang="en-US" altLang="ko-KR" sz="1500" b="1" spc="-60" dirty="0">
                 <a:solidFill>
                   <a:schemeClr val="tx1">
                     <a:lumMod val="65000"/>
@@ -9928,7 +9748,7 @@
               <a:t>    - </a:t>
             </a:r>
             <a:r>
-              <a:rPr lang="ko-KR" altLang="en-US" sz="1500" b="1" spc="-60" dirty="0" err="1" smtClean="0">
+              <a:rPr lang="ko-KR" altLang="en-US" sz="1500" b="1" spc="-60" dirty="0" err="1">
                 <a:solidFill>
                   <a:schemeClr val="tx1">
                     <a:lumMod val="65000"/>
@@ -9940,7 +9760,7 @@
               <a:t>네이버</a:t>
             </a:r>
             <a:r>
-              <a:rPr lang="ko-KR" altLang="en-US" sz="1500" b="1" spc="-60" dirty="0" smtClean="0">
+              <a:rPr lang="ko-KR" altLang="en-US" sz="1500" b="1" spc="-60" dirty="0">
                 <a:solidFill>
                   <a:schemeClr val="tx1">
                     <a:lumMod val="65000"/>
@@ -9952,7 +9772,7 @@
               <a:t> 카페 </a:t>
             </a:r>
             <a:r>
-              <a:rPr lang="en-US" altLang="ko-KR" sz="1500" b="1" spc="-60" dirty="0" smtClean="0">
+              <a:rPr lang="en-US" altLang="ko-KR" sz="1500" b="1" spc="-60" dirty="0">
                 <a:solidFill>
                   <a:schemeClr val="tx1">
                     <a:lumMod val="65000"/>
@@ -9964,7 +9784,7 @@
               <a:t>‘</a:t>
             </a:r>
             <a:r>
-              <a:rPr lang="ko-KR" altLang="en-US" sz="1500" b="1" spc="-60" dirty="0" smtClean="0">
+              <a:rPr lang="ko-KR" altLang="en-US" sz="1500" b="1" spc="-60" dirty="0">
                 <a:solidFill>
                   <a:schemeClr val="tx1">
                     <a:lumMod val="65000"/>
@@ -9976,7 +9796,7 @@
               <a:t>유랑</a:t>
             </a:r>
             <a:r>
-              <a:rPr lang="en-US" altLang="ko-KR" sz="1500" b="1" spc="-60" dirty="0" smtClean="0">
+              <a:rPr lang="en-US" altLang="ko-KR" sz="1500" b="1" spc="-60" dirty="0">
                 <a:solidFill>
                   <a:schemeClr val="tx1">
                     <a:lumMod val="65000"/>
@@ -9988,7 +9808,7 @@
               <a:t>‘</a:t>
             </a:r>
             <a:r>
-              <a:rPr lang="ko-KR" altLang="en-US" sz="1500" b="1" spc="-60" dirty="0" smtClean="0">
+              <a:rPr lang="ko-KR" altLang="en-US" sz="1500" b="1" spc="-60" dirty="0">
                 <a:solidFill>
                   <a:schemeClr val="tx1">
                     <a:lumMod val="65000"/>
@@ -10000,7 +9820,7 @@
               <a:t>의 나라 별 게시판에서 제목</a:t>
             </a:r>
             <a:r>
-              <a:rPr lang="en-US" altLang="ko-KR" sz="1500" b="1" spc="-60" dirty="0" smtClean="0">
+              <a:rPr lang="en-US" altLang="ko-KR" sz="1500" b="1" spc="-60" dirty="0">
                 <a:solidFill>
                   <a:schemeClr val="tx1">
                     <a:lumMod val="65000"/>
@@ -10012,7 +9832,7 @@
               <a:t>, </a:t>
             </a:r>
             <a:r>
-              <a:rPr lang="ko-KR" altLang="en-US" sz="1500" b="1" spc="-60" dirty="0" smtClean="0">
+              <a:rPr lang="ko-KR" altLang="en-US" sz="1500" b="1" spc="-60" dirty="0">
                 <a:solidFill>
                   <a:schemeClr val="tx1">
                     <a:lumMod val="65000"/>
@@ -10024,7 +9844,7 @@
               <a:t>본문</a:t>
             </a:r>
             <a:r>
-              <a:rPr lang="en-US" altLang="ko-KR" sz="1500" b="1" spc="-60" dirty="0" smtClean="0">
+              <a:rPr lang="en-US" altLang="ko-KR" sz="1500" b="1" spc="-60" dirty="0">
                 <a:solidFill>
                   <a:schemeClr val="tx1">
                     <a:lumMod val="65000"/>
@@ -10036,7 +9856,7 @@
               <a:t>, </a:t>
             </a:r>
             <a:r>
-              <a:rPr lang="ko-KR" altLang="en-US" sz="1500" b="1" spc="-60" dirty="0" err="1" smtClean="0">
+              <a:rPr lang="ko-KR" altLang="en-US" sz="1500" b="1" spc="-60" dirty="0" err="1">
                 <a:solidFill>
                   <a:schemeClr val="tx1">
                     <a:lumMod val="65000"/>
@@ -10048,7 +9868,7 @@
               <a:t>댓글</a:t>
             </a:r>
             <a:r>
-              <a:rPr lang="ko-KR" altLang="en-US" sz="1500" b="1" spc="-60" dirty="0" smtClean="0">
+              <a:rPr lang="ko-KR" altLang="en-US" sz="1500" b="1" spc="-60" dirty="0">
                 <a:solidFill>
                   <a:schemeClr val="tx1">
                     <a:lumMod val="65000"/>
@@ -10060,7 +9880,7 @@
               <a:t> 내용을 </a:t>
             </a:r>
             <a:r>
-              <a:rPr lang="ko-KR" altLang="en-US" sz="1500" b="1" spc="-60" dirty="0" err="1" smtClean="0">
+              <a:rPr lang="ko-KR" altLang="en-US" sz="1500" b="1" spc="-60" dirty="0" err="1">
                 <a:solidFill>
                   <a:schemeClr val="tx1">
                     <a:lumMod val="65000"/>
@@ -10071,7 +9891,7 @@
               </a:rPr>
               <a:t>크롤링</a:t>
             </a:r>
-            <a:endParaRPr lang="en-US" altLang="ko-KR" sz="1500" b="1" spc="-60" dirty="0" smtClean="0">
+            <a:endParaRPr lang="en-US" altLang="ko-KR" sz="1500" b="1" spc="-60" dirty="0">
               <a:solidFill>
                 <a:schemeClr val="tx1">
                   <a:lumMod val="65000"/>
@@ -10095,7 +9915,7 @@
               <a:buSzPct val="60000"/>
             </a:pPr>
             <a:r>
-              <a:rPr lang="en-US" altLang="ko-KR" sz="1500" b="1" spc="-60" dirty="0" smtClean="0">
+              <a:rPr lang="en-US" altLang="ko-KR" sz="1500" b="1" spc="-60" dirty="0">
                 <a:solidFill>
                   <a:schemeClr val="tx1">
                     <a:lumMod val="65000"/>
@@ -10107,7 +9927,7 @@
               <a:t>    - </a:t>
             </a:r>
             <a:r>
-              <a:rPr lang="ko-KR" altLang="en-US" sz="1500" b="1" spc="-60" dirty="0" smtClean="0">
+              <a:rPr lang="ko-KR" altLang="en-US" sz="1500" b="1" spc="-60" dirty="0">
                 <a:solidFill>
                   <a:schemeClr val="tx1">
                     <a:lumMod val="65000"/>
@@ -10119,7 +9939,7 @@
               <a:t>이를 통해</a:t>
             </a:r>
             <a:r>
-              <a:rPr lang="en-US" altLang="ko-KR" sz="1500" b="1" spc="-60" dirty="0" smtClean="0">
+              <a:rPr lang="en-US" altLang="ko-KR" sz="1500" b="1" spc="-60" dirty="0">
                 <a:solidFill>
                   <a:schemeClr val="tx1">
                     <a:lumMod val="65000"/>
@@ -10131,7 +9951,7 @@
               <a:t>, </a:t>
             </a:r>
             <a:r>
-              <a:rPr lang="ko-KR" altLang="en-US" sz="1500" b="1" spc="-60" dirty="0" smtClean="0">
+              <a:rPr lang="ko-KR" altLang="en-US" sz="1500" b="1" spc="-60" dirty="0">
                 <a:solidFill>
                   <a:schemeClr val="tx1">
                     <a:lumMod val="65000"/>
@@ -10143,7 +9963,7 @@
               <a:t>해당 국가의 도시들이 언급되는 수를 리스트 업 </a:t>
             </a:r>
             <a:r>
-              <a:rPr lang="en-US" altLang="ko-KR" sz="1500" b="1" spc="-60" dirty="0" smtClean="0">
+              <a:rPr lang="en-US" altLang="ko-KR" sz="1500" b="1" spc="-60" dirty="0">
                 <a:solidFill>
                   <a:schemeClr val="tx1">
                     <a:lumMod val="65000"/>
@@ -10155,7 +9975,7 @@
               <a:t>-&gt; </a:t>
             </a:r>
             <a:r>
-              <a:rPr lang="ko-KR" altLang="en-US" sz="1500" b="1" spc="-60" dirty="0" smtClean="0">
+              <a:rPr lang="ko-KR" altLang="en-US" sz="1500" b="1" spc="-60" dirty="0">
                 <a:solidFill>
                   <a:schemeClr val="tx1">
                     <a:lumMod val="65000"/>
@@ -10166,15 +9986,6 @@
               </a:rPr>
               <a:t>순위</a:t>
             </a:r>
-            <a:endParaRPr lang="ko-KR" altLang="en-US" sz="1500" b="1" spc="-60" dirty="0">
-              <a:solidFill>
-                <a:schemeClr val="tx1">
-                  <a:lumMod val="65000"/>
-                  <a:lumOff val="35000"/>
-                </a:schemeClr>
-              </a:solidFill>
-              <a:latin typeface="+mn-ea"/>
-            </a:endParaRPr>
           </a:p>
         </p:txBody>
       </p:sp>
@@ -10183,7 +9994,7 @@
           <p:cNvPr id="25" name="TextBox 24">
             <a:extLst>
               <a:ext uri="{FF2B5EF4-FFF2-40B4-BE49-F238E27FC236}">
-                <a16:creationId xmlns="" xmlns:a16="http://schemas.microsoft.com/office/drawing/2014/main" id="{FADD5F63-4AF7-48AE-838F-1AA8156BB3C4}"/>
+                <a16:creationId xmlns:a16="http://schemas.microsoft.com/office/drawing/2014/main" id="{FADD5F63-4AF7-48AE-838F-1AA8156BB3C4}"/>
               </a:ext>
             </a:extLst>
           </p:cNvPr>
@@ -10223,7 +10034,7 @@
               <a:buSzPct val="60000"/>
             </a:pPr>
             <a:r>
-              <a:rPr lang="en-US" altLang="ko-KR" sz="1500" b="1" spc="-60" dirty="0" smtClean="0">
+              <a:rPr lang="en-US" altLang="ko-KR" sz="1500" b="1" spc="-60" dirty="0">
                 <a:solidFill>
                   <a:schemeClr val="tx1">
                     <a:lumMod val="65000"/>
@@ -10235,7 +10046,7 @@
               <a:t>&lt;</a:t>
             </a:r>
             <a:r>
-              <a:rPr lang="ko-KR" altLang="en-US" sz="1500" b="1" spc="-60" dirty="0" smtClean="0">
+              <a:rPr lang="ko-KR" altLang="en-US" sz="1500" b="1" spc="-60" dirty="0">
                 <a:solidFill>
                   <a:schemeClr val="tx1">
                     <a:lumMod val="65000"/>
@@ -10247,7 +10058,7 @@
               <a:t>도시 선정</a:t>
             </a:r>
             <a:r>
-              <a:rPr lang="en-US" altLang="ko-KR" sz="1500" b="1" spc="-60" dirty="0" smtClean="0">
+              <a:rPr lang="en-US" altLang="ko-KR" sz="1500" b="1" spc="-60" dirty="0">
                 <a:solidFill>
                   <a:schemeClr val="tx1">
                     <a:lumMod val="65000"/>
@@ -10266,7 +10077,7 @@
           <p:cNvPr id="27" name="TextBox 26">
             <a:extLst>
               <a:ext uri="{FF2B5EF4-FFF2-40B4-BE49-F238E27FC236}">
-                <a16:creationId xmlns="" xmlns:a16="http://schemas.microsoft.com/office/drawing/2014/main" id="{FADD5F63-4AF7-48AE-838F-1AA8156BB3C4}"/>
+                <a16:creationId xmlns:a16="http://schemas.microsoft.com/office/drawing/2014/main" id="{FADD5F63-4AF7-48AE-838F-1AA8156BB3C4}"/>
               </a:ext>
             </a:extLst>
           </p:cNvPr>
@@ -10308,7 +10119,7 @@
               <a:buChar char="l"/>
             </a:pPr>
             <a:r>
-              <a:rPr lang="ko-KR" altLang="en-US" sz="1500" b="1" spc="-60" dirty="0" smtClean="0">
+              <a:rPr lang="ko-KR" altLang="en-US" sz="1500" b="1" spc="-60" dirty="0">
                 <a:solidFill>
                   <a:schemeClr val="tx1">
                     <a:lumMod val="65000"/>
@@ -10320,7 +10131,7 @@
               <a:t>외국인이 자주 방문하는 도시 선정 </a:t>
             </a:r>
             <a:r>
-              <a:rPr lang="en-US" altLang="ko-KR" sz="1500" b="1" spc="-60" dirty="0" smtClean="0">
+              <a:rPr lang="en-US" altLang="ko-KR" sz="1500" b="1" spc="-60" dirty="0">
                 <a:solidFill>
                   <a:schemeClr val="tx1">
                     <a:lumMod val="65000"/>
@@ -10332,7 +10143,7 @@
               <a:t>– List 2 </a:t>
             </a:r>
             <a:r>
-              <a:rPr lang="en-US" altLang="ko-KR" sz="1500" b="1" spc="-60" dirty="0" smtClean="0">
+              <a:rPr lang="en-US" altLang="ko-KR" sz="1500" b="1" spc="-60" dirty="0">
                 <a:solidFill>
                   <a:srgbClr val="FF0000"/>
                 </a:solidFill>
@@ -10341,7 +10152,7 @@
               <a:t>[</a:t>
             </a:r>
             <a:r>
-              <a:rPr lang="ko-KR" altLang="en-US" sz="1500" b="1" spc="-60" dirty="0" smtClean="0">
+              <a:rPr lang="ko-KR" altLang="en-US" sz="1500" b="1" spc="-60" dirty="0">
                 <a:solidFill>
                   <a:srgbClr val="FF0000"/>
                 </a:solidFill>
@@ -10350,7 +10161,7 @@
               <a:t>진행 완료</a:t>
             </a:r>
             <a:r>
-              <a:rPr lang="en-US" altLang="ko-KR" sz="1500" b="1" spc="-60" dirty="0" smtClean="0">
+              <a:rPr lang="en-US" altLang="ko-KR" sz="1500" b="1" spc="-60" dirty="0">
                 <a:solidFill>
                   <a:srgbClr val="FF0000"/>
                 </a:solidFill>
@@ -10373,7 +10184,7 @@
               <a:buSzPct val="60000"/>
             </a:pPr>
             <a:r>
-              <a:rPr lang="en-US" altLang="ko-KR" sz="1500" b="1" spc="-60" dirty="0" smtClean="0">
+              <a:rPr lang="en-US" altLang="ko-KR" sz="1500" b="1" spc="-60" dirty="0">
                 <a:solidFill>
                   <a:schemeClr val="tx1">
                     <a:lumMod val="65000"/>
@@ -10394,22 +10205,10 @@
                 </a:solidFill>
                 <a:latin typeface="+mn-ea"/>
               </a:rPr>
-              <a:t>의</a:t>
-            </a:r>
-            <a:r>
-              <a:rPr lang="ko-KR" altLang="en-US" sz="1500" b="1" spc="-60" dirty="0" smtClean="0">
-                <a:solidFill>
-                  <a:schemeClr val="tx1">
-                    <a:lumMod val="65000"/>
-                    <a:lumOff val="35000"/>
-                  </a:schemeClr>
-                </a:solidFill>
-                <a:latin typeface="+mn-ea"/>
-              </a:rPr>
-              <a:t> 나라 별 포럼에서 제목</a:t>
-            </a:r>
-            <a:r>
-              <a:rPr lang="en-US" altLang="ko-KR" sz="1500" b="1" spc="-60" dirty="0" smtClean="0">
+              <a:t>의 나라 별 포럼에서 제목</a:t>
+            </a:r>
+            <a:r>
+              <a:rPr lang="en-US" altLang="ko-KR" sz="1500" b="1" spc="-60" dirty="0">
                 <a:solidFill>
                   <a:schemeClr val="tx1">
                     <a:lumMod val="65000"/>
@@ -10421,7 +10220,7 @@
               <a:t>, </a:t>
             </a:r>
             <a:r>
-              <a:rPr lang="ko-KR" altLang="en-US" sz="1500" b="1" spc="-60" dirty="0" smtClean="0">
+              <a:rPr lang="ko-KR" altLang="en-US" sz="1500" b="1" spc="-60" dirty="0">
                 <a:solidFill>
                   <a:schemeClr val="tx1">
                     <a:lumMod val="65000"/>
@@ -10433,7 +10232,7 @@
               <a:t>본문</a:t>
             </a:r>
             <a:r>
-              <a:rPr lang="en-US" altLang="ko-KR" sz="1500" b="1" spc="-60" dirty="0" smtClean="0">
+              <a:rPr lang="en-US" altLang="ko-KR" sz="1500" b="1" spc="-60" dirty="0">
                 <a:solidFill>
                   <a:schemeClr val="tx1">
                     <a:lumMod val="65000"/>
@@ -10445,7 +10244,7 @@
               <a:t>, </a:t>
             </a:r>
             <a:r>
-              <a:rPr lang="ko-KR" altLang="en-US" sz="1500" b="1" spc="-60" dirty="0" err="1" smtClean="0">
+              <a:rPr lang="ko-KR" altLang="en-US" sz="1500" b="1" spc="-60" dirty="0" err="1">
                 <a:solidFill>
                   <a:schemeClr val="tx1">
                     <a:lumMod val="65000"/>
@@ -10457,7 +10256,7 @@
               <a:t>댓글</a:t>
             </a:r>
             <a:r>
-              <a:rPr lang="ko-KR" altLang="en-US" sz="1500" b="1" spc="-60" dirty="0" smtClean="0">
+              <a:rPr lang="ko-KR" altLang="en-US" sz="1500" b="1" spc="-60" dirty="0">
                 <a:solidFill>
                   <a:schemeClr val="tx1">
                     <a:lumMod val="65000"/>
@@ -10469,7 +10268,7 @@
               <a:t> 내용을 </a:t>
             </a:r>
             <a:r>
-              <a:rPr lang="ko-KR" altLang="en-US" sz="1500" b="1" spc="-60" dirty="0" err="1" smtClean="0">
+              <a:rPr lang="ko-KR" altLang="en-US" sz="1500" b="1" spc="-60" dirty="0" err="1">
                 <a:solidFill>
                   <a:schemeClr val="tx1">
                     <a:lumMod val="65000"/>
@@ -10480,7 +10279,7 @@
               </a:rPr>
               <a:t>크롤링</a:t>
             </a:r>
-            <a:endParaRPr lang="en-US" altLang="ko-KR" sz="1500" b="1" spc="-60" dirty="0" smtClean="0">
+            <a:endParaRPr lang="en-US" altLang="ko-KR" sz="1500" b="1" spc="-60" dirty="0">
               <a:solidFill>
                 <a:schemeClr val="tx1">
                   <a:lumMod val="65000"/>
@@ -10504,7 +10303,7 @@
               <a:buSzPct val="60000"/>
             </a:pPr>
             <a:r>
-              <a:rPr lang="ko-KR" altLang="en-US" sz="1500" b="1" spc="-60" dirty="0" smtClean="0">
+              <a:rPr lang="ko-KR" altLang="en-US" sz="1500" b="1" spc="-60" dirty="0">
                 <a:solidFill>
                   <a:schemeClr val="tx1">
                     <a:lumMod val="65000"/>
@@ -10516,7 +10315,7 @@
               <a:t>    </a:t>
             </a:r>
             <a:r>
-              <a:rPr lang="en-US" altLang="ko-KR" sz="1500" b="1" spc="-60" dirty="0" smtClean="0">
+              <a:rPr lang="en-US" altLang="ko-KR" sz="1500" b="1" spc="-60" dirty="0">
                 <a:solidFill>
                   <a:schemeClr val="tx1">
                     <a:lumMod val="65000"/>
@@ -10528,7 +10327,7 @@
               <a:t>- </a:t>
             </a:r>
             <a:r>
-              <a:rPr lang="ko-KR" altLang="en-US" sz="1500" b="1" spc="-60" dirty="0" smtClean="0">
+              <a:rPr lang="ko-KR" altLang="en-US" sz="1500" b="1" spc="-60" dirty="0">
                 <a:solidFill>
                   <a:schemeClr val="tx1">
                     <a:lumMod val="65000"/>
@@ -10540,7 +10339,7 @@
               <a:t>이를 통해</a:t>
             </a:r>
             <a:r>
-              <a:rPr lang="en-US" altLang="ko-KR" sz="1500" b="1" spc="-60" dirty="0" smtClean="0">
+              <a:rPr lang="en-US" altLang="ko-KR" sz="1500" b="1" spc="-60" dirty="0">
                 <a:solidFill>
                   <a:schemeClr val="tx1">
                     <a:lumMod val="65000"/>
@@ -10552,7 +10351,7 @@
               <a:t>, </a:t>
             </a:r>
             <a:r>
-              <a:rPr lang="ko-KR" altLang="en-US" sz="1500" b="1" spc="-60" dirty="0" smtClean="0">
+              <a:rPr lang="ko-KR" altLang="en-US" sz="1500" b="1" spc="-60" dirty="0">
                 <a:solidFill>
                   <a:schemeClr val="tx1">
                     <a:lumMod val="65000"/>
@@ -10564,7 +10363,7 @@
               <a:t>해당 국가의 도시들이 언급되는 수를 리스트 업 </a:t>
             </a:r>
             <a:r>
-              <a:rPr lang="en-US" altLang="ko-KR" sz="1500" b="1" spc="-60" dirty="0" smtClean="0">
+              <a:rPr lang="en-US" altLang="ko-KR" sz="1500" b="1" spc="-60" dirty="0">
                 <a:solidFill>
                   <a:schemeClr val="tx1">
                     <a:lumMod val="65000"/>
@@ -10576,7 +10375,7 @@
               <a:t>-&gt; </a:t>
             </a:r>
             <a:r>
-              <a:rPr lang="ko-KR" altLang="en-US" sz="1500" b="1" spc="-60" dirty="0" smtClean="0">
+              <a:rPr lang="ko-KR" altLang="en-US" sz="1500" b="1" spc="-60" dirty="0">
                 <a:solidFill>
                   <a:schemeClr val="tx1">
                     <a:lumMod val="65000"/>
@@ -10587,15 +10386,6 @@
               </a:rPr>
               <a:t>순위</a:t>
             </a:r>
-            <a:endParaRPr lang="ko-KR" altLang="en-US" sz="1500" b="1" spc="-60" dirty="0">
-              <a:solidFill>
-                <a:schemeClr val="tx1">
-                  <a:lumMod val="65000"/>
-                  <a:lumOff val="35000"/>
-                </a:schemeClr>
-              </a:solidFill>
-              <a:latin typeface="+mn-ea"/>
-            </a:endParaRPr>
           </a:p>
         </p:txBody>
       </p:sp>
@@ -10604,7 +10394,7 @@
           <p:cNvPr id="28" name="TextBox 27">
             <a:extLst>
               <a:ext uri="{FF2B5EF4-FFF2-40B4-BE49-F238E27FC236}">
-                <a16:creationId xmlns="" xmlns:a16="http://schemas.microsoft.com/office/drawing/2014/main" id="{FADD5F63-4AF7-48AE-838F-1AA8156BB3C4}"/>
+                <a16:creationId xmlns:a16="http://schemas.microsoft.com/office/drawing/2014/main" id="{FADD5F63-4AF7-48AE-838F-1AA8156BB3C4}"/>
               </a:ext>
             </a:extLst>
           </p:cNvPr>
@@ -10646,7 +10436,7 @@
               <a:buChar char="l"/>
             </a:pPr>
             <a:r>
-              <a:rPr lang="ko-KR" altLang="en-US" sz="1500" b="1" spc="-60" dirty="0" smtClean="0">
+              <a:rPr lang="ko-KR" altLang="en-US" sz="1500" b="1" spc="-60" dirty="0">
                 <a:solidFill>
                   <a:schemeClr val="tx1">
                     <a:lumMod val="65000"/>
@@ -10658,7 +10448,7 @@
               <a:t>한국인만 모르는 도시 선정 </a:t>
             </a:r>
             <a:r>
-              <a:rPr lang="en-US" altLang="ko-KR" sz="1500" b="1" spc="-60" dirty="0" smtClean="0">
+              <a:rPr lang="en-US" altLang="ko-KR" sz="1500" b="1" spc="-60" dirty="0">
                 <a:solidFill>
                   <a:schemeClr val="tx1">
                     <a:lumMod val="65000"/>
@@ -10684,7 +10474,7 @@
               <a:buSzPct val="60000"/>
             </a:pPr>
             <a:r>
-              <a:rPr lang="en-US" altLang="ko-KR" sz="1500" b="1" spc="-60" dirty="0" smtClean="0">
+              <a:rPr lang="en-US" altLang="ko-KR" sz="1500" b="1" spc="-60" dirty="0">
                 <a:solidFill>
                   <a:schemeClr val="tx1">
                     <a:lumMod val="65000"/>
@@ -10696,7 +10486,7 @@
               <a:t>    - List1</a:t>
             </a:r>
             <a:r>
-              <a:rPr lang="ko-KR" altLang="en-US" sz="1500" b="1" spc="-60" dirty="0" smtClean="0">
+              <a:rPr lang="ko-KR" altLang="en-US" sz="1500" b="1" spc="-60" dirty="0">
                 <a:solidFill>
                   <a:schemeClr val="tx1">
                     <a:lumMod val="65000"/>
@@ -10708,7 +10498,7 @@
               <a:t>과 </a:t>
             </a:r>
             <a:r>
-              <a:rPr lang="en-US" altLang="ko-KR" sz="1500" b="1" spc="-60" dirty="0" smtClean="0">
+              <a:rPr lang="en-US" altLang="ko-KR" sz="1500" b="1" spc="-60" dirty="0">
                 <a:solidFill>
                   <a:schemeClr val="tx1">
                     <a:lumMod val="65000"/>
@@ -10720,19 +10510,19 @@
               <a:t>2</a:t>
             </a:r>
             <a:r>
-              <a:rPr lang="ko-KR" altLang="en-US" sz="1500" b="1" spc="-60" dirty="0" smtClean="0">
-                <a:solidFill>
-                  <a:schemeClr val="tx1">
-                    <a:lumMod val="65000"/>
-                    <a:lumOff val="35000"/>
-                  </a:schemeClr>
-                </a:solidFill>
-                <a:latin typeface="+mn-ea"/>
-              </a:rPr>
-              <a:t>의 비교를 통해 추천 대상 목록인 </a:t>
-            </a:r>
-            <a:r>
-              <a:rPr lang="en-US" altLang="ko-KR" sz="1500" b="1" spc="-60" dirty="0" smtClean="0">
+              <a:rPr lang="ko-KR" altLang="en-US" sz="1500" b="1" spc="-60" dirty="0">
+                <a:solidFill>
+                  <a:schemeClr val="tx1">
+                    <a:lumMod val="65000"/>
+                    <a:lumOff val="35000"/>
+                  </a:schemeClr>
+                </a:solidFill>
+                <a:latin typeface="+mn-ea"/>
+              </a:rPr>
+              <a:t>의 비교를 통해 추천 대상 기반인 </a:t>
+            </a:r>
+            <a:r>
+              <a:rPr lang="en-US" altLang="ko-KR" sz="1500" b="1" spc="-60" dirty="0">
                 <a:solidFill>
                   <a:schemeClr val="tx1">
                     <a:lumMod val="65000"/>
@@ -10744,7 +10534,7 @@
               <a:t>List 3</a:t>
             </a:r>
             <a:r>
-              <a:rPr lang="ko-KR" altLang="en-US" sz="1500" b="1" spc="-60" dirty="0" smtClean="0">
+              <a:rPr lang="ko-KR" altLang="en-US" sz="1500" b="1" spc="-60" dirty="0">
                 <a:solidFill>
                   <a:schemeClr val="tx1">
                     <a:lumMod val="65000"/>
@@ -10755,7 +10545,7 @@
               </a:rPr>
               <a:t>을 작성</a:t>
             </a:r>
-            <a:endParaRPr lang="en-US" altLang="ko-KR" sz="1500" b="1" spc="-60" dirty="0" smtClean="0">
+            <a:endParaRPr lang="en-US" altLang="ko-KR" sz="1500" b="1" spc="-60" dirty="0">
               <a:solidFill>
                 <a:schemeClr val="tx1">
                   <a:lumMod val="65000"/>
@@ -10778,7 +10568,7 @@
               </a:buClr>
               <a:buSzPct val="60000"/>
             </a:pPr>
-            <a:endParaRPr lang="en-US" altLang="ko-KR" sz="1500" b="1" spc="-60" dirty="0" smtClean="0">
+            <a:endParaRPr lang="en-US" altLang="ko-KR" sz="1500" b="1" spc="-60" dirty="0">
               <a:solidFill>
                 <a:schemeClr val="tx1">
                   <a:lumMod val="65000"/>
@@ -10795,7 +10585,7 @@
           <p:cNvPr id="31" name="TextBox 30">
             <a:extLst>
               <a:ext uri="{FF2B5EF4-FFF2-40B4-BE49-F238E27FC236}">
-                <a16:creationId xmlns="" xmlns:a16="http://schemas.microsoft.com/office/drawing/2014/main" id="{FADD5F63-4AF7-48AE-838F-1AA8156BB3C4}"/>
+                <a16:creationId xmlns:a16="http://schemas.microsoft.com/office/drawing/2014/main" id="{FADD5F63-4AF7-48AE-838F-1AA8156BB3C4}"/>
               </a:ext>
             </a:extLst>
           </p:cNvPr>
@@ -10837,7 +10627,7 @@
               <a:buChar char="l"/>
             </a:pPr>
             <a:r>
-              <a:rPr lang="ko-KR" altLang="en-US" sz="1500" b="1" spc="-60" dirty="0" smtClean="0">
+              <a:rPr lang="ko-KR" altLang="en-US" sz="1500" b="1" spc="-60" dirty="0">
                 <a:solidFill>
                   <a:schemeClr val="tx1">
                     <a:lumMod val="65000"/>
@@ -10848,7 +10638,7 @@
               </a:rPr>
               <a:t>취향 추천 도시 선정</a:t>
             </a:r>
-            <a:endParaRPr lang="en-US" altLang="ko-KR" sz="1500" b="1" spc="-60" dirty="0" smtClean="0">
+            <a:endParaRPr lang="en-US" altLang="ko-KR" sz="1500" b="1" spc="-60" dirty="0">
               <a:solidFill>
                 <a:schemeClr val="tx1">
                   <a:lumMod val="65000"/>
@@ -10872,18 +10662,6 @@
               <a:buSzPct val="60000"/>
             </a:pPr>
             <a:r>
-              <a:rPr lang="en-US" altLang="ko-KR" sz="1500" b="1" spc="-60" dirty="0" smtClean="0">
-                <a:solidFill>
-                  <a:schemeClr val="tx1">
-                    <a:lumMod val="65000"/>
-                    <a:lumOff val="35000"/>
-                  </a:schemeClr>
-                </a:solidFill>
-                <a:latin typeface="+mn-ea"/>
-              </a:rPr>
-              <a:t>    -</a:t>
-            </a:r>
-            <a:r>
               <a:rPr lang="en-US" altLang="ko-KR" sz="1500" b="1" spc="-60" dirty="0">
                 <a:solidFill>
                   <a:schemeClr val="tx1">
@@ -10893,22 +10671,10 @@
                 </a:solidFill>
                 <a:latin typeface="+mn-ea"/>
               </a:rPr>
-              <a:t> </a:t>
-            </a:r>
-            <a:r>
-              <a:rPr lang="en-US" altLang="ko-KR" sz="1500" b="1" spc="-60" dirty="0" smtClean="0">
-                <a:solidFill>
-                  <a:schemeClr val="tx1">
-                    <a:lumMod val="65000"/>
-                    <a:lumOff val="35000"/>
-                  </a:schemeClr>
-                </a:solidFill>
-                <a:latin typeface="+mn-ea"/>
-              </a:rPr>
-              <a:t>Input</a:t>
-            </a:r>
-            <a:r>
-              <a:rPr lang="ko-KR" altLang="en-US" sz="1500" b="1" spc="-60" dirty="0" smtClean="0">
+              <a:t>    - Input</a:t>
+            </a:r>
+            <a:r>
+              <a:rPr lang="ko-KR" altLang="en-US" sz="1500" b="1" spc="-60" dirty="0">
                 <a:solidFill>
                   <a:schemeClr val="tx1">
                     <a:lumMod val="65000"/>
@@ -10920,7 +10686,7 @@
               <a:t>한 사진과 유사도 분석을 통해서 비슷한 관광지역을 </a:t>
             </a:r>
             <a:r>
-              <a:rPr lang="en-US" altLang="ko-KR" sz="1500" b="1" spc="-60" dirty="0" smtClean="0">
+              <a:rPr lang="en-US" altLang="ko-KR" sz="1500" b="1" spc="-60" dirty="0">
                 <a:solidFill>
                   <a:schemeClr val="tx1">
                     <a:lumMod val="65000"/>
@@ -10932,7 +10698,7 @@
               <a:t>List3</a:t>
             </a:r>
             <a:r>
-              <a:rPr lang="ko-KR" altLang="en-US" sz="1500" b="1" spc="-60" dirty="0" smtClean="0">
+              <a:rPr lang="ko-KR" altLang="en-US" sz="1500" b="1" spc="-60" dirty="0">
                 <a:solidFill>
                   <a:schemeClr val="tx1">
                     <a:lumMod val="65000"/>
@@ -10956,7 +10722,7 @@
               <a:t>List1</a:t>
             </a:r>
             <a:r>
-              <a:rPr lang="ko-KR" altLang="en-US" sz="1500" b="1" spc="-60" dirty="0" smtClean="0">
+              <a:rPr lang="ko-KR" altLang="en-US" sz="1500" b="1" spc="-60" dirty="0">
                 <a:solidFill>
                   <a:schemeClr val="tx1">
                     <a:lumMod val="65000"/>
@@ -11000,22 +10766,10 @@
                 </a:solidFill>
                 <a:latin typeface="+mn-ea"/>
               </a:rPr>
-              <a:t> </a:t>
-            </a:r>
-            <a:r>
-              <a:rPr lang="en-US" altLang="ko-KR" sz="1500" b="1" spc="-60" dirty="0" smtClean="0">
-                <a:solidFill>
-                  <a:schemeClr val="tx1">
-                    <a:lumMod val="65000"/>
-                    <a:lumOff val="35000"/>
-                  </a:schemeClr>
-                </a:solidFill>
-                <a:latin typeface="+mn-ea"/>
-              </a:rPr>
-              <a:t>   - CNN</a:t>
-            </a:r>
-            <a:r>
-              <a:rPr lang="ko-KR" altLang="en-US" sz="1500" b="1" spc="-60" dirty="0" smtClean="0">
+              <a:t>    - CNN</a:t>
+            </a:r>
+            <a:r>
+              <a:rPr lang="ko-KR" altLang="en-US" sz="1500" b="1" spc="-60" dirty="0">
                 <a:solidFill>
                   <a:schemeClr val="tx1">
                     <a:lumMod val="65000"/>
@@ -11027,7 +10781,7 @@
               <a:t>을 활용하여 이미지의 특징을 추출한다</a:t>
             </a:r>
             <a:r>
-              <a:rPr lang="en-US" altLang="ko-KR" sz="1500" b="1" spc="-60" dirty="0" smtClean="0">
+              <a:rPr lang="en-US" altLang="ko-KR" sz="1500" b="1" spc="-60" dirty="0">
                 <a:solidFill>
                   <a:schemeClr val="tx1">
                     <a:lumMod val="65000"/>
@@ -11046,7 +10800,7 @@
           <p:cNvPr id="33" name="TextBox 32">
             <a:extLst>
               <a:ext uri="{FF2B5EF4-FFF2-40B4-BE49-F238E27FC236}">
-                <a16:creationId xmlns="" xmlns:a16="http://schemas.microsoft.com/office/drawing/2014/main" id="{FADD5F63-4AF7-48AE-838F-1AA8156BB3C4}"/>
+                <a16:creationId xmlns:a16="http://schemas.microsoft.com/office/drawing/2014/main" id="{FADD5F63-4AF7-48AE-838F-1AA8156BB3C4}"/>
               </a:ext>
             </a:extLst>
           </p:cNvPr>
@@ -11120,7 +10874,7 @@
           <p:cNvPr id="35" name="TextBox 34">
             <a:extLst>
               <a:ext uri="{FF2B5EF4-FFF2-40B4-BE49-F238E27FC236}">
-                <a16:creationId xmlns="" xmlns:a16="http://schemas.microsoft.com/office/drawing/2014/main" id="{FADD5F63-4AF7-48AE-838F-1AA8156BB3C4}"/>
+                <a16:creationId xmlns:a16="http://schemas.microsoft.com/office/drawing/2014/main" id="{FADD5F63-4AF7-48AE-838F-1AA8156BB3C4}"/>
               </a:ext>
             </a:extLst>
           </p:cNvPr>
@@ -11160,7 +10914,7 @@
               <a:buSzPct val="60000"/>
             </a:pPr>
             <a:r>
-              <a:rPr lang="en-US" altLang="ko-KR" sz="1500" b="1" spc="-60" dirty="0" smtClean="0">
+              <a:rPr lang="en-US" altLang="ko-KR" sz="1500" b="1" spc="-60" dirty="0">
                 <a:solidFill>
                   <a:srgbClr val="FF0000"/>
                 </a:solidFill>
@@ -11169,7 +10923,7 @@
               <a:t>[</a:t>
             </a:r>
             <a:r>
-              <a:rPr lang="ko-KR" altLang="en-US" sz="1500" b="1" spc="-60" dirty="0" smtClean="0">
+              <a:rPr lang="ko-KR" altLang="en-US" sz="1500" b="1" spc="-60" dirty="0">
                 <a:solidFill>
                   <a:srgbClr val="FF0000"/>
                 </a:solidFill>
@@ -11178,7 +10932,7 @@
               <a:t>유사도 분석 방법 찾는 중</a:t>
             </a:r>
             <a:r>
-              <a:rPr lang="en-US" altLang="ko-KR" sz="1500" b="1" spc="-60" dirty="0" smtClean="0">
+              <a:rPr lang="en-US" altLang="ko-KR" sz="1500" b="1" spc="-60" dirty="0">
                 <a:solidFill>
                   <a:srgbClr val="FF0000"/>
                 </a:solidFill>
@@ -11194,7 +10948,7 @@
           <p:cNvPr id="14" name="TextBox 13">
             <a:extLst>
               <a:ext uri="{FF2B5EF4-FFF2-40B4-BE49-F238E27FC236}">
-                <a16:creationId xmlns="" xmlns:a16="http://schemas.microsoft.com/office/drawing/2014/main" id="{FADD5F63-4AF7-48AE-838F-1AA8156BB3C4}"/>
+                <a16:creationId xmlns:a16="http://schemas.microsoft.com/office/drawing/2014/main" id="{FADD5F63-4AF7-48AE-838F-1AA8156BB3C4}"/>
               </a:ext>
             </a:extLst>
           </p:cNvPr>
@@ -11236,7 +10990,7 @@
               <a:buChar char="l"/>
             </a:pPr>
             <a:r>
-              <a:rPr lang="ko-KR" altLang="en-US" sz="1500" b="1" spc="-60" dirty="0" smtClean="0">
+              <a:rPr lang="ko-KR" altLang="en-US" sz="1500" b="1" spc="-60" dirty="0">
                 <a:solidFill>
                   <a:schemeClr val="tx1">
                     <a:lumMod val="65000"/>
@@ -11248,7 +11002,7 @@
               <a:t>유저가 선택한 도시인 </a:t>
             </a:r>
             <a:r>
-              <a:rPr lang="en-US" altLang="ko-KR" sz="1500" b="1" spc="-60" dirty="0" smtClean="0">
+              <a:rPr lang="en-US" altLang="ko-KR" sz="1500" b="1" spc="-60" dirty="0">
                 <a:solidFill>
                   <a:schemeClr val="tx1">
                     <a:lumMod val="65000"/>
@@ -11260,7 +11014,7 @@
               <a:t>List 4</a:t>
             </a:r>
             <a:r>
-              <a:rPr lang="ko-KR" altLang="en-US" sz="1500" b="1" spc="-60" dirty="0" smtClean="0">
+              <a:rPr lang="ko-KR" altLang="en-US" sz="1500" b="1" spc="-60" dirty="0">
                 <a:solidFill>
                   <a:schemeClr val="tx1">
                     <a:lumMod val="65000"/>
@@ -11271,7 +11025,7 @@
               </a:rPr>
               <a:t>에서 선택한 도시와 유사한 도시 선정 </a:t>
             </a:r>
-            <a:endParaRPr lang="en-US" altLang="ko-KR" sz="1500" b="1" spc="-60" dirty="0" smtClean="0">
+            <a:endParaRPr lang="en-US" altLang="ko-KR" sz="1500" b="1" spc="-60" dirty="0">
               <a:solidFill>
                 <a:schemeClr val="tx1">
                   <a:lumMod val="65000"/>
@@ -11295,18 +11049,6 @@
               <a:buSzPct val="60000"/>
             </a:pPr>
             <a:r>
-              <a:rPr lang="en-US" altLang="ko-KR" sz="1500" b="1" spc="-60" dirty="0" smtClean="0">
-                <a:solidFill>
-                  <a:schemeClr val="tx1">
-                    <a:lumMod val="65000"/>
-                    <a:lumOff val="35000"/>
-                  </a:schemeClr>
-                </a:solidFill>
-                <a:latin typeface="+mn-ea"/>
-              </a:rPr>
-              <a:t>    -</a:t>
-            </a:r>
-            <a:r>
               <a:rPr lang="en-US" altLang="ko-KR" sz="1500" b="1" spc="-60" dirty="0">
                 <a:solidFill>
                   <a:schemeClr val="tx1">
@@ -11316,22 +11058,10 @@
                 </a:solidFill>
                 <a:latin typeface="+mn-ea"/>
               </a:rPr>
-              <a:t> </a:t>
-            </a:r>
-            <a:r>
-              <a:rPr lang="en-US" altLang="ko-KR" sz="1500" b="1" spc="-60" dirty="0" smtClean="0">
-                <a:solidFill>
-                  <a:schemeClr val="tx1">
-                    <a:lumMod val="65000"/>
-                    <a:lumOff val="35000"/>
-                  </a:schemeClr>
-                </a:solidFill>
-                <a:latin typeface="+mn-ea"/>
-              </a:rPr>
-              <a:t>Flickr data</a:t>
-            </a:r>
-            <a:r>
-              <a:rPr lang="ko-KR" altLang="en-US" sz="1500" b="1" spc="-60" dirty="0" smtClean="0">
+              <a:t>    - Flickr data</a:t>
+            </a:r>
+            <a:r>
+              <a:rPr lang="ko-KR" altLang="en-US" sz="1500" b="1" spc="-60" dirty="0">
                 <a:solidFill>
                   <a:schemeClr val="tx1">
                     <a:lumMod val="65000"/>
@@ -11342,7 +11072,7 @@
               </a:rPr>
               <a:t>를 통해서 이탈리아 전역의 도시에서 앞에서 선택한 도시와 유사한 도시 추천</a:t>
             </a:r>
-            <a:endParaRPr lang="en-US" altLang="ko-KR" sz="1500" b="1" spc="-60" dirty="0" smtClean="0">
+            <a:endParaRPr lang="en-US" altLang="ko-KR" sz="1500" b="1" spc="-60" dirty="0">
               <a:solidFill>
                 <a:schemeClr val="tx1">
                   <a:lumMod val="65000"/>
@@ -11375,33 +11105,45 @@
                 </a:solidFill>
                 <a:latin typeface="+mn-ea"/>
               </a:rPr>
+              <a:t>    - Flickr API</a:t>
+            </a:r>
+            <a:r>
+              <a:rPr lang="ko-KR" altLang="en-US" sz="1500" b="1" spc="-60" dirty="0">
+                <a:solidFill>
+                  <a:schemeClr val="tx1">
+                    <a:lumMod val="65000"/>
+                    <a:lumOff val="35000"/>
+                  </a:schemeClr>
+                </a:solidFill>
+                <a:latin typeface="+mn-ea"/>
+              </a:rPr>
+              <a:t>를 활용하여 이미지</a:t>
+            </a:r>
+            <a:r>
+              <a:rPr lang="en-US" altLang="ko-KR" sz="1500" b="1" spc="-60" dirty="0">
+                <a:solidFill>
+                  <a:schemeClr val="tx1">
+                    <a:lumMod val="65000"/>
+                    <a:lumOff val="35000"/>
+                  </a:schemeClr>
+                </a:solidFill>
+                <a:latin typeface="+mn-ea"/>
+              </a:rPr>
+              <a:t>,</a:t>
+            </a:r>
+            <a:r>
+              <a:rPr lang="ko-KR" altLang="en-US" sz="1500" b="1" spc="-60" dirty="0">
+                <a:solidFill>
+                  <a:schemeClr val="tx1">
+                    <a:lumMod val="65000"/>
+                    <a:lumOff val="35000"/>
+                  </a:schemeClr>
+                </a:solidFill>
+                <a:latin typeface="+mn-ea"/>
+              </a:rPr>
               <a:t> </a:t>
             </a:r>
             <a:r>
-              <a:rPr lang="en-US" altLang="ko-KR" sz="1500" b="1" spc="-60" dirty="0" smtClean="0">
-                <a:solidFill>
-                  <a:schemeClr val="tx1">
-                    <a:lumMod val="65000"/>
-                    <a:lumOff val="35000"/>
-                  </a:schemeClr>
-                </a:solidFill>
-                <a:latin typeface="+mn-ea"/>
-              </a:rPr>
-              <a:t>   - Flickr API</a:t>
-            </a:r>
-            <a:r>
-              <a:rPr lang="ko-KR" altLang="en-US" sz="1500" b="1" spc="-60" dirty="0" smtClean="0">
-                <a:solidFill>
-                  <a:schemeClr val="tx1">
-                    <a:lumMod val="65000"/>
-                    <a:lumOff val="35000"/>
-                  </a:schemeClr>
-                </a:solidFill>
-                <a:latin typeface="+mn-ea"/>
-              </a:rPr>
-              <a:t>를 활용하여 이미지</a:t>
-            </a:r>
-            <a:r>
               <a:rPr lang="en-US" altLang="ko-KR" sz="1500" b="1" spc="-60" dirty="0">
                 <a:solidFill>
                   <a:schemeClr val="tx1">
@@ -11411,34 +11153,10 @@
                 </a:solidFill>
                 <a:latin typeface="+mn-ea"/>
               </a:rPr>
-              <a:t>,</a:t>
-            </a:r>
-            <a:r>
-              <a:rPr lang="ko-KR" altLang="en-US" sz="1500" b="1" spc="-60" dirty="0" smtClean="0">
-                <a:solidFill>
-                  <a:schemeClr val="tx1">
-                    <a:lumMod val="65000"/>
-                    <a:lumOff val="35000"/>
-                  </a:schemeClr>
-                </a:solidFill>
-                <a:latin typeface="+mn-ea"/>
-              </a:rPr>
-              <a:t> </a:t>
-            </a:r>
-            <a:r>
-              <a:rPr lang="en-US" altLang="ko-KR" sz="1500" b="1" spc="-60" dirty="0" smtClean="0">
-                <a:solidFill>
-                  <a:schemeClr val="tx1">
-                    <a:lumMod val="65000"/>
-                    <a:lumOff val="35000"/>
-                  </a:schemeClr>
-                </a:solidFill>
-                <a:latin typeface="+mn-ea"/>
-              </a:rPr>
               <a:t>tag, title </a:t>
             </a:r>
             <a:r>
-              <a:rPr lang="ko-KR" altLang="en-US" sz="1500" b="1" spc="-60" dirty="0" smtClean="0">
+              <a:rPr lang="ko-KR" altLang="en-US" sz="1500" b="1" spc="-60" dirty="0">
                 <a:solidFill>
                   <a:schemeClr val="tx1">
                     <a:lumMod val="65000"/>
@@ -11450,7 +11168,7 @@
               <a:t>등을 </a:t>
             </a:r>
             <a:r>
-              <a:rPr lang="en-US" altLang="ko-KR" sz="1500" b="1" spc="-60" dirty="0" smtClean="0">
+              <a:rPr lang="en-US" altLang="ko-KR" sz="1500" b="1" spc="-60" dirty="0">
                 <a:solidFill>
                   <a:schemeClr val="tx1">
                     <a:lumMod val="65000"/>
@@ -11462,7 +11180,7 @@
               <a:t>parsing</a:t>
             </a:r>
             <a:r>
-              <a:rPr lang="ko-KR" altLang="en-US" sz="1500" b="1" spc="-60" dirty="0" smtClean="0">
+              <a:rPr lang="ko-KR" altLang="en-US" sz="1500" b="1" spc="-60" dirty="0">
                 <a:solidFill>
                   <a:schemeClr val="tx1">
                     <a:lumMod val="65000"/>
@@ -11474,7 +11192,7 @@
               <a:t>하여 </a:t>
             </a:r>
             <a:r>
-              <a:rPr lang="en-US" altLang="ko-KR" sz="1500" b="1" spc="-60" dirty="0" smtClean="0">
+              <a:rPr lang="en-US" altLang="ko-KR" sz="1500" b="1" spc="-60" dirty="0">
                 <a:solidFill>
                   <a:schemeClr val="tx1">
                     <a:lumMod val="65000"/>
@@ -11486,7 +11204,7 @@
               <a:t>DB</a:t>
             </a:r>
             <a:r>
-              <a:rPr lang="ko-KR" altLang="en-US" sz="1500" b="1" spc="-60" dirty="0" smtClean="0">
+              <a:rPr lang="ko-KR" altLang="en-US" sz="1500" b="1" spc="-60" dirty="0">
                 <a:solidFill>
                   <a:schemeClr val="tx1">
                     <a:lumMod val="65000"/>
@@ -11498,7 +11216,7 @@
               <a:t>를 만든다</a:t>
             </a:r>
             <a:r>
-              <a:rPr lang="en-US" altLang="ko-KR" sz="1500" b="1" spc="-60" dirty="0" smtClean="0">
+              <a:rPr lang="en-US" altLang="ko-KR" sz="1500" b="1" spc="-60" dirty="0">
                 <a:solidFill>
                   <a:schemeClr val="tx1">
                     <a:lumMod val="65000"/>
@@ -11509,15 +11227,6 @@
               </a:rPr>
               <a:t>.</a:t>
             </a:r>
-            <a:endParaRPr lang="en-US" altLang="ko-KR" sz="1500" b="1" spc="-60" dirty="0">
-              <a:solidFill>
-                <a:schemeClr val="tx1">
-                  <a:lumMod val="65000"/>
-                  <a:lumOff val="35000"/>
-                </a:schemeClr>
-              </a:solidFill>
-              <a:latin typeface="+mn-ea"/>
-            </a:endParaRPr>
           </a:p>
         </p:txBody>
       </p:sp>
@@ -11526,7 +11235,7 @@
           <p:cNvPr id="15" name="TextBox 14">
             <a:extLst>
               <a:ext uri="{FF2B5EF4-FFF2-40B4-BE49-F238E27FC236}">
-                <a16:creationId xmlns="" xmlns:a16="http://schemas.microsoft.com/office/drawing/2014/main" id="{FADD5F63-4AF7-48AE-838F-1AA8156BB3C4}"/>
+                <a16:creationId xmlns:a16="http://schemas.microsoft.com/office/drawing/2014/main" id="{FADD5F63-4AF7-48AE-838F-1AA8156BB3C4}"/>
               </a:ext>
             </a:extLst>
           </p:cNvPr>
@@ -11584,7 +11293,7 @@
               <a:t>진행 중</a:t>
             </a:r>
             <a:r>
-              <a:rPr lang="en-US" altLang="ko-KR" sz="1500" b="1" spc="-60" dirty="0" smtClean="0">
+              <a:rPr lang="en-US" altLang="ko-KR" sz="1500" b="1" spc="-60" dirty="0">
                 <a:solidFill>
                   <a:srgbClr val="FF0000"/>
                 </a:solidFill>
@@ -11592,12 +11301,6 @@
               </a:rPr>
               <a:t>]</a:t>
             </a:r>
-            <a:endParaRPr lang="en-US" altLang="ko-KR" sz="1500" b="1" spc="-60" dirty="0">
-              <a:solidFill>
-                <a:srgbClr val="FF0000"/>
-              </a:solidFill>
-              <a:latin typeface="+mn-ea"/>
-            </a:endParaRPr>
           </a:p>
         </p:txBody>
       </p:sp>
@@ -11611,13 +11314,6 @@
   <p:clrMapOvr>
     <a:masterClrMapping/>
   </p:clrMapOvr>
-  <p:timing>
-    <p:tnLst>
-      <p:par>
-        <p:cTn id="1" dur="indefinite" restart="never" nodeType="tmRoot"/>
-      </p:par>
-    </p:tnLst>
-  </p:timing>
 </p:sld>
 </file>
 
@@ -11776,18 +11472,13 @@
           <a:lstStyle/>
           <a:p>
             <a:r>
-              <a:rPr lang="ko-KR" altLang="en-US" sz="2400" b="1" dirty="0" smtClean="0">
+              <a:rPr lang="ko-KR" altLang="en-US" sz="2400" b="1" dirty="0">
                 <a:solidFill>
                   <a:schemeClr val="bg1"/>
                 </a:solidFill>
               </a:rPr>
               <a:t>프로젝트 진행 상황</a:t>
             </a:r>
-            <a:endParaRPr lang="ko-KR" altLang="en-US" sz="2400" b="1" dirty="0">
-              <a:solidFill>
-                <a:schemeClr val="bg1"/>
-              </a:solidFill>
-            </a:endParaRPr>
           </a:p>
         </p:txBody>
       </p:sp>
@@ -11796,7 +11487,7 @@
           <p:cNvPr id="12" name="TextBox 11">
             <a:extLst>
               <a:ext uri="{FF2B5EF4-FFF2-40B4-BE49-F238E27FC236}">
-                <a16:creationId xmlns="" xmlns:a16="http://schemas.microsoft.com/office/drawing/2014/main" id="{FADD5F63-4AF7-48AE-838F-1AA8156BB3C4}"/>
+                <a16:creationId xmlns:a16="http://schemas.microsoft.com/office/drawing/2014/main" id="{FADD5F63-4AF7-48AE-838F-1AA8156BB3C4}"/>
               </a:ext>
             </a:extLst>
           </p:cNvPr>
@@ -11836,7 +11527,7 @@
               <a:buSzPct val="60000"/>
             </a:pPr>
             <a:r>
-              <a:rPr lang="en-US" altLang="ko-KR" sz="1600" b="1" spc="-60" dirty="0" smtClean="0">
+              <a:rPr lang="en-US" altLang="ko-KR" sz="1600" b="1" spc="-60" dirty="0">
                 <a:solidFill>
                   <a:schemeClr val="tx1">
                     <a:lumMod val="65000"/>
@@ -11860,7 +11551,7 @@
               <a:t> </a:t>
             </a:r>
             <a:r>
-              <a:rPr lang="en-US" altLang="ko-KR" sz="1600" b="1" spc="-60" dirty="0" smtClean="0">
+              <a:rPr lang="en-US" altLang="ko-KR" sz="1600" b="1" spc="-60" dirty="0">
                 <a:solidFill>
                   <a:schemeClr val="tx1">
                     <a:lumMod val="65000"/>
@@ -11872,7 +11563,7 @@
               <a:t>category </a:t>
             </a:r>
             <a:r>
-              <a:rPr lang="ko-KR" altLang="en-US" sz="1600" b="1" spc="-60" dirty="0" smtClean="0">
+              <a:rPr lang="ko-KR" altLang="en-US" sz="1600" b="1" spc="-60" dirty="0">
                 <a:solidFill>
                   <a:schemeClr val="tx1">
                     <a:lumMod val="65000"/>
@@ -11884,7 +11575,7 @@
               <a:t>분류</a:t>
             </a:r>
             <a:r>
-              <a:rPr lang="en-US" altLang="ko-KR" sz="1600" b="1" spc="-60" dirty="0" smtClean="0">
+              <a:rPr lang="en-US" altLang="ko-KR" sz="1600" b="1" spc="-60" dirty="0">
                 <a:solidFill>
                   <a:schemeClr val="tx1">
                     <a:lumMod val="65000"/>
@@ -11903,7 +11594,7 @@
           <p:cNvPr id="15" name="TextBox 14">
             <a:extLst>
               <a:ext uri="{FF2B5EF4-FFF2-40B4-BE49-F238E27FC236}">
-                <a16:creationId xmlns="" xmlns:a16="http://schemas.microsoft.com/office/drawing/2014/main" id="{FADD5F63-4AF7-48AE-838F-1AA8156BB3C4}"/>
+                <a16:creationId xmlns:a16="http://schemas.microsoft.com/office/drawing/2014/main" id="{FADD5F63-4AF7-48AE-838F-1AA8156BB3C4}"/>
               </a:ext>
             </a:extLst>
           </p:cNvPr>
@@ -11945,7 +11636,7 @@
               <a:buChar char="l"/>
             </a:pPr>
             <a:r>
-              <a:rPr lang="en-US" altLang="ko-KR" sz="1500" b="1" spc="-60" dirty="0" smtClean="0">
+              <a:rPr lang="en-US" altLang="ko-KR" sz="1500" b="1" spc="-60" dirty="0">
                 <a:solidFill>
                   <a:schemeClr val="tx1">
                     <a:lumMod val="65000"/>
@@ -11957,7 +11648,7 @@
               <a:t>1) </a:t>
             </a:r>
             <a:r>
-              <a:rPr lang="ko-KR" altLang="en-US" sz="1500" b="1" spc="-60" dirty="0" smtClean="0">
+              <a:rPr lang="ko-KR" altLang="en-US" sz="1500" b="1" spc="-60" dirty="0">
                 <a:solidFill>
                   <a:schemeClr val="tx1">
                     <a:lumMod val="65000"/>
@@ -11968,15 +11659,6 @@
               </a:rPr>
               <a:t>이미지 특징 추출</a:t>
             </a:r>
-            <a:endParaRPr lang="ko-KR" altLang="en-US" sz="1500" b="1" spc="-60" dirty="0">
-              <a:solidFill>
-                <a:schemeClr val="tx1">
-                  <a:lumMod val="65000"/>
-                  <a:lumOff val="35000"/>
-                </a:schemeClr>
-              </a:solidFill>
-              <a:latin typeface="+mn-ea"/>
-            </a:endParaRPr>
           </a:p>
         </p:txBody>
       </p:sp>
@@ -11985,7 +11667,7 @@
           <p:cNvPr id="18" name="TextBox 17">
             <a:extLst>
               <a:ext uri="{FF2B5EF4-FFF2-40B4-BE49-F238E27FC236}">
-                <a16:creationId xmlns="" xmlns:a16="http://schemas.microsoft.com/office/drawing/2014/main" id="{FADD5F63-4AF7-48AE-838F-1AA8156BB3C4}"/>
+                <a16:creationId xmlns:a16="http://schemas.microsoft.com/office/drawing/2014/main" id="{FADD5F63-4AF7-48AE-838F-1AA8156BB3C4}"/>
               </a:ext>
             </a:extLst>
           </p:cNvPr>
@@ -12025,55 +11707,19 @@
               <a:buSzPct val="60000"/>
             </a:pPr>
             <a:r>
-              <a:rPr lang="en-US" altLang="ko-KR" sz="1500" b="1" spc="-60" dirty="0" smtClean="0">
-                <a:solidFill>
-                  <a:schemeClr val="tx1">
-                    <a:lumMod val="65000"/>
-                    <a:lumOff val="35000"/>
-                  </a:schemeClr>
-                </a:solidFill>
-                <a:latin typeface="+mn-ea"/>
-              </a:rPr>
-              <a:t>- CNN (</a:t>
-            </a:r>
-            <a:r>
-              <a:rPr lang="en-US" altLang="ko-KR" sz="1500" b="1" spc="-60" dirty="0" err="1" smtClean="0">
-                <a:solidFill>
-                  <a:schemeClr val="tx1">
-                    <a:lumMod val="65000"/>
-                    <a:lumOff val="35000"/>
-                  </a:schemeClr>
-                </a:solidFill>
-                <a:latin typeface="+mn-ea"/>
-              </a:rPr>
-              <a:t>Goolge</a:t>
-            </a:r>
-            <a:r>
-              <a:rPr lang="en-US" altLang="ko-KR" sz="1500" b="1" spc="-60" dirty="0" smtClean="0">
-                <a:solidFill>
-                  <a:schemeClr val="tx1">
-                    <a:lumMod val="65000"/>
-                    <a:lumOff val="35000"/>
-                  </a:schemeClr>
-                </a:solidFill>
-                <a:latin typeface="+mn-ea"/>
-              </a:rPr>
-              <a:t> </a:t>
-            </a:r>
-            <a:r>
-              <a:rPr lang="en-US" altLang="ko-KR" sz="1500" b="1" spc="-60" dirty="0" smtClean="0">
-                <a:solidFill>
-                  <a:schemeClr val="tx1">
-                    <a:lumMod val="65000"/>
-                    <a:lumOff val="35000"/>
-                  </a:schemeClr>
-                </a:solidFill>
-                <a:latin typeface="+mn-ea"/>
-              </a:rPr>
-              <a:t>API </a:t>
-            </a:r>
-            <a:r>
-              <a:rPr lang="ko-KR" altLang="en-US" sz="1500" b="1" spc="-60" dirty="0" smtClean="0">
+              <a:rPr lang="en-US" altLang="ko-KR" sz="1500" b="1" spc="-60" dirty="0">
+                <a:solidFill>
+                  <a:schemeClr val="tx1">
+                    <a:lumMod val="65000"/>
+                    <a:lumOff val="35000"/>
+                  </a:schemeClr>
+                </a:solidFill>
+                <a:latin typeface="+mn-ea"/>
+              </a:rPr>
+              <a:t>- CNN (Google API </a:t>
+            </a:r>
+            <a:r>
+              <a:rPr lang="ko-KR" altLang="en-US" sz="1500" b="1" spc="-60" dirty="0">
                 <a:solidFill>
                   <a:schemeClr val="tx1">
                     <a:lumMod val="65000"/>
@@ -12085,55 +11731,19 @@
               <a:t>활용</a:t>
             </a:r>
             <a:r>
-              <a:rPr lang="en-US" altLang="ko-KR" sz="1500" b="1" spc="-60" dirty="0" smtClean="0">
-                <a:solidFill>
-                  <a:schemeClr val="tx1">
-                    <a:lumMod val="65000"/>
-                    <a:lumOff val="35000"/>
-                  </a:schemeClr>
-                </a:solidFill>
-                <a:latin typeface="+mn-ea"/>
-              </a:rPr>
-              <a:t> </a:t>
-            </a:r>
-            <a:r>
-              <a:rPr lang="en-US" altLang="ko-KR" sz="1500" b="1" spc="-60" dirty="0" smtClean="0">
-                <a:solidFill>
-                  <a:schemeClr val="tx1">
-                    <a:lumMod val="65000"/>
-                    <a:lumOff val="35000"/>
-                  </a:schemeClr>
-                </a:solidFill>
-                <a:latin typeface="+mn-ea"/>
-              </a:rPr>
-              <a:t>/ </a:t>
-            </a:r>
-            <a:r>
-              <a:rPr lang="en-US" altLang="ko-KR" sz="1500" b="1" spc="-60" dirty="0" smtClean="0">
-                <a:solidFill>
-                  <a:schemeClr val="tx1">
-                    <a:lumMod val="65000"/>
-                    <a:lumOff val="35000"/>
-                  </a:schemeClr>
-                </a:solidFill>
-                <a:latin typeface="+mn-ea"/>
-              </a:rPr>
-              <a:t>Inception </a:t>
-            </a:r>
-            <a:r>
-              <a:rPr lang="en-US" altLang="ko-KR" sz="1500" b="1" spc="-60" dirty="0" smtClean="0">
-                <a:solidFill>
-                  <a:schemeClr val="tx1">
-                    <a:lumMod val="65000"/>
-                    <a:lumOff val="35000"/>
-                  </a:schemeClr>
-                </a:solidFill>
-                <a:latin typeface="+mn-ea"/>
-              </a:rPr>
-              <a:t>V3 </a:t>
-            </a:r>
-            <a:r>
-              <a:rPr lang="ko-KR" altLang="en-US" sz="1500" b="1" spc="-60" dirty="0" smtClean="0">
+              <a:rPr lang="en-US" altLang="ko-KR" sz="1500" b="1" spc="-60" dirty="0">
+                <a:solidFill>
+                  <a:schemeClr val="tx1">
+                    <a:lumMod val="65000"/>
+                    <a:lumOff val="35000"/>
+                  </a:schemeClr>
+                </a:solidFill>
+                <a:latin typeface="+mn-ea"/>
+              </a:rPr>
+              <a:t> / Inception V3 </a:t>
+            </a:r>
+            <a:r>
+              <a:rPr lang="ko-KR" altLang="en-US" sz="1500" b="1" spc="-60" dirty="0">
                 <a:solidFill>
                   <a:schemeClr val="tx1">
                     <a:lumMod val="65000"/>
@@ -12145,7 +11755,7 @@
               <a:t>등 방법 선정 필요</a:t>
             </a:r>
             <a:r>
-              <a:rPr lang="en-US" altLang="ko-KR" sz="1500" b="1" spc="-60" dirty="0" smtClean="0">
+              <a:rPr lang="en-US" altLang="ko-KR" sz="1500" b="1" spc="-60" dirty="0">
                 <a:solidFill>
                   <a:schemeClr val="tx1">
                     <a:lumMod val="65000"/>
@@ -12173,7 +11783,7 @@
           <p:cNvPr id="21" name="TextBox 20">
             <a:extLst>
               <a:ext uri="{FF2B5EF4-FFF2-40B4-BE49-F238E27FC236}">
-                <a16:creationId xmlns="" xmlns:a16="http://schemas.microsoft.com/office/drawing/2014/main" id="{FADD5F63-4AF7-48AE-838F-1AA8156BB3C4}"/>
+                <a16:creationId xmlns:a16="http://schemas.microsoft.com/office/drawing/2014/main" id="{FADD5F63-4AF7-48AE-838F-1AA8156BB3C4}"/>
               </a:ext>
             </a:extLst>
           </p:cNvPr>
@@ -12213,7 +11823,7 @@
               <a:buSzPct val="60000"/>
             </a:pPr>
             <a:r>
-              <a:rPr lang="en-US" altLang="ko-KR" sz="1500" b="1" spc="-60" dirty="0" smtClean="0">
+              <a:rPr lang="en-US" altLang="ko-KR" sz="1500" b="1" spc="-60" dirty="0">
                 <a:solidFill>
                   <a:schemeClr val="tx1">
                     <a:lumMod val="65000"/>
@@ -12225,7 +11835,7 @@
               <a:t>- </a:t>
             </a:r>
             <a:r>
-              <a:rPr lang="ko-KR" altLang="en-US" sz="1500" b="1" spc="-60" dirty="0" smtClean="0">
+              <a:rPr lang="ko-KR" altLang="en-US" sz="1500" b="1" spc="-60" dirty="0">
                 <a:solidFill>
                   <a:schemeClr val="tx1">
                     <a:lumMod val="65000"/>
@@ -12236,24 +11846,15 @@
               </a:rPr>
               <a:t>예시  </a:t>
             </a:r>
-            <a:endParaRPr lang="ko-KR" altLang="en-US" sz="1500" b="1" spc="-60" dirty="0">
-              <a:solidFill>
-                <a:schemeClr val="tx1">
-                  <a:lumMod val="65000"/>
-                  <a:lumOff val="35000"/>
-                </a:schemeClr>
-              </a:solidFill>
-              <a:latin typeface="+mn-ea"/>
-            </a:endParaRPr>
-          </a:p>
-        </p:txBody>
-      </p:sp>
-      <p:sp>
-        <p:nvSpPr>
-          <p:cNvPr id="23" name="TextBox 22">
+          </a:p>
+        </p:txBody>
+      </p:sp>
+      <p:sp>
+        <p:nvSpPr>
+          <p:cNvPr id="17" name="TextBox 16">
             <a:extLst>
               <a:ext uri="{FF2B5EF4-FFF2-40B4-BE49-F238E27FC236}">
-                <a16:creationId xmlns="" xmlns:a16="http://schemas.microsoft.com/office/drawing/2014/main" id="{FADD5F63-4AF7-48AE-838F-1AA8156BB3C4}"/>
+                <a16:creationId xmlns:a16="http://schemas.microsoft.com/office/drawing/2014/main" id="{FADD5F63-4AF7-48AE-838F-1AA8156BB3C4}"/>
               </a:ext>
             </a:extLst>
           </p:cNvPr>
@@ -12262,8 +11863,8 @@
         </p:nvSpPr>
         <p:spPr>
           <a:xfrm>
-            <a:off x="709468" y="6300162"/>
-            <a:ext cx="6217425" cy="276999"/>
+            <a:off x="3525866" y="1684242"/>
+            <a:ext cx="1008558" cy="230832"/>
           </a:xfrm>
           <a:prstGeom prst="rect">
             <a:avLst/>
@@ -12293,146 +11894,6 @@
               <a:buSzPct val="60000"/>
             </a:pPr>
             <a:r>
-              <a:rPr lang="en-US" altLang="ko-KR" b="1" spc="-60" dirty="0" smtClean="0">
-                <a:solidFill>
-                  <a:schemeClr val="tx1">
-                    <a:lumMod val="65000"/>
-                    <a:lumOff val="35000"/>
-                  </a:schemeClr>
-                </a:solidFill>
-                <a:latin typeface="+mn-ea"/>
-              </a:rPr>
-              <a:t>-&gt; </a:t>
-            </a:r>
-            <a:r>
-              <a:rPr lang="ko-KR" altLang="en-US" b="1" spc="-60" dirty="0" smtClean="0">
-                <a:solidFill>
-                  <a:schemeClr val="tx1">
-                    <a:lumMod val="65000"/>
-                    <a:lumOff val="35000"/>
-                  </a:schemeClr>
-                </a:solidFill>
-                <a:latin typeface="+mn-ea"/>
-              </a:rPr>
-              <a:t>알맞은 </a:t>
-            </a:r>
-            <a:r>
-              <a:rPr lang="en-US" altLang="ko-KR" b="1" spc="-60" dirty="0" smtClean="0">
-                <a:solidFill>
-                  <a:schemeClr val="tx1">
-                    <a:lumMod val="65000"/>
-                    <a:lumOff val="35000"/>
-                  </a:schemeClr>
-                </a:solidFill>
-                <a:latin typeface="+mn-ea"/>
-              </a:rPr>
-              <a:t>CNN</a:t>
-            </a:r>
-            <a:r>
-              <a:rPr lang="ko-KR" altLang="en-US" b="1" spc="-60" dirty="0" smtClean="0">
-                <a:solidFill>
-                  <a:schemeClr val="tx1">
-                    <a:lumMod val="65000"/>
-                    <a:lumOff val="35000"/>
-                  </a:schemeClr>
-                </a:solidFill>
-                <a:latin typeface="+mn-ea"/>
-              </a:rPr>
-              <a:t>을 사용하여</a:t>
-            </a:r>
-            <a:r>
-              <a:rPr lang="en-US" altLang="ko-KR" b="1" spc="-60" dirty="0" smtClean="0">
-                <a:solidFill>
-                  <a:schemeClr val="tx1">
-                    <a:lumMod val="65000"/>
-                    <a:lumOff val="35000"/>
-                  </a:schemeClr>
-                </a:solidFill>
-                <a:latin typeface="+mn-ea"/>
-              </a:rPr>
-              <a:t>, </a:t>
-            </a:r>
-            <a:r>
-              <a:rPr lang="en-US" altLang="ko-KR" b="1" spc="-60" dirty="0" smtClean="0">
-                <a:latin typeface="+mn-ea"/>
-              </a:rPr>
-              <a:t>Category</a:t>
-            </a:r>
-            <a:r>
-              <a:rPr lang="ko-KR" altLang="en-US" b="1" spc="-60" dirty="0" smtClean="0">
-                <a:latin typeface="+mn-ea"/>
-              </a:rPr>
-              <a:t> </a:t>
-            </a:r>
-            <a:r>
-              <a:rPr lang="ko-KR" altLang="en-US" b="1" spc="-60" dirty="0" smtClean="0">
-                <a:solidFill>
-                  <a:schemeClr val="tx1">
-                    <a:lumMod val="65000"/>
-                    <a:lumOff val="35000"/>
-                  </a:schemeClr>
-                </a:solidFill>
-                <a:latin typeface="+mn-ea"/>
-              </a:rPr>
-              <a:t>만들기</a:t>
-            </a:r>
-            <a:endParaRPr lang="en-US" altLang="ko-KR" b="1" spc="-60" dirty="0" smtClean="0">
-              <a:solidFill>
-                <a:schemeClr val="tx1">
-                  <a:lumMod val="65000"/>
-                  <a:lumOff val="35000"/>
-                </a:schemeClr>
-              </a:solidFill>
-              <a:latin typeface="+mn-ea"/>
-            </a:endParaRPr>
-          </a:p>
-        </p:txBody>
-      </p:sp>
-      <p:sp>
-        <p:nvSpPr>
-          <p:cNvPr id="17" name="TextBox 16">
-            <a:extLst>
-              <a:ext uri="{FF2B5EF4-FFF2-40B4-BE49-F238E27FC236}">
-                <a16:creationId xmlns="" xmlns:a16="http://schemas.microsoft.com/office/drawing/2014/main" id="{FADD5F63-4AF7-48AE-838F-1AA8156BB3C4}"/>
-              </a:ext>
-            </a:extLst>
-          </p:cNvPr>
-          <p:cNvSpPr txBox="1"/>
-          <p:nvPr/>
-        </p:nvSpPr>
-        <p:spPr>
-          <a:xfrm>
-            <a:off x="3525866" y="1684242"/>
-            <a:ext cx="1008558" cy="230832"/>
-          </a:xfrm>
-          <a:prstGeom prst="rect">
-            <a:avLst/>
-          </a:prstGeom>
-          <a:noFill/>
-          <a:ln w="3175">
-            <a:noFill/>
-          </a:ln>
-          <a:effectLst/>
-        </p:spPr>
-        <p:txBody>
-          <a:bodyPr wrap="square" lIns="0" tIns="0" rIns="0" bIns="0" rtlCol="0">
-            <a:spAutoFit/>
-          </a:bodyPr>
-          <a:lstStyle/>
-          <a:p>
-            <a:pPr defTabSz="975022" latinLnBrk="0">
-              <a:spcBef>
-                <a:spcPts val="500"/>
-              </a:spcBef>
-              <a:buClr>
-                <a:schemeClr val="tx1">
-                  <a:lumMod val="65000"/>
-                  <a:lumOff val="35000"/>
-                </a:schemeClr>
-              </a:buClr>
-              <a:buSzPct val="60000"/>
-            </a:pPr>
-            <a:r>
               <a:rPr lang="en-US" altLang="ko-KR" sz="1500" b="1" spc="-60" dirty="0">
                 <a:solidFill>
                   <a:srgbClr val="FF0000"/>
@@ -12451,7 +11912,7 @@
               <a:t>진행 중</a:t>
             </a:r>
             <a:r>
-              <a:rPr lang="en-US" altLang="ko-KR" sz="1500" b="1" spc="-60" dirty="0" smtClean="0">
+              <a:rPr lang="en-US" altLang="ko-KR" sz="1500" b="1" spc="-60" dirty="0">
                 <a:solidFill>
                   <a:srgbClr val="FF0000"/>
                 </a:solidFill>
@@ -12459,12 +11920,6 @@
               </a:rPr>
               <a:t>]</a:t>
             </a:r>
-            <a:endParaRPr lang="en-US" altLang="ko-KR" sz="1500" b="1" spc="-60" dirty="0">
-              <a:solidFill>
-                <a:srgbClr val="FF0000"/>
-              </a:solidFill>
-              <a:latin typeface="+mn-ea"/>
-            </a:endParaRPr>
           </a:p>
         </p:txBody>
       </p:sp>
@@ -12508,13 +11963,6 @@
   <p:clrMapOvr>
     <a:masterClrMapping/>
   </p:clrMapOvr>
-  <p:timing>
-    <p:tnLst>
-      <p:par>
-        <p:cTn id="1" dur="indefinite" restart="never" nodeType="tmRoot"/>
-      </p:par>
-    </p:tnLst>
-  </p:timing>
 </p:sld>
 </file>
 
@@ -12673,18 +12121,13 @@
           <a:lstStyle/>
           <a:p>
             <a:r>
-              <a:rPr lang="ko-KR" altLang="en-US" sz="2400" b="1" dirty="0" smtClean="0">
+              <a:rPr lang="ko-KR" altLang="en-US" sz="2400" b="1" dirty="0">
                 <a:solidFill>
                   <a:schemeClr val="bg1"/>
                 </a:solidFill>
               </a:rPr>
               <a:t>프로젝트 진행 상황</a:t>
             </a:r>
-            <a:endParaRPr lang="ko-KR" altLang="en-US" sz="2400" b="1" dirty="0">
-              <a:solidFill>
-                <a:schemeClr val="bg1"/>
-              </a:solidFill>
-            </a:endParaRPr>
           </a:p>
         </p:txBody>
       </p:sp>
@@ -12693,7 +12136,7 @@
           <p:cNvPr id="12" name="TextBox 11">
             <a:extLst>
               <a:ext uri="{FF2B5EF4-FFF2-40B4-BE49-F238E27FC236}">
-                <a16:creationId xmlns="" xmlns:a16="http://schemas.microsoft.com/office/drawing/2014/main" id="{FADD5F63-4AF7-48AE-838F-1AA8156BB3C4}"/>
+                <a16:creationId xmlns:a16="http://schemas.microsoft.com/office/drawing/2014/main" id="{FADD5F63-4AF7-48AE-838F-1AA8156BB3C4}"/>
               </a:ext>
             </a:extLst>
           </p:cNvPr>
@@ -12733,7 +12176,7 @@
               <a:buSzPct val="60000"/>
             </a:pPr>
             <a:r>
-              <a:rPr lang="en-US" altLang="ko-KR" sz="1600" b="1" spc="-60" dirty="0" smtClean="0">
+              <a:rPr lang="en-US" altLang="ko-KR" sz="1600" b="1" spc="-60" dirty="0">
                 <a:solidFill>
                   <a:schemeClr val="tx1">
                     <a:lumMod val="65000"/>
@@ -12745,7 +12188,7 @@
               <a:t>&lt;</a:t>
             </a:r>
             <a:r>
-              <a:rPr lang="ko-KR" altLang="en-US" sz="1600" b="1" spc="-60" dirty="0" smtClean="0">
+              <a:rPr lang="ko-KR" altLang="en-US" sz="1600" b="1" spc="-60" dirty="0">
                 <a:solidFill>
                   <a:schemeClr val="tx1">
                     <a:lumMod val="65000"/>
@@ -12757,7 +12200,7 @@
               <a:t>이탈리아 </a:t>
             </a:r>
             <a:r>
-              <a:rPr lang="en-US" altLang="ko-KR" sz="1600" b="1" spc="-60" dirty="0" smtClean="0">
+              <a:rPr lang="en-US" altLang="ko-KR" sz="1600" b="1" spc="-60" dirty="0">
                 <a:solidFill>
                   <a:schemeClr val="tx1">
                     <a:lumMod val="65000"/>
@@ -12776,7 +12219,7 @@
           <p:cNvPr id="15" name="TextBox 14">
             <a:extLst>
               <a:ext uri="{FF2B5EF4-FFF2-40B4-BE49-F238E27FC236}">
-                <a16:creationId xmlns="" xmlns:a16="http://schemas.microsoft.com/office/drawing/2014/main" id="{FADD5F63-4AF7-48AE-838F-1AA8156BB3C4}"/>
+                <a16:creationId xmlns:a16="http://schemas.microsoft.com/office/drawing/2014/main" id="{FADD5F63-4AF7-48AE-838F-1AA8156BB3C4}"/>
               </a:ext>
             </a:extLst>
           </p:cNvPr>
@@ -12818,7 +12261,7 @@
               <a:buChar char="l"/>
             </a:pPr>
             <a:r>
-              <a:rPr lang="en-US" altLang="ko-KR" sz="1500" b="1" spc="-60" dirty="0" smtClean="0">
+              <a:rPr lang="en-US" altLang="ko-KR" sz="1500" b="1" spc="-60" dirty="0">
                 <a:solidFill>
                   <a:schemeClr val="tx1">
                     <a:lumMod val="65000"/>
@@ -12830,7 +12273,7 @@
               <a:t>1) Flickr API </a:t>
             </a:r>
             <a:r>
-              <a:rPr lang="ko-KR" altLang="en-US" sz="1500" b="1" spc="-60" dirty="0" smtClean="0">
+              <a:rPr lang="ko-KR" altLang="en-US" sz="1500" b="1" spc="-60" dirty="0">
                 <a:solidFill>
                   <a:schemeClr val="tx1">
                     <a:lumMod val="65000"/>
@@ -12841,15 +12284,6 @@
               </a:rPr>
               <a:t>활용</a:t>
             </a:r>
-            <a:endParaRPr lang="ko-KR" altLang="en-US" sz="1500" b="1" spc="-60" dirty="0">
-              <a:solidFill>
-                <a:schemeClr val="tx1">
-                  <a:lumMod val="65000"/>
-                  <a:lumOff val="35000"/>
-                </a:schemeClr>
-              </a:solidFill>
-              <a:latin typeface="+mn-ea"/>
-            </a:endParaRPr>
           </a:p>
         </p:txBody>
       </p:sp>
@@ -12858,7 +12292,7 @@
           <p:cNvPr id="18" name="TextBox 17">
             <a:extLst>
               <a:ext uri="{FF2B5EF4-FFF2-40B4-BE49-F238E27FC236}">
-                <a16:creationId xmlns="" xmlns:a16="http://schemas.microsoft.com/office/drawing/2014/main" id="{FADD5F63-4AF7-48AE-838F-1AA8156BB3C4}"/>
+                <a16:creationId xmlns:a16="http://schemas.microsoft.com/office/drawing/2014/main" id="{FADD5F63-4AF7-48AE-838F-1AA8156BB3C4}"/>
               </a:ext>
             </a:extLst>
           </p:cNvPr>
@@ -12898,7 +12332,7 @@
               <a:buSzPct val="60000"/>
             </a:pPr>
             <a:r>
-              <a:rPr lang="en-US" altLang="ko-KR" sz="1500" b="1" spc="-60" dirty="0" smtClean="0">
+              <a:rPr lang="en-US" altLang="ko-KR" sz="1500" b="1" spc="-60" dirty="0">
                 <a:solidFill>
                   <a:schemeClr val="tx1">
                     <a:lumMod val="65000"/>
@@ -12910,7 +12344,7 @@
               <a:t>- API</a:t>
             </a:r>
             <a:r>
-              <a:rPr lang="ko-KR" altLang="en-US" sz="1500" b="1" spc="-60" dirty="0" smtClean="0">
+              <a:rPr lang="ko-KR" altLang="en-US" sz="1500" b="1" spc="-60" dirty="0">
                 <a:solidFill>
                   <a:schemeClr val="tx1">
                     <a:lumMod val="65000"/>
@@ -12922,7 +12356,7 @@
               <a:t>를 활용하여 이탈리아 위도에 해당하는 데이터 </a:t>
             </a:r>
             <a:r>
-              <a:rPr lang="ko-KR" altLang="en-US" sz="1500" b="1" spc="-60" dirty="0" err="1" smtClean="0">
+              <a:rPr lang="ko-KR" altLang="en-US" sz="1500" b="1" spc="-60" dirty="0" err="1">
                 <a:solidFill>
                   <a:schemeClr val="tx1">
                     <a:lumMod val="65000"/>
@@ -12950,7 +12384,7 @@
           <p:cNvPr id="21" name="TextBox 20">
             <a:extLst>
               <a:ext uri="{FF2B5EF4-FFF2-40B4-BE49-F238E27FC236}">
-                <a16:creationId xmlns="" xmlns:a16="http://schemas.microsoft.com/office/drawing/2014/main" id="{FADD5F63-4AF7-48AE-838F-1AA8156BB3C4}"/>
+                <a16:creationId xmlns:a16="http://schemas.microsoft.com/office/drawing/2014/main" id="{FADD5F63-4AF7-48AE-838F-1AA8156BB3C4}"/>
               </a:ext>
             </a:extLst>
           </p:cNvPr>
@@ -12990,7 +12424,7 @@
               <a:buSzPct val="60000"/>
             </a:pPr>
             <a:r>
-              <a:rPr lang="en-US" altLang="ko-KR" sz="1500" b="1" spc="-60" dirty="0" smtClean="0">
+              <a:rPr lang="en-US" altLang="ko-KR" sz="1500" b="1" spc="-60" dirty="0">
                 <a:solidFill>
                   <a:schemeClr val="tx1">
                     <a:lumMod val="65000"/>
@@ -13002,7 +12436,7 @@
               <a:t>- </a:t>
             </a:r>
             <a:r>
-              <a:rPr lang="ko-KR" altLang="en-US" sz="1500" b="1" spc="-60" dirty="0" smtClean="0">
+              <a:rPr lang="ko-KR" altLang="en-US" sz="1500" b="1" spc="-60" dirty="0">
                 <a:solidFill>
                   <a:schemeClr val="tx1">
                     <a:lumMod val="65000"/>
@@ -13014,7 +12448,7 @@
               <a:t>해당 사진의 지리적 위치</a:t>
             </a:r>
             <a:r>
-              <a:rPr lang="en-US" altLang="ko-KR" sz="1500" b="1" spc="-60" dirty="0" smtClean="0">
+              <a:rPr lang="en-US" altLang="ko-KR" sz="1500" b="1" spc="-60" dirty="0">
                 <a:solidFill>
                   <a:schemeClr val="tx1">
                     <a:lumMod val="65000"/>
@@ -13026,7 +12460,7 @@
               <a:t>, </a:t>
             </a:r>
             <a:r>
-              <a:rPr lang="ko-KR" altLang="en-US" sz="1500" b="1" spc="-60" dirty="0" smtClean="0">
+              <a:rPr lang="ko-KR" altLang="en-US" sz="1500" b="1" spc="-60" dirty="0">
                 <a:solidFill>
                   <a:schemeClr val="tx1">
                     <a:lumMod val="65000"/>
@@ -13038,7 +12472,7 @@
               <a:t>사진 찍은 시간</a:t>
             </a:r>
             <a:r>
-              <a:rPr lang="en-US" altLang="ko-KR" sz="1500" b="1" spc="-60" dirty="0" smtClean="0">
+              <a:rPr lang="en-US" altLang="ko-KR" sz="1500" b="1" spc="-60" dirty="0">
                 <a:solidFill>
                   <a:schemeClr val="tx1">
                     <a:lumMod val="65000"/>
@@ -13050,7 +12484,7 @@
               <a:t>, </a:t>
             </a:r>
             <a:r>
-              <a:rPr lang="ko-KR" altLang="en-US" sz="1500" b="1" spc="-60" dirty="0" smtClean="0">
+              <a:rPr lang="ko-KR" altLang="en-US" sz="1500" b="1" spc="-60" dirty="0">
                 <a:solidFill>
                   <a:schemeClr val="tx1">
                     <a:lumMod val="65000"/>
@@ -13062,7 +12496,7 @@
               <a:t>사용자 정보</a:t>
             </a:r>
             <a:r>
-              <a:rPr lang="en-US" altLang="ko-KR" sz="1500" b="1" spc="-60" dirty="0" smtClean="0">
+              <a:rPr lang="en-US" altLang="ko-KR" sz="1500" b="1" spc="-60" dirty="0">
                 <a:solidFill>
                   <a:schemeClr val="tx1">
                     <a:lumMod val="65000"/>
@@ -13074,7 +12508,7 @@
               <a:t>(</a:t>
             </a:r>
             <a:r>
-              <a:rPr lang="ko-KR" altLang="en-US" sz="1500" b="1" spc="-60" dirty="0" smtClean="0">
+              <a:rPr lang="ko-KR" altLang="en-US" sz="1500" b="1" spc="-60" dirty="0">
                 <a:solidFill>
                   <a:schemeClr val="tx1">
                     <a:lumMod val="65000"/>
@@ -13086,7 +12520,7 @@
               <a:t>아이디</a:t>
             </a:r>
             <a:r>
-              <a:rPr lang="en-US" altLang="ko-KR" sz="1500" b="1" spc="-60" dirty="0" smtClean="0">
+              <a:rPr lang="en-US" altLang="ko-KR" sz="1500" b="1" spc="-60" dirty="0">
                 <a:solidFill>
                   <a:schemeClr val="tx1">
                     <a:lumMod val="65000"/>
@@ -13098,7 +12532,7 @@
               <a:t>, </a:t>
             </a:r>
             <a:r>
-              <a:rPr lang="ko-KR" altLang="en-US" sz="1500" b="1" spc="-60" dirty="0" smtClean="0">
+              <a:rPr lang="ko-KR" altLang="en-US" sz="1500" b="1" spc="-60" dirty="0">
                 <a:solidFill>
                   <a:schemeClr val="tx1">
                     <a:lumMod val="65000"/>
@@ -13110,7 +12544,7 @@
               <a:t>거주지</a:t>
             </a:r>
             <a:r>
-              <a:rPr lang="en-US" altLang="ko-KR" sz="1500" b="1" spc="-60" dirty="0" smtClean="0">
+              <a:rPr lang="en-US" altLang="ko-KR" sz="1500" b="1" spc="-60" dirty="0">
                 <a:solidFill>
                   <a:schemeClr val="tx1">
                     <a:lumMod val="65000"/>
@@ -13122,7 +12556,7 @@
               <a:t>), </a:t>
             </a:r>
             <a:r>
-              <a:rPr lang="ko-KR" altLang="en-US" sz="1500" b="1" spc="-60" dirty="0" smtClean="0">
+              <a:rPr lang="ko-KR" altLang="en-US" sz="1500" b="1" spc="-60" dirty="0">
                 <a:solidFill>
                   <a:schemeClr val="tx1">
                     <a:lumMod val="65000"/>
@@ -13134,7 +12568,7 @@
               <a:t>태그 등을 </a:t>
             </a:r>
             <a:r>
-              <a:rPr lang="ko-KR" altLang="en-US" sz="1500" b="1" spc="-60" dirty="0" err="1" smtClean="0">
+              <a:rPr lang="ko-KR" altLang="en-US" sz="1500" b="1" spc="-60" dirty="0" err="1">
                 <a:solidFill>
                   <a:schemeClr val="tx1">
                     <a:lumMod val="65000"/>
@@ -13146,7 +12580,7 @@
               <a:t>파싱</a:t>
             </a:r>
             <a:r>
-              <a:rPr lang="ko-KR" altLang="en-US" sz="1500" b="1" spc="-60" dirty="0" smtClean="0">
+              <a:rPr lang="ko-KR" altLang="en-US" sz="1500" b="1" spc="-60" dirty="0">
                 <a:solidFill>
                   <a:schemeClr val="tx1">
                     <a:lumMod val="65000"/>
@@ -13157,15 +12591,6 @@
               </a:rPr>
               <a:t>  </a:t>
             </a:r>
-            <a:endParaRPr lang="ko-KR" altLang="en-US" sz="1500" b="1" spc="-60" dirty="0">
-              <a:solidFill>
-                <a:schemeClr val="tx1">
-                  <a:lumMod val="65000"/>
-                  <a:lumOff val="35000"/>
-                </a:schemeClr>
-              </a:solidFill>
-              <a:latin typeface="+mn-ea"/>
-            </a:endParaRPr>
           </a:p>
         </p:txBody>
       </p:sp>
@@ -13174,7 +12599,7 @@
           <p:cNvPr id="17" name="TextBox 16">
             <a:extLst>
               <a:ext uri="{FF2B5EF4-FFF2-40B4-BE49-F238E27FC236}">
-                <a16:creationId xmlns="" xmlns:a16="http://schemas.microsoft.com/office/drawing/2014/main" id="{FADD5F63-4AF7-48AE-838F-1AA8156BB3C4}"/>
+                <a16:creationId xmlns:a16="http://schemas.microsoft.com/office/drawing/2014/main" id="{FADD5F63-4AF7-48AE-838F-1AA8156BB3C4}"/>
               </a:ext>
             </a:extLst>
           </p:cNvPr>
@@ -13232,7 +12657,7 @@
               <a:t>진행 중</a:t>
             </a:r>
             <a:r>
-              <a:rPr lang="en-US" altLang="ko-KR" sz="1500" b="1" spc="-60" dirty="0" smtClean="0">
+              <a:rPr lang="en-US" altLang="ko-KR" sz="1500" b="1" spc="-60" dirty="0">
                 <a:solidFill>
                   <a:srgbClr val="FF0000"/>
                 </a:solidFill>
@@ -13240,12 +12665,6 @@
               </a:rPr>
               <a:t>]</a:t>
             </a:r>
-            <a:endParaRPr lang="en-US" altLang="ko-KR" sz="1500" b="1" spc="-60" dirty="0">
-              <a:solidFill>
-                <a:srgbClr val="FF0000"/>
-              </a:solidFill>
-              <a:latin typeface="+mn-ea"/>
-            </a:endParaRPr>
           </a:p>
         </p:txBody>
       </p:sp>
@@ -13254,7 +12673,7 @@
           <p:cNvPr id="13" name="TextBox 12">
             <a:extLst>
               <a:ext uri="{FF2B5EF4-FFF2-40B4-BE49-F238E27FC236}">
-                <a16:creationId xmlns="" xmlns:a16="http://schemas.microsoft.com/office/drawing/2014/main" id="{FADD5F63-4AF7-48AE-838F-1AA8156BB3C4}"/>
+                <a16:creationId xmlns:a16="http://schemas.microsoft.com/office/drawing/2014/main" id="{FADD5F63-4AF7-48AE-838F-1AA8156BB3C4}"/>
               </a:ext>
             </a:extLst>
           </p:cNvPr>
@@ -13294,7 +12713,7 @@
               <a:buSzPct val="60000"/>
             </a:pPr>
             <a:r>
-              <a:rPr lang="en-US" altLang="ko-KR" sz="1500" b="1" spc="-60" dirty="0" smtClean="0">
+              <a:rPr lang="en-US" altLang="ko-KR" sz="1500" b="1" spc="-60" dirty="0">
                 <a:solidFill>
                   <a:schemeClr val="tx1">
                     <a:lumMod val="65000"/>
@@ -13306,7 +12725,7 @@
               <a:t>- </a:t>
             </a:r>
             <a:r>
-              <a:rPr lang="ko-KR" altLang="en-US" sz="1500" b="1" spc="-60" dirty="0" smtClean="0">
+              <a:rPr lang="ko-KR" altLang="en-US" sz="1500" b="1" spc="-60" dirty="0">
                 <a:solidFill>
                   <a:schemeClr val="tx1">
                     <a:lumMod val="65000"/>
@@ -13317,15 +12736,6 @@
               </a:rPr>
               <a:t>예시  </a:t>
             </a:r>
-            <a:endParaRPr lang="ko-KR" altLang="en-US" sz="1500" b="1" spc="-60" dirty="0">
-              <a:solidFill>
-                <a:schemeClr val="tx1">
-                  <a:lumMod val="65000"/>
-                  <a:lumOff val="35000"/>
-                </a:schemeClr>
-              </a:solidFill>
-              <a:latin typeface="+mn-ea"/>
-            </a:endParaRPr>
           </a:p>
         </p:txBody>
       </p:sp>
@@ -13334,7 +12744,7 @@
           <p:cNvPr id="14" name="TextBox 13">
             <a:extLst>
               <a:ext uri="{FF2B5EF4-FFF2-40B4-BE49-F238E27FC236}">
-                <a16:creationId xmlns="" xmlns:a16="http://schemas.microsoft.com/office/drawing/2014/main" id="{FADD5F63-4AF7-48AE-838F-1AA8156BB3C4}"/>
+                <a16:creationId xmlns:a16="http://schemas.microsoft.com/office/drawing/2014/main" id="{FADD5F63-4AF7-48AE-838F-1AA8156BB3C4}"/>
               </a:ext>
             </a:extLst>
           </p:cNvPr>
@@ -13374,7 +12784,7 @@
               <a:buSzPct val="60000"/>
             </a:pPr>
             <a:r>
-              <a:rPr lang="en-US" altLang="ko-KR" sz="1500" b="1" spc="-60" dirty="0" smtClean="0">
+              <a:rPr lang="en-US" altLang="ko-KR" sz="1500" b="1" spc="-60" dirty="0">
                 <a:solidFill>
                   <a:schemeClr val="tx1">
                     <a:lumMod val="65000"/>
@@ -13386,7 +12796,7 @@
               <a:t>- </a:t>
             </a:r>
             <a:r>
-              <a:rPr lang="ko-KR" altLang="en-US" sz="1500" b="1" spc="-60" dirty="0" err="1" smtClean="0">
+              <a:rPr lang="ko-KR" altLang="en-US" sz="1500" b="1" spc="-60" dirty="0" err="1">
                 <a:solidFill>
                   <a:schemeClr val="tx1">
                     <a:lumMod val="65000"/>
@@ -13398,7 +12808,7 @@
               <a:t>파싱한</a:t>
             </a:r>
             <a:r>
-              <a:rPr lang="ko-KR" altLang="en-US" sz="1500" b="1" spc="-60" dirty="0" smtClean="0">
+              <a:rPr lang="ko-KR" altLang="en-US" sz="1500" b="1" spc="-60" dirty="0">
                 <a:solidFill>
                   <a:schemeClr val="tx1">
                     <a:lumMod val="65000"/>
@@ -13410,7 +12820,7 @@
               <a:t> 데이터를 가지고 이미지 분류 및 텍스트 분석을 시행한다</a:t>
             </a:r>
             <a:r>
-              <a:rPr lang="en-US" altLang="ko-KR" sz="1500" b="1" spc="-60" dirty="0" smtClean="0">
+              <a:rPr lang="en-US" altLang="ko-KR" sz="1500" b="1" spc="-60" dirty="0">
                 <a:solidFill>
                   <a:schemeClr val="tx1">
                     <a:lumMod val="65000"/>
@@ -13422,7 +12832,7 @@
               <a:t>.</a:t>
             </a:r>
             <a:r>
-              <a:rPr lang="ko-KR" altLang="en-US" sz="1500" b="1" spc="-60" dirty="0" smtClean="0">
+              <a:rPr lang="ko-KR" altLang="en-US" sz="1500" b="1" spc="-60" dirty="0">
                 <a:solidFill>
                   <a:schemeClr val="tx1">
                     <a:lumMod val="65000"/>
@@ -13433,15 +12843,6 @@
               </a:rPr>
               <a:t>   </a:t>
             </a:r>
-            <a:endParaRPr lang="ko-KR" altLang="en-US" sz="1500" b="1" spc="-60" dirty="0">
-              <a:solidFill>
-                <a:schemeClr val="tx1">
-                  <a:lumMod val="65000"/>
-                  <a:lumOff val="35000"/>
-                </a:schemeClr>
-              </a:solidFill>
-              <a:latin typeface="+mn-ea"/>
-            </a:endParaRPr>
           </a:p>
         </p:txBody>
       </p:sp>
@@ -13527,7 +12928,7 @@
           <p:cNvPr id="19" name="TextBox 18">
             <a:extLst>
               <a:ext uri="{FF2B5EF4-FFF2-40B4-BE49-F238E27FC236}">
-                <a16:creationId xmlns="" xmlns:a16="http://schemas.microsoft.com/office/drawing/2014/main" id="{FADD5F63-4AF7-48AE-838F-1AA8156BB3C4}"/>
+                <a16:creationId xmlns:a16="http://schemas.microsoft.com/office/drawing/2014/main" id="{FADD5F63-4AF7-48AE-838F-1AA8156BB3C4}"/>
               </a:ext>
             </a:extLst>
           </p:cNvPr>
@@ -13569,7 +12970,7 @@
               <a:buChar char="ü"/>
             </a:pPr>
             <a:r>
-              <a:rPr lang="en-US" altLang="ko-KR" b="1" spc="-60" dirty="0" smtClean="0">
+              <a:rPr lang="en-US" altLang="ko-KR" b="1" spc="-60" dirty="0">
                 <a:solidFill>
                   <a:schemeClr val="tx1">
                     <a:lumMod val="65000"/>
@@ -13581,7 +12982,7 @@
               <a:t>Flickr API</a:t>
             </a:r>
             <a:r>
-              <a:rPr lang="ko-KR" altLang="en-US" b="1" spc="-60" dirty="0" smtClean="0">
+              <a:rPr lang="ko-KR" altLang="en-US" b="1" spc="-60" dirty="0">
                 <a:solidFill>
                   <a:schemeClr val="tx1">
                     <a:lumMod val="65000"/>
@@ -13592,7 +12993,7 @@
               </a:rPr>
               <a:t>를 통해서 각 도시의 이미지와 텍스트를 분석 가능</a:t>
             </a:r>
-            <a:endParaRPr lang="en-US" altLang="ko-KR" b="1" spc="-60" dirty="0" smtClean="0">
+            <a:endParaRPr lang="en-US" altLang="ko-KR" b="1" spc="-60" dirty="0">
               <a:solidFill>
                 <a:schemeClr val="tx1">
                   <a:lumMod val="65000"/>
@@ -13618,7 +13019,7 @@
               <a:buChar char="ü"/>
             </a:pPr>
             <a:r>
-              <a:rPr lang="en-US" altLang="ko-KR" b="1" spc="-60" dirty="0" smtClean="0">
+              <a:rPr lang="en-US" altLang="ko-KR" b="1" spc="-60" dirty="0">
                 <a:solidFill>
                   <a:schemeClr val="tx1">
                     <a:lumMod val="65000"/>
@@ -13630,7 +13031,7 @@
               <a:t>Ex) </a:t>
             </a:r>
             <a:r>
-              <a:rPr lang="ko-KR" altLang="en-US" b="1" spc="-60" dirty="0" smtClean="0">
+              <a:rPr lang="ko-KR" altLang="en-US" b="1" spc="-60" dirty="0">
                 <a:solidFill>
                   <a:schemeClr val="tx1">
                     <a:lumMod val="65000"/>
@@ -13642,7 +13043,7 @@
               <a:t>쇼핑의 도시 밀라노</a:t>
             </a:r>
             <a:r>
-              <a:rPr lang="en-US" altLang="ko-KR" b="1" spc="-60" dirty="0" smtClean="0">
+              <a:rPr lang="en-US" altLang="ko-KR" b="1" spc="-60" dirty="0">
                 <a:solidFill>
                   <a:schemeClr val="tx1">
                     <a:lumMod val="65000"/>
@@ -13654,7 +13055,7 @@
               <a:t>, </a:t>
             </a:r>
             <a:r>
-              <a:rPr lang="ko-KR" altLang="en-US" b="1" spc="-60" dirty="0" smtClean="0">
+              <a:rPr lang="ko-KR" altLang="en-US" b="1" spc="-60" dirty="0">
                 <a:solidFill>
                   <a:schemeClr val="tx1">
                     <a:lumMod val="65000"/>
@@ -13665,7 +13066,7 @@
               </a:rPr>
               <a:t>쇼핑이 유명한 잠실</a:t>
             </a:r>
-            <a:endParaRPr lang="en-US" altLang="ko-KR" b="1" spc="-60" dirty="0" smtClean="0">
+            <a:endParaRPr lang="en-US" altLang="ko-KR" b="1" spc="-60" dirty="0">
               <a:solidFill>
                 <a:schemeClr val="tx1">
                   <a:lumMod val="65000"/>
@@ -13716,7 +13117,7 @@
               <a:buChar char="ü"/>
             </a:pPr>
             <a:r>
-              <a:rPr lang="ko-KR" altLang="en-US" b="1" spc="-60" dirty="0" smtClean="0">
+              <a:rPr lang="ko-KR" altLang="en-US" b="1" spc="-60" dirty="0">
                 <a:solidFill>
                   <a:schemeClr val="tx1">
                     <a:lumMod val="65000"/>
@@ -13728,7 +13129,7 @@
               <a:t>데이터를 통해 원하는 여행 타입의 </a:t>
             </a:r>
             <a:r>
-              <a:rPr lang="ko-KR" altLang="en-US" b="1" spc="-60" dirty="0" smtClean="0">
+              <a:rPr lang="ko-KR" altLang="en-US" b="1" spc="-60" dirty="0">
                 <a:solidFill>
                   <a:srgbClr val="FF0000"/>
                 </a:solidFill>
@@ -13737,18 +13138,6 @@
               <a:t>추천도시</a:t>
             </a:r>
             <a:r>
-              <a:rPr lang="ko-KR" altLang="en-US" b="1" spc="-60" dirty="0" smtClean="0">
-                <a:solidFill>
-                  <a:schemeClr val="tx1">
-                    <a:lumMod val="65000"/>
-                    <a:lumOff val="35000"/>
-                  </a:schemeClr>
-                </a:solidFill>
-                <a:latin typeface="+mn-ea"/>
-              </a:rPr>
-              <a:t> </a:t>
-            </a:r>
-            <a:r>
               <a:rPr lang="ko-KR" altLang="en-US" b="1" spc="-60" dirty="0">
                 <a:solidFill>
                   <a:schemeClr val="tx1">
@@ -13758,22 +13147,10 @@
                 </a:solidFill>
                 <a:latin typeface="+mn-ea"/>
               </a:rPr>
-              <a:t>및</a:t>
-            </a:r>
-            <a:r>
-              <a:rPr lang="ko-KR" altLang="en-US" b="1" spc="-60" dirty="0" smtClean="0">
-                <a:solidFill>
-                  <a:schemeClr val="tx1">
-                    <a:lumMod val="65000"/>
-                    <a:lumOff val="35000"/>
-                  </a:schemeClr>
-                </a:solidFill>
-                <a:latin typeface="+mn-ea"/>
-              </a:rPr>
-              <a:t> </a:t>
-            </a:r>
-            <a:r>
-              <a:rPr lang="ko-KR" altLang="en-US" b="1" spc="-60" dirty="0" smtClean="0">
+              <a:t> 및 </a:t>
+            </a:r>
+            <a:r>
+              <a:rPr lang="ko-KR" altLang="en-US" b="1" spc="-60" dirty="0">
                 <a:solidFill>
                   <a:srgbClr val="FF0000"/>
                 </a:solidFill>
@@ -13782,7 +13159,7 @@
               <a:t>추천도시의 타입과 유사한 도시</a:t>
             </a:r>
             <a:r>
-              <a:rPr lang="ko-KR" altLang="en-US" b="1" spc="-60" dirty="0" smtClean="0">
+              <a:rPr lang="ko-KR" altLang="en-US" b="1" spc="-60" dirty="0">
                 <a:solidFill>
                   <a:schemeClr val="tx1">
                     <a:lumMod val="65000"/>
@@ -13793,15 +13170,6 @@
               </a:rPr>
               <a:t> 추천 가능    </a:t>
             </a:r>
-            <a:endParaRPr lang="ko-KR" altLang="en-US" b="1" spc="-60" dirty="0">
-              <a:solidFill>
-                <a:schemeClr val="tx1">
-                  <a:lumMod val="65000"/>
-                  <a:lumOff val="35000"/>
-                </a:schemeClr>
-              </a:solidFill>
-              <a:latin typeface="+mn-ea"/>
-            </a:endParaRPr>
           </a:p>
         </p:txBody>
       </p:sp>
@@ -13815,13 +13183,6 @@
   <p:clrMapOvr>
     <a:masterClrMapping/>
   </p:clrMapOvr>
-  <p:timing>
-    <p:tnLst>
-      <p:par>
-        <p:cTn id="1" dur="indefinite" restart="never" nodeType="tmRoot"/>
-      </p:par>
-    </p:tnLst>
-  </p:timing>
 </p:sld>
 </file>
 
@@ -13980,7 +13341,7 @@
           <a:lstStyle/>
           <a:p>
             <a:r>
-              <a:rPr lang="ko-KR" altLang="en-US" sz="2400" b="1" dirty="0" smtClean="0">
+              <a:rPr lang="ko-KR" altLang="en-US" sz="2400" b="1" dirty="0">
                 <a:solidFill>
                   <a:schemeClr val="bg1"/>
                 </a:solidFill>
@@ -13988,7 +13349,7 @@
               <a:t>프로젝트 서비스 구현 </a:t>
             </a:r>
             <a:r>
-              <a:rPr lang="en-US" altLang="ko-KR" sz="2400" b="1" dirty="0" smtClean="0">
+              <a:rPr lang="en-US" altLang="ko-KR" sz="2400" b="1" dirty="0">
                 <a:solidFill>
                   <a:schemeClr val="bg1"/>
                 </a:solidFill>
@@ -14008,7 +13369,7 @@
           <p:cNvPr id="29" name="TextBox 28">
             <a:extLst>
               <a:ext uri="{FF2B5EF4-FFF2-40B4-BE49-F238E27FC236}">
-                <a16:creationId xmlns="" xmlns:a16="http://schemas.microsoft.com/office/drawing/2014/main" id="{FADD5F63-4AF7-48AE-838F-1AA8156BB3C4}"/>
+                <a16:creationId xmlns:a16="http://schemas.microsoft.com/office/drawing/2014/main" id="{FADD5F63-4AF7-48AE-838F-1AA8156BB3C4}"/>
               </a:ext>
             </a:extLst>
           </p:cNvPr>
@@ -14048,7 +13409,7 @@
               <a:buSzPct val="60000"/>
             </a:pPr>
             <a:r>
-              <a:rPr lang="en-US" altLang="ko-KR" sz="1500" b="1" spc="-60" dirty="0" smtClean="0">
+              <a:rPr lang="en-US" altLang="ko-KR" sz="1500" b="1" spc="-60" dirty="0">
                 <a:solidFill>
                   <a:schemeClr val="tx1">
                     <a:lumMod val="65000"/>
@@ -14060,13 +13421,13 @@
               <a:t>&lt;Photo input: </a:t>
             </a:r>
             <a:r>
-              <a:rPr lang="ko-KR" altLang="en-US" sz="1500" b="1" spc="-60" dirty="0" smtClean="0">
+              <a:rPr lang="ko-KR" altLang="en-US" sz="1500" b="1" spc="-60" dirty="0">
                 <a:latin typeface="+mn-ea"/>
               </a:rPr>
               <a:t>자신이 가고 싶은 여행지 사진</a:t>
             </a:r>
             <a:r>
-              <a:rPr lang="en-US" altLang="ko-KR" sz="1500" b="1" spc="-60" dirty="0" smtClean="0">
+              <a:rPr lang="en-US" altLang="ko-KR" sz="1500" b="1" spc="-60" dirty="0">
                 <a:solidFill>
                   <a:schemeClr val="tx1">
                     <a:lumMod val="65000"/>
@@ -14150,7 +13511,7 @@
           <a:p>
             <a:pPr algn="ctr"/>
             <a:r>
-              <a:rPr lang="ko-KR" altLang="en-US" dirty="0" smtClean="0">
+              <a:rPr lang="ko-KR" altLang="en-US" dirty="0">
                 <a:solidFill>
                   <a:schemeClr val="tx1"/>
                 </a:solidFill>
@@ -14159,13 +13520,6 @@
               </a:rPr>
               <a:t>안녕하세요</a:t>
             </a:r>
-            <a:endParaRPr lang="ko-KR" altLang="en-US" dirty="0">
-              <a:solidFill>
-                <a:schemeClr val="tx1"/>
-              </a:solidFill>
-              <a:latin typeface="휴먼모음T" panose="02030504000101010101" pitchFamily="18" charset="-127"/>
-              <a:ea typeface="휴먼모음T" panose="02030504000101010101" pitchFamily="18" charset="-127"/>
-            </a:endParaRPr>
           </a:p>
         </p:txBody>
       </p:sp>
@@ -14215,7 +13569,7 @@
           <a:p>
             <a:pPr algn="ctr"/>
             <a:r>
-              <a:rPr lang="ko-KR" altLang="en-US" dirty="0" smtClean="0">
+              <a:rPr lang="ko-KR" altLang="en-US" dirty="0">
                 <a:solidFill>
                   <a:schemeClr val="tx1"/>
                 </a:solidFill>
@@ -14225,7 +13579,7 @@
               <a:t>쇼핑을 좋아하시는 군요</a:t>
             </a:r>
             <a:r>
-              <a:rPr lang="en-US" altLang="ko-KR" dirty="0" smtClean="0">
+              <a:rPr lang="en-US" altLang="ko-KR" dirty="0">
                 <a:solidFill>
                   <a:schemeClr val="tx1"/>
                 </a:solidFill>
@@ -14380,7 +13734,7 @@
           <a:p>
             <a:pPr algn="ctr"/>
             <a:r>
-              <a:rPr lang="en-US" altLang="ko-KR" dirty="0" smtClean="0">
+              <a:rPr lang="en-US" altLang="ko-KR" dirty="0">
                 <a:solidFill>
                   <a:schemeClr val="tx1"/>
                 </a:solidFill>
@@ -14390,7 +13744,7 @@
               <a:t>(</a:t>
             </a:r>
             <a:r>
-              <a:rPr lang="ko-KR" altLang="en-US" dirty="0" smtClean="0">
+              <a:rPr lang="ko-KR" altLang="en-US" dirty="0">
                 <a:solidFill>
                   <a:schemeClr val="tx1"/>
                 </a:solidFill>
@@ -14400,7 +13754,7 @@
               <a:t>추천 도시를 찾는 중입니다</a:t>
             </a:r>
             <a:r>
-              <a:rPr lang="en-US" altLang="ko-KR" dirty="0" smtClean="0">
+              <a:rPr lang="en-US" altLang="ko-KR" dirty="0">
                 <a:solidFill>
                   <a:schemeClr val="tx1"/>
                 </a:solidFill>
@@ -14429,13 +13783,6 @@
   <p:clrMapOvr>
     <a:masterClrMapping/>
   </p:clrMapOvr>
-  <p:timing>
-    <p:tnLst>
-      <p:par>
-        <p:cTn id="1" dur="indefinite" restart="never" nodeType="tmRoot"/>
-      </p:par>
-    </p:tnLst>
-  </p:timing>
 </p:sld>
 </file>
 
@@ -14594,7 +13941,7 @@
           <a:lstStyle/>
           <a:p>
             <a:r>
-              <a:rPr lang="ko-KR" altLang="en-US" sz="2400" b="1" dirty="0" smtClean="0">
+              <a:rPr lang="ko-KR" altLang="en-US" sz="2400" b="1" dirty="0">
                 <a:solidFill>
                   <a:schemeClr val="bg1"/>
                 </a:solidFill>
@@ -14602,7 +13949,7 @@
               <a:t>프로젝트 서비스 구현 </a:t>
             </a:r>
             <a:r>
-              <a:rPr lang="en-US" altLang="ko-KR" sz="2400" b="1" dirty="0" smtClean="0">
+              <a:rPr lang="en-US" altLang="ko-KR" sz="2400" b="1" dirty="0">
                 <a:solidFill>
                   <a:schemeClr val="bg1"/>
                 </a:solidFill>
@@ -14622,7 +13969,7 @@
           <p:cNvPr id="12" name="TextBox 11">
             <a:extLst>
               <a:ext uri="{FF2B5EF4-FFF2-40B4-BE49-F238E27FC236}">
-                <a16:creationId xmlns="" xmlns:a16="http://schemas.microsoft.com/office/drawing/2014/main" id="{FADD5F63-4AF7-48AE-838F-1AA8156BB3C4}"/>
+                <a16:creationId xmlns:a16="http://schemas.microsoft.com/office/drawing/2014/main" id="{FADD5F63-4AF7-48AE-838F-1AA8156BB3C4}"/>
               </a:ext>
             </a:extLst>
           </p:cNvPr>
@@ -14662,7 +14009,7 @@
               <a:buSzPct val="60000"/>
             </a:pPr>
             <a:r>
-              <a:rPr lang="en-US" altLang="ko-KR" sz="1500" b="1" spc="-60" dirty="0" smtClean="0">
+              <a:rPr lang="en-US" altLang="ko-KR" sz="1500" b="1" spc="-60" dirty="0">
                 <a:solidFill>
                   <a:schemeClr val="tx1">
                     <a:lumMod val="65000"/>
@@ -14674,7 +14021,7 @@
               <a:t>&lt;</a:t>
             </a:r>
             <a:r>
-              <a:rPr lang="ko-KR" altLang="en-US" sz="1500" b="1" spc="-60" dirty="0" smtClean="0">
+              <a:rPr lang="ko-KR" altLang="en-US" sz="1500" b="1" spc="-60" dirty="0">
                 <a:solidFill>
                   <a:schemeClr val="tx1">
                     <a:lumMod val="65000"/>
@@ -14686,7 +14033,7 @@
               <a:t>사진과 비슷한 도시 추천</a:t>
             </a:r>
             <a:r>
-              <a:rPr lang="en-US" altLang="ko-KR" sz="1500" b="1" spc="-60" dirty="0" smtClean="0">
+              <a:rPr lang="en-US" altLang="ko-KR" sz="1500" b="1" spc="-60" dirty="0">
                 <a:solidFill>
                   <a:schemeClr val="tx1">
                     <a:lumMod val="65000"/>
@@ -14698,13 +14045,13 @@
               <a:t>: </a:t>
             </a:r>
             <a:r>
-              <a:rPr lang="ko-KR" altLang="en-US" sz="1500" b="1" spc="-60" dirty="0" smtClean="0">
+              <a:rPr lang="ko-KR" altLang="en-US" sz="1500" b="1" spc="-60" dirty="0">
                 <a:latin typeface="+mn-ea"/>
               </a:rPr>
               <a:t>지도 띄우기</a:t>
             </a:r>
             <a:r>
-              <a:rPr lang="en-US" altLang="ko-KR" sz="1500" b="1" spc="-60" dirty="0" smtClean="0">
+              <a:rPr lang="en-US" altLang="ko-KR" sz="1500" b="1" spc="-60" dirty="0">
                 <a:solidFill>
                   <a:schemeClr val="tx1">
                     <a:lumMod val="65000"/>
@@ -14723,7 +14070,7 @@
           <p:cNvPr id="15" name="TextBox 14">
             <a:extLst>
               <a:ext uri="{FF2B5EF4-FFF2-40B4-BE49-F238E27FC236}">
-                <a16:creationId xmlns="" xmlns:a16="http://schemas.microsoft.com/office/drawing/2014/main" id="{FADD5F63-4AF7-48AE-838F-1AA8156BB3C4}"/>
+                <a16:creationId xmlns:a16="http://schemas.microsoft.com/office/drawing/2014/main" id="{FADD5F63-4AF7-48AE-838F-1AA8156BB3C4}"/>
               </a:ext>
             </a:extLst>
           </p:cNvPr>
@@ -14763,7 +14110,7 @@
               <a:buSzPct val="60000"/>
             </a:pPr>
             <a:r>
-              <a:rPr lang="ko-KR" altLang="en-US" sz="1500" b="1" spc="-60" dirty="0" smtClean="0">
+              <a:rPr lang="ko-KR" altLang="en-US" sz="1500" b="1" spc="-60" dirty="0">
                 <a:solidFill>
                   <a:schemeClr val="tx1">
                     <a:lumMod val="65000"/>
@@ -14774,15 +14121,6 @@
               </a:rPr>
               <a:t> </a:t>
             </a:r>
-            <a:endParaRPr lang="ko-KR" altLang="en-US" sz="1500" b="1" spc="-60" dirty="0">
-              <a:solidFill>
-                <a:schemeClr val="tx1">
-                  <a:lumMod val="65000"/>
-                  <a:lumOff val="35000"/>
-                </a:schemeClr>
-              </a:solidFill>
-              <a:latin typeface="+mn-ea"/>
-            </a:endParaRPr>
           </a:p>
         </p:txBody>
       </p:sp>
@@ -14791,7 +14129,7 @@
           <p:cNvPr id="17" name="TextBox 16">
             <a:extLst>
               <a:ext uri="{FF2B5EF4-FFF2-40B4-BE49-F238E27FC236}">
-                <a16:creationId xmlns="" xmlns:a16="http://schemas.microsoft.com/office/drawing/2014/main" id="{FADD5F63-4AF7-48AE-838F-1AA8156BB3C4}"/>
+                <a16:creationId xmlns:a16="http://schemas.microsoft.com/office/drawing/2014/main" id="{FADD5F63-4AF7-48AE-838F-1AA8156BB3C4}"/>
               </a:ext>
             </a:extLst>
           </p:cNvPr>
@@ -14831,7 +14169,7 @@
               <a:buSzPct val="60000"/>
             </a:pPr>
             <a:r>
-              <a:rPr lang="ko-KR" altLang="en-US" sz="1500" b="1" spc="-60" dirty="0" smtClean="0">
+              <a:rPr lang="ko-KR" altLang="en-US" sz="1500" b="1" spc="-60" dirty="0">
                 <a:solidFill>
                   <a:schemeClr val="tx1">
                     <a:lumMod val="65000"/>
@@ -14842,15 +14180,6 @@
               </a:rPr>
               <a:t>나라</a:t>
             </a:r>
-            <a:endParaRPr lang="ko-KR" altLang="en-US" sz="1500" b="1" spc="-60" dirty="0">
-              <a:solidFill>
-                <a:schemeClr val="tx1">
-                  <a:lumMod val="65000"/>
-                  <a:lumOff val="35000"/>
-                </a:schemeClr>
-              </a:solidFill>
-              <a:latin typeface="+mn-ea"/>
-            </a:endParaRPr>
           </a:p>
         </p:txBody>
       </p:sp>
@@ -14859,7 +14188,7 @@
           <p:cNvPr id="10" name="TextBox 9">
             <a:extLst>
               <a:ext uri="{FF2B5EF4-FFF2-40B4-BE49-F238E27FC236}">
-                <a16:creationId xmlns="" xmlns:a16="http://schemas.microsoft.com/office/drawing/2014/main" id="{FADD5F63-4AF7-48AE-838F-1AA8156BB3C4}"/>
+                <a16:creationId xmlns:a16="http://schemas.microsoft.com/office/drawing/2014/main" id="{FADD5F63-4AF7-48AE-838F-1AA8156BB3C4}"/>
               </a:ext>
             </a:extLst>
           </p:cNvPr>
@@ -14899,7 +14228,7 @@
               <a:buSzPct val="60000"/>
             </a:pPr>
             <a:r>
-              <a:rPr lang="ko-KR" altLang="en-US" sz="1500" b="1" spc="-60" dirty="0" smtClean="0">
+              <a:rPr lang="ko-KR" altLang="en-US" sz="1500" b="1" spc="-60" dirty="0">
                 <a:solidFill>
                   <a:schemeClr val="tx1">
                     <a:lumMod val="65000"/>
@@ -14911,7 +14240,7 @@
               <a:t>관광 타입 </a:t>
             </a:r>
             <a:r>
-              <a:rPr lang="en-US" altLang="ko-KR" sz="1500" b="1" spc="-60" dirty="0" smtClean="0">
+              <a:rPr lang="en-US" altLang="ko-KR" sz="1500" b="1" spc="-60" dirty="0">
                 <a:solidFill>
                   <a:schemeClr val="tx1">
                     <a:lumMod val="65000"/>
@@ -14923,7 +14252,7 @@
               <a:t>[5-10</a:t>
             </a:r>
             <a:r>
-              <a:rPr lang="ko-KR" altLang="en-US" sz="1500" b="1" spc="-60" dirty="0" smtClean="0">
+              <a:rPr lang="ko-KR" altLang="en-US" sz="1500" b="1" spc="-60" dirty="0">
                 <a:solidFill>
                   <a:schemeClr val="tx1">
                     <a:lumMod val="65000"/>
@@ -14935,7 +14264,7 @@
               <a:t>개</a:t>
             </a:r>
             <a:r>
-              <a:rPr lang="en-US" altLang="ko-KR" sz="1500" b="1" spc="-60" dirty="0" smtClean="0">
+              <a:rPr lang="en-US" altLang="ko-KR" sz="1500" b="1" spc="-60" dirty="0">
                 <a:solidFill>
                   <a:schemeClr val="tx1">
                     <a:lumMod val="65000"/>
@@ -14963,7 +14292,7 @@
           <p:cNvPr id="11" name="TextBox 10">
             <a:extLst>
               <a:ext uri="{FF2B5EF4-FFF2-40B4-BE49-F238E27FC236}">
-                <a16:creationId xmlns="" xmlns:a16="http://schemas.microsoft.com/office/drawing/2014/main" id="{FADD5F63-4AF7-48AE-838F-1AA8156BB3C4}"/>
+                <a16:creationId xmlns:a16="http://schemas.microsoft.com/office/drawing/2014/main" id="{FADD5F63-4AF7-48AE-838F-1AA8156BB3C4}"/>
               </a:ext>
             </a:extLst>
           </p:cNvPr>
@@ -15005,7 +14334,7 @@
               <a:buChar char="l"/>
             </a:pPr>
             <a:r>
-              <a:rPr lang="ko-KR" altLang="en-US" sz="1500" b="1" spc="-60" dirty="0" smtClean="0">
+              <a:rPr lang="ko-KR" altLang="en-US" sz="1500" b="1" spc="-60" dirty="0">
                 <a:solidFill>
                   <a:schemeClr val="accent2"/>
                 </a:solidFill>
@@ -15013,7 +14342,7 @@
               </a:rPr>
               <a:t>이탈리아</a:t>
             </a:r>
-            <a:endParaRPr lang="en-US" altLang="ko-KR" sz="1500" b="1" spc="-60" dirty="0" smtClean="0">
+            <a:endParaRPr lang="en-US" altLang="ko-KR" sz="1500" b="1" spc="-60" dirty="0">
               <a:solidFill>
                 <a:schemeClr val="accent2"/>
               </a:solidFill>
@@ -15027,7 +14356,7 @@
           <p:cNvPr id="13" name="TextBox 12">
             <a:extLst>
               <a:ext uri="{FF2B5EF4-FFF2-40B4-BE49-F238E27FC236}">
-                <a16:creationId xmlns="" xmlns:a16="http://schemas.microsoft.com/office/drawing/2014/main" id="{FADD5F63-4AF7-48AE-838F-1AA8156BB3C4}"/>
+                <a16:creationId xmlns:a16="http://schemas.microsoft.com/office/drawing/2014/main" id="{FADD5F63-4AF7-48AE-838F-1AA8156BB3C4}"/>
               </a:ext>
             </a:extLst>
           </p:cNvPr>
@@ -15069,7 +14398,7 @@
               <a:buChar char="l"/>
             </a:pPr>
             <a:r>
-              <a:rPr lang="ko-KR" altLang="en-US" sz="1500" b="1" spc="-60" dirty="0" smtClean="0">
+              <a:rPr lang="ko-KR" altLang="en-US" sz="1500" b="1" spc="-60" dirty="0">
                 <a:solidFill>
                   <a:schemeClr val="tx1">
                     <a:lumMod val="65000"/>
@@ -15080,7 +14409,7 @@
               </a:rPr>
               <a:t>레저</a:t>
             </a:r>
-            <a:endParaRPr lang="en-US" altLang="ko-KR" sz="1500" b="1" spc="-60" dirty="0" smtClean="0">
+            <a:endParaRPr lang="en-US" altLang="ko-KR" sz="1500" b="1" spc="-60" dirty="0">
               <a:solidFill>
                 <a:schemeClr val="tx1">
                   <a:lumMod val="65000"/>
@@ -15106,7 +14435,7 @@
               <a:buChar char="l"/>
             </a:pPr>
             <a:r>
-              <a:rPr lang="ko-KR" altLang="en-US" sz="1500" b="1" spc="-60" dirty="0" smtClean="0">
+              <a:rPr lang="ko-KR" altLang="en-US" sz="1500" b="1" spc="-60" dirty="0">
                 <a:solidFill>
                   <a:schemeClr val="tx1">
                     <a:lumMod val="65000"/>
@@ -15117,7 +14446,7 @@
               </a:rPr>
               <a:t>쇼핑</a:t>
             </a:r>
-            <a:endParaRPr lang="en-US" altLang="ko-KR" sz="1500" b="1" spc="-60" dirty="0" smtClean="0">
+            <a:endParaRPr lang="en-US" altLang="ko-KR" sz="1500" b="1" spc="-60" dirty="0">
               <a:solidFill>
                 <a:schemeClr val="tx1">
                   <a:lumMod val="65000"/>
@@ -15143,7 +14472,7 @@
               <a:buChar char="l"/>
             </a:pPr>
             <a:r>
-              <a:rPr lang="ko-KR" altLang="en-US" sz="1500" b="1" spc="-60" dirty="0" err="1" smtClean="0">
+              <a:rPr lang="ko-KR" altLang="en-US" sz="1500" b="1" spc="-60" dirty="0" err="1">
                 <a:solidFill>
                   <a:schemeClr val="tx1">
                     <a:lumMod val="65000"/>
@@ -15155,7 +14484,7 @@
               <a:t>맛집</a:t>
             </a:r>
             <a:r>
-              <a:rPr lang="ko-KR" altLang="en-US" sz="1500" b="1" spc="-60" dirty="0" smtClean="0">
+              <a:rPr lang="ko-KR" altLang="en-US" sz="1500" b="1" spc="-60" dirty="0">
                 <a:solidFill>
                   <a:schemeClr val="tx1">
                     <a:lumMod val="65000"/>
@@ -15166,15 +14495,6 @@
               </a:rPr>
               <a:t> </a:t>
             </a:r>
-            <a:endParaRPr lang="ko-KR" altLang="en-US" sz="1500" b="1" spc="-60" dirty="0">
-              <a:solidFill>
-                <a:schemeClr val="tx1">
-                  <a:lumMod val="65000"/>
-                  <a:lumOff val="35000"/>
-                </a:schemeClr>
-              </a:solidFill>
-              <a:latin typeface="+mn-ea"/>
-            </a:endParaRPr>
           </a:p>
         </p:txBody>
       </p:sp>
@@ -15183,7 +14503,7 @@
           <p:cNvPr id="18" name="TextBox 17">
             <a:extLst>
               <a:ext uri="{FF2B5EF4-FFF2-40B4-BE49-F238E27FC236}">
-                <a16:creationId xmlns="" xmlns:a16="http://schemas.microsoft.com/office/drawing/2014/main" id="{FADD5F63-4AF7-48AE-838F-1AA8156BB3C4}"/>
+                <a16:creationId xmlns:a16="http://schemas.microsoft.com/office/drawing/2014/main" id="{FADD5F63-4AF7-48AE-838F-1AA8156BB3C4}"/>
               </a:ext>
             </a:extLst>
           </p:cNvPr>
@@ -15225,7 +14545,7 @@
               <a:buChar char="l"/>
             </a:pPr>
             <a:r>
-              <a:rPr lang="ko-KR" altLang="en-US" sz="1500" b="1" spc="-60" dirty="0" smtClean="0">
+              <a:rPr lang="ko-KR" altLang="en-US" sz="1500" b="1" spc="-60" dirty="0">
                 <a:solidFill>
                   <a:schemeClr val="accent2"/>
                 </a:solidFill>
@@ -15233,7 +14553,7 @@
               </a:rPr>
               <a:t>휴양</a:t>
             </a:r>
-            <a:endParaRPr lang="en-US" altLang="ko-KR" sz="1500" b="1" spc="-60" dirty="0" smtClean="0">
+            <a:endParaRPr lang="en-US" altLang="ko-KR" sz="1500" b="1" spc="-60" dirty="0">
               <a:solidFill>
                 <a:schemeClr val="accent2"/>
               </a:solidFill>
@@ -15307,7 +14627,7 @@
           <p:cNvPr id="20" name="TextBox 19">
             <a:extLst>
               <a:ext uri="{FF2B5EF4-FFF2-40B4-BE49-F238E27FC236}">
-                <a16:creationId xmlns="" xmlns:a16="http://schemas.microsoft.com/office/drawing/2014/main" id="{FADD5F63-4AF7-48AE-838F-1AA8156BB3C4}"/>
+                <a16:creationId xmlns:a16="http://schemas.microsoft.com/office/drawing/2014/main" id="{FADD5F63-4AF7-48AE-838F-1AA8156BB3C4}"/>
               </a:ext>
             </a:extLst>
           </p:cNvPr>
@@ -15347,7 +14667,7 @@
               <a:buSzPct val="60000"/>
             </a:pPr>
             <a:r>
-              <a:rPr lang="ko-KR" altLang="en-US" sz="1500" b="1" spc="-60" dirty="0" err="1" smtClean="0">
+              <a:rPr lang="ko-KR" altLang="en-US" sz="1500" b="1" spc="-60" dirty="0" err="1">
                 <a:solidFill>
                   <a:schemeClr val="accent5">
                     <a:lumMod val="50000"/>
@@ -15403,7 +14723,7 @@
           <p:cNvPr id="22" name="TextBox 21">
             <a:extLst>
               <a:ext uri="{FF2B5EF4-FFF2-40B4-BE49-F238E27FC236}">
-                <a16:creationId xmlns="" xmlns:a16="http://schemas.microsoft.com/office/drawing/2014/main" id="{FADD5F63-4AF7-48AE-838F-1AA8156BB3C4}"/>
+                <a16:creationId xmlns:a16="http://schemas.microsoft.com/office/drawing/2014/main" id="{FADD5F63-4AF7-48AE-838F-1AA8156BB3C4}"/>
               </a:ext>
             </a:extLst>
           </p:cNvPr>
@@ -15443,7 +14763,7 @@
               <a:buSzPct val="60000"/>
             </a:pPr>
             <a:r>
-              <a:rPr lang="en-US" altLang="ko-KR" sz="1500" b="1" spc="-60" dirty="0" smtClean="0">
+              <a:rPr lang="en-US" altLang="ko-KR" sz="1500" b="1" spc="-60" dirty="0">
                 <a:solidFill>
                   <a:schemeClr val="tx1">
                     <a:lumMod val="65000"/>
@@ -15464,45 +14784,9 @@
                 </a:solidFill>
                 <a:latin typeface="+mn-ea"/>
               </a:rPr>
-              <a:t>한국인이 자주 </a:t>
-            </a:r>
-            <a:r>
-              <a:rPr lang="ko-KR" altLang="en-US" sz="1600" b="1" spc="-60" dirty="0" smtClean="0">
-                <a:solidFill>
-                  <a:schemeClr val="tx1">
-                    <a:lumMod val="65000"/>
-                    <a:lumOff val="35000"/>
-                  </a:schemeClr>
-                </a:solidFill>
-                <a:latin typeface="+mn-ea"/>
-              </a:rPr>
-              <a:t>방문하는 </a:t>
-            </a:r>
-            <a:r>
-              <a:rPr lang="ko-KR" altLang="en-US" sz="1600" b="1" spc="-60" dirty="0">
-                <a:solidFill>
-                  <a:schemeClr val="tx1">
-                    <a:lumMod val="65000"/>
-                    <a:lumOff val="35000"/>
-                  </a:schemeClr>
-                </a:solidFill>
-                <a:latin typeface="+mn-ea"/>
-              </a:rPr>
-              <a:t>도시 </a:t>
-            </a:r>
-            <a:r>
-              <a:rPr lang="ko-KR" altLang="en-US" sz="1600" b="1" spc="-60" dirty="0" smtClean="0">
-                <a:solidFill>
-                  <a:schemeClr val="tx1">
-                    <a:lumMod val="65000"/>
-                    <a:lumOff val="35000"/>
-                  </a:schemeClr>
-                </a:solidFill>
-                <a:latin typeface="+mn-ea"/>
-              </a:rPr>
-              <a:t>중에서</a:t>
-            </a:r>
-            <a:endParaRPr lang="en-US" altLang="ko-KR" sz="1500" b="1" spc="-60" dirty="0" smtClean="0">
+              <a:t>한국인이 자주 방문하는 도시 중에서</a:t>
+            </a:r>
+            <a:endParaRPr lang="en-US" altLang="ko-KR" sz="1500" b="1" spc="-60" dirty="0">
               <a:solidFill>
                 <a:schemeClr val="tx1">
                   <a:lumMod val="65000"/>
@@ -15699,7 +14983,7 @@
           <p:cNvPr id="31" name="TextBox 30">
             <a:extLst>
               <a:ext uri="{FF2B5EF4-FFF2-40B4-BE49-F238E27FC236}">
-                <a16:creationId xmlns="" xmlns:a16="http://schemas.microsoft.com/office/drawing/2014/main" id="{FADD5F63-4AF7-48AE-838F-1AA8156BB3C4}"/>
+                <a16:creationId xmlns:a16="http://schemas.microsoft.com/office/drawing/2014/main" id="{FADD5F63-4AF7-48AE-838F-1AA8156BB3C4}"/>
               </a:ext>
             </a:extLst>
           </p:cNvPr>
@@ -15739,7 +15023,7 @@
               <a:buSzPct val="60000"/>
             </a:pPr>
             <a:r>
-              <a:rPr lang="en-US" altLang="ko-KR" sz="1500" b="1" spc="-60" dirty="0" smtClean="0">
+              <a:rPr lang="en-US" altLang="ko-KR" sz="1500" b="1" spc="-60" dirty="0">
                 <a:solidFill>
                   <a:schemeClr val="tx1">
                     <a:lumMod val="65000"/>
@@ -15751,7 +15035,7 @@
               <a:t>▶ Input</a:t>
             </a:r>
             <a:r>
-              <a:rPr lang="ko-KR" altLang="en-US" sz="1500" b="1" spc="-60" dirty="0" smtClean="0">
+              <a:rPr lang="ko-KR" altLang="en-US" sz="1500" b="1" spc="-60" dirty="0">
                 <a:solidFill>
                   <a:schemeClr val="tx1">
                     <a:lumMod val="65000"/>
@@ -15762,15 +15046,6 @@
               </a:rPr>
               <a:t>한 사진과 비슷한 이탈리아 도시 중에서 한국인이 자주 방문하는 도시를 관광 타입에 따라 추천</a:t>
             </a:r>
-            <a:endParaRPr lang="ko-KR" altLang="en-US" sz="1500" b="1" spc="-60" dirty="0">
-              <a:solidFill>
-                <a:schemeClr val="tx1">
-                  <a:lumMod val="65000"/>
-                  <a:lumOff val="35000"/>
-                </a:schemeClr>
-              </a:solidFill>
-              <a:latin typeface="+mn-ea"/>
-            </a:endParaRPr>
           </a:p>
         </p:txBody>
       </p:sp>
@@ -15779,7 +15054,7 @@
           <p:cNvPr id="32" name="TextBox 31">
             <a:extLst>
               <a:ext uri="{FF2B5EF4-FFF2-40B4-BE49-F238E27FC236}">
-                <a16:creationId xmlns="" xmlns:a16="http://schemas.microsoft.com/office/drawing/2014/main" id="{FADD5F63-4AF7-48AE-838F-1AA8156BB3C4}"/>
+                <a16:creationId xmlns:a16="http://schemas.microsoft.com/office/drawing/2014/main" id="{FADD5F63-4AF7-48AE-838F-1AA8156BB3C4}"/>
               </a:ext>
             </a:extLst>
           </p:cNvPr>
@@ -15819,7 +15094,7 @@
               <a:buSzPct val="60000"/>
             </a:pPr>
             <a:r>
-              <a:rPr lang="en-US" altLang="ko-KR" sz="1300" b="1" i="1" spc="-60" dirty="0" smtClean="0">
+              <a:rPr lang="en-US" altLang="ko-KR" sz="1300" b="1" i="1" spc="-60" dirty="0">
                 <a:solidFill>
                   <a:srgbClr val="C00000"/>
                 </a:solidFill>
@@ -15850,39 +15125,17 @@
                 </a:effectLst>
                 <a:latin typeface="+mn-ea"/>
               </a:rPr>
-              <a:t>한국인만 모르는 </a:t>
-            </a:r>
-            <a:r>
-              <a:rPr lang="ko-KR" altLang="en-US" sz="1300" b="1" i="1" spc="-60" dirty="0" smtClean="0">
+              <a:t>한국인만 모르는 도시</a:t>
+            </a:r>
+            <a:r>
+              <a:rPr lang="ko-KR" altLang="en-US" sz="1300" b="1" i="1" spc="-60" dirty="0">
                 <a:solidFill>
                   <a:srgbClr val="C00000"/>
                 </a:solidFill>
-                <a:effectLst>
-                  <a:outerShdw blurRad="38100" dist="38100" dir="2700000" algn="tl">
-                    <a:srgbClr val="000000">
-                      <a:alpha val="43137"/>
-                    </a:srgbClr>
-                  </a:outerShdw>
-                </a:effectLst>
-                <a:latin typeface="+mn-ea"/>
-              </a:rPr>
-              <a:t>도시</a:t>
-            </a:r>
-            <a:r>
-              <a:rPr lang="ko-KR" altLang="en-US" sz="1300" b="1" i="1" spc="-60" dirty="0" smtClean="0">
-                <a:solidFill>
-                  <a:srgbClr val="C00000"/>
-                </a:solidFill>
                 <a:latin typeface="+mn-ea"/>
               </a:rPr>
               <a:t>를 추천하는 서비스와 동일</a:t>
             </a:r>
-            <a:endParaRPr lang="ko-KR" altLang="en-US" sz="1300" b="1" i="1" spc="-60" dirty="0">
-              <a:solidFill>
-                <a:srgbClr val="C00000"/>
-              </a:solidFill>
-              <a:latin typeface="+mn-ea"/>
-            </a:endParaRPr>
           </a:p>
         </p:txBody>
       </p:sp>
@@ -15896,13 +15149,6 @@
   <p:clrMapOvr>
     <a:masterClrMapping/>
   </p:clrMapOvr>
-  <p:timing>
-    <p:tnLst>
-      <p:par>
-        <p:cTn id="1" dur="indefinite" restart="never" nodeType="tmRoot"/>
-      </p:par>
-    </p:tnLst>
-  </p:timing>
 </p:sld>
 </file>
 
@@ -16043,7 +15289,7 @@
           <p:cNvPr id="12" name="TextBox 11">
             <a:extLst>
               <a:ext uri="{FF2B5EF4-FFF2-40B4-BE49-F238E27FC236}">
-                <a16:creationId xmlns="" xmlns:a16="http://schemas.microsoft.com/office/drawing/2014/main" id="{FADD5F63-4AF7-48AE-838F-1AA8156BB3C4}"/>
+                <a16:creationId xmlns:a16="http://schemas.microsoft.com/office/drawing/2014/main" id="{FADD5F63-4AF7-48AE-838F-1AA8156BB3C4}"/>
               </a:ext>
             </a:extLst>
           </p:cNvPr>
@@ -16083,7 +15329,7 @@
               <a:buSzPct val="60000"/>
             </a:pPr>
             <a:r>
-              <a:rPr lang="en-US" altLang="ko-KR" sz="1500" b="1" spc="-60" dirty="0" smtClean="0">
+              <a:rPr lang="en-US" altLang="ko-KR" sz="1500" b="1" spc="-60" dirty="0">
                 <a:solidFill>
                   <a:schemeClr val="tx1">
                     <a:lumMod val="65000"/>
@@ -16095,7 +15341,7 @@
               <a:t>&lt;</a:t>
             </a:r>
             <a:r>
-              <a:rPr lang="ko-KR" altLang="en-US" sz="1500" b="1" spc="-60" dirty="0" smtClean="0">
+              <a:rPr lang="ko-KR" altLang="en-US" sz="1500" b="1" spc="-60" dirty="0">
                 <a:solidFill>
                   <a:schemeClr val="tx1">
                     <a:lumMod val="65000"/>
@@ -16107,7 +15353,7 @@
               <a:t>이탈리아 전역 도시 추천 </a:t>
             </a:r>
             <a:r>
-              <a:rPr lang="en-US" altLang="ko-KR" sz="1500" b="1" spc="-60" dirty="0" smtClean="0">
+              <a:rPr lang="en-US" altLang="ko-KR" sz="1500" b="1" spc="-60" dirty="0">
                 <a:solidFill>
                   <a:schemeClr val="tx1">
                     <a:lumMod val="65000"/>
@@ -16119,13 +15365,13 @@
               <a:t>: </a:t>
             </a:r>
             <a:r>
-              <a:rPr lang="ko-KR" altLang="en-US" sz="1500" b="1" spc="-60" dirty="0" smtClean="0">
+              <a:rPr lang="ko-KR" altLang="en-US" sz="1500" b="1" spc="-60" dirty="0">
                 <a:latin typeface="+mn-ea"/>
               </a:rPr>
               <a:t>지도 띄우기</a:t>
             </a:r>
             <a:r>
-              <a:rPr lang="en-US" altLang="ko-KR" sz="1500" b="1" spc="-60" dirty="0" smtClean="0">
+              <a:rPr lang="en-US" altLang="ko-KR" sz="1500" b="1" spc="-60" dirty="0">
                 <a:solidFill>
                   <a:schemeClr val="tx1">
                     <a:lumMod val="65000"/>
@@ -16144,7 +15390,7 @@
           <p:cNvPr id="15" name="TextBox 14">
             <a:extLst>
               <a:ext uri="{FF2B5EF4-FFF2-40B4-BE49-F238E27FC236}">
-                <a16:creationId xmlns="" xmlns:a16="http://schemas.microsoft.com/office/drawing/2014/main" id="{FADD5F63-4AF7-48AE-838F-1AA8156BB3C4}"/>
+                <a16:creationId xmlns:a16="http://schemas.microsoft.com/office/drawing/2014/main" id="{FADD5F63-4AF7-48AE-838F-1AA8156BB3C4}"/>
               </a:ext>
             </a:extLst>
           </p:cNvPr>
@@ -16184,7 +15430,7 @@
               <a:buSzPct val="60000"/>
             </a:pPr>
             <a:r>
-              <a:rPr lang="ko-KR" altLang="en-US" sz="1500" b="1" spc="-60" dirty="0" smtClean="0">
+              <a:rPr lang="ko-KR" altLang="en-US" sz="1500" b="1" spc="-60" dirty="0">
                 <a:solidFill>
                   <a:schemeClr val="tx1">
                     <a:lumMod val="65000"/>
@@ -16195,15 +15441,6 @@
               </a:rPr>
               <a:t> </a:t>
             </a:r>
-            <a:endParaRPr lang="ko-KR" altLang="en-US" sz="1500" b="1" spc="-60" dirty="0">
-              <a:solidFill>
-                <a:schemeClr val="tx1">
-                  <a:lumMod val="65000"/>
-                  <a:lumOff val="35000"/>
-                </a:schemeClr>
-              </a:solidFill>
-              <a:latin typeface="+mn-ea"/>
-            </a:endParaRPr>
           </a:p>
         </p:txBody>
       </p:sp>
@@ -16212,7 +15449,7 @@
           <p:cNvPr id="17" name="TextBox 16">
             <a:extLst>
               <a:ext uri="{FF2B5EF4-FFF2-40B4-BE49-F238E27FC236}">
-                <a16:creationId xmlns="" xmlns:a16="http://schemas.microsoft.com/office/drawing/2014/main" id="{FADD5F63-4AF7-48AE-838F-1AA8156BB3C4}"/>
+                <a16:creationId xmlns:a16="http://schemas.microsoft.com/office/drawing/2014/main" id="{FADD5F63-4AF7-48AE-838F-1AA8156BB3C4}"/>
               </a:ext>
             </a:extLst>
           </p:cNvPr>
@@ -16252,7 +15489,7 @@
               <a:buSzPct val="60000"/>
             </a:pPr>
             <a:r>
-              <a:rPr lang="ko-KR" altLang="en-US" sz="1500" b="1" spc="-60" dirty="0" smtClean="0">
+              <a:rPr lang="ko-KR" altLang="en-US" sz="1500" b="1" spc="-60" dirty="0">
                 <a:solidFill>
                   <a:schemeClr val="tx1">
                     <a:lumMod val="65000"/>
@@ -16263,15 +15500,6 @@
               </a:rPr>
               <a:t>도시</a:t>
             </a:r>
-            <a:endParaRPr lang="ko-KR" altLang="en-US" sz="1500" b="1" spc="-60" dirty="0">
-              <a:solidFill>
-                <a:schemeClr val="tx1">
-                  <a:lumMod val="65000"/>
-                  <a:lumOff val="35000"/>
-                </a:schemeClr>
-              </a:solidFill>
-              <a:latin typeface="+mn-ea"/>
-            </a:endParaRPr>
           </a:p>
         </p:txBody>
       </p:sp>
@@ -16280,7 +15508,7 @@
           <p:cNvPr id="10" name="TextBox 9">
             <a:extLst>
               <a:ext uri="{FF2B5EF4-FFF2-40B4-BE49-F238E27FC236}">
-                <a16:creationId xmlns="" xmlns:a16="http://schemas.microsoft.com/office/drawing/2014/main" id="{FADD5F63-4AF7-48AE-838F-1AA8156BB3C4}"/>
+                <a16:creationId xmlns:a16="http://schemas.microsoft.com/office/drawing/2014/main" id="{FADD5F63-4AF7-48AE-838F-1AA8156BB3C4}"/>
               </a:ext>
             </a:extLst>
           </p:cNvPr>
@@ -16320,7 +15548,7 @@
               <a:buSzPct val="60000"/>
             </a:pPr>
             <a:r>
-              <a:rPr lang="ko-KR" altLang="en-US" sz="1500" b="1" spc="-60" dirty="0" smtClean="0">
+              <a:rPr lang="ko-KR" altLang="en-US" sz="1500" b="1" spc="-60" dirty="0">
                 <a:solidFill>
                   <a:schemeClr val="tx1">
                     <a:lumMod val="65000"/>
@@ -16332,7 +15560,7 @@
               <a:t>추천 도시 </a:t>
             </a:r>
             <a:r>
-              <a:rPr lang="en-US" altLang="ko-KR" sz="1500" b="1" spc="-60" dirty="0" smtClean="0">
+              <a:rPr lang="en-US" altLang="ko-KR" sz="1500" b="1" spc="-60" dirty="0">
                 <a:solidFill>
                   <a:schemeClr val="tx1">
                     <a:lumMod val="65000"/>
@@ -16344,7 +15572,7 @@
               <a:t>[5-10</a:t>
             </a:r>
             <a:r>
-              <a:rPr lang="ko-KR" altLang="en-US" sz="1500" b="1" spc="-60" dirty="0" smtClean="0">
+              <a:rPr lang="ko-KR" altLang="en-US" sz="1500" b="1" spc="-60" dirty="0">
                 <a:solidFill>
                   <a:schemeClr val="tx1">
                     <a:lumMod val="65000"/>
@@ -16356,7 +15584,7 @@
               <a:t>개</a:t>
             </a:r>
             <a:r>
-              <a:rPr lang="en-US" altLang="ko-KR" sz="1500" b="1" spc="-60" dirty="0" smtClean="0">
+              <a:rPr lang="en-US" altLang="ko-KR" sz="1500" b="1" spc="-60" dirty="0">
                 <a:solidFill>
                   <a:schemeClr val="tx1">
                     <a:lumMod val="65000"/>
@@ -16384,7 +15612,7 @@
           <p:cNvPr id="11" name="TextBox 10">
             <a:extLst>
               <a:ext uri="{FF2B5EF4-FFF2-40B4-BE49-F238E27FC236}">
-                <a16:creationId xmlns="" xmlns:a16="http://schemas.microsoft.com/office/drawing/2014/main" id="{FADD5F63-4AF7-48AE-838F-1AA8156BB3C4}"/>
+                <a16:creationId xmlns:a16="http://schemas.microsoft.com/office/drawing/2014/main" id="{FADD5F63-4AF7-48AE-838F-1AA8156BB3C4}"/>
               </a:ext>
             </a:extLst>
           </p:cNvPr>
@@ -16426,7 +15654,7 @@
               <a:buChar char="l"/>
             </a:pPr>
             <a:r>
-              <a:rPr lang="ko-KR" altLang="en-US" sz="1500" b="1" spc="-60" dirty="0" err="1" smtClean="0">
+              <a:rPr lang="ko-KR" altLang="en-US" sz="1500" b="1" spc="-60" dirty="0" err="1">
                 <a:solidFill>
                   <a:schemeClr val="accent2"/>
                 </a:solidFill>
@@ -16434,7 +15662,7 @@
               </a:rPr>
               <a:t>포지타노</a:t>
             </a:r>
-            <a:endParaRPr lang="en-US" altLang="ko-KR" sz="1500" b="1" spc="-60" dirty="0" smtClean="0">
+            <a:endParaRPr lang="en-US" altLang="ko-KR" sz="1500" b="1" spc="-60" dirty="0">
               <a:solidFill>
                 <a:schemeClr val="accent2"/>
               </a:solidFill>
@@ -16448,7 +15676,7 @@
           <p:cNvPr id="13" name="TextBox 12">
             <a:extLst>
               <a:ext uri="{FF2B5EF4-FFF2-40B4-BE49-F238E27FC236}">
-                <a16:creationId xmlns="" xmlns:a16="http://schemas.microsoft.com/office/drawing/2014/main" id="{FADD5F63-4AF7-48AE-838F-1AA8156BB3C4}"/>
+                <a16:creationId xmlns:a16="http://schemas.microsoft.com/office/drawing/2014/main" id="{FADD5F63-4AF7-48AE-838F-1AA8156BB3C4}"/>
               </a:ext>
             </a:extLst>
           </p:cNvPr>
@@ -16490,7 +15718,7 @@
               <a:buChar char="l"/>
             </a:pPr>
             <a:r>
-              <a:rPr lang="ko-KR" altLang="en-US" sz="1500" b="1" spc="-60" dirty="0" err="1" smtClean="0">
+              <a:rPr lang="ko-KR" altLang="en-US" sz="1500" b="1" spc="-60" dirty="0" err="1">
                 <a:solidFill>
                   <a:schemeClr val="tx1">
                     <a:lumMod val="65000"/>
@@ -16501,7 +15729,7 @@
               </a:rPr>
               <a:t>카타니아</a:t>
             </a:r>
-            <a:endParaRPr lang="en-US" altLang="ko-KR" sz="1500" b="1" spc="-60" dirty="0" smtClean="0">
+            <a:endParaRPr lang="en-US" altLang="ko-KR" sz="1500" b="1" spc="-60" dirty="0">
               <a:solidFill>
                 <a:schemeClr val="tx1">
                   <a:lumMod val="65000"/>
@@ -16527,7 +15755,7 @@
               <a:buChar char="l"/>
             </a:pPr>
             <a:r>
-              <a:rPr lang="ko-KR" altLang="en-US" sz="1500" b="1" spc="-60" dirty="0" err="1" smtClean="0">
+              <a:rPr lang="ko-KR" altLang="en-US" sz="1500" b="1" spc="-60" dirty="0" err="1">
                 <a:solidFill>
                   <a:schemeClr val="tx1">
                     <a:lumMod val="65000"/>
@@ -16538,7 +15766,7 @@
               </a:rPr>
               <a:t>시질리아</a:t>
             </a:r>
-            <a:endParaRPr lang="en-US" altLang="ko-KR" sz="1500" b="1" spc="-60" dirty="0" smtClean="0">
+            <a:endParaRPr lang="en-US" altLang="ko-KR" sz="1500" b="1" spc="-60" dirty="0">
               <a:solidFill>
                 <a:schemeClr val="tx1">
                   <a:lumMod val="65000"/>
@@ -16564,7 +15792,7 @@
               <a:buChar char="l"/>
             </a:pPr>
             <a:r>
-              <a:rPr lang="ko-KR" altLang="en-US" sz="1500" b="1" spc="-60" dirty="0" smtClean="0">
+              <a:rPr lang="ko-KR" altLang="en-US" sz="1500" b="1" spc="-60" dirty="0">
                 <a:solidFill>
                   <a:schemeClr val="tx1">
                     <a:lumMod val="65000"/>
@@ -16575,7 +15803,7 @@
               </a:rPr>
               <a:t>바리</a:t>
             </a:r>
-            <a:endParaRPr lang="en-US" altLang="ko-KR" sz="1500" b="1" spc="-60" dirty="0" smtClean="0">
+            <a:endParaRPr lang="en-US" altLang="ko-KR" sz="1500" b="1" spc="-60" dirty="0">
               <a:solidFill>
                 <a:schemeClr val="tx1">
                   <a:lumMod val="65000"/>
@@ -16592,7 +15820,7 @@
           <p:cNvPr id="14" name="TextBox 13">
             <a:extLst>
               <a:ext uri="{FF2B5EF4-FFF2-40B4-BE49-F238E27FC236}">
-                <a16:creationId xmlns="" xmlns:a16="http://schemas.microsoft.com/office/drawing/2014/main" id="{FADD5F63-4AF7-48AE-838F-1AA8156BB3C4}"/>
+                <a16:creationId xmlns:a16="http://schemas.microsoft.com/office/drawing/2014/main" id="{FADD5F63-4AF7-48AE-838F-1AA8156BB3C4}"/>
               </a:ext>
             </a:extLst>
           </p:cNvPr>
@@ -16634,7 +15862,7 @@
               <a:buChar char="l"/>
             </a:pPr>
             <a:r>
-              <a:rPr lang="ko-KR" altLang="en-US" sz="1500" b="1" spc="-60" dirty="0" smtClean="0">
+              <a:rPr lang="ko-KR" altLang="en-US" sz="1500" b="1" spc="-60" dirty="0">
                 <a:solidFill>
                   <a:schemeClr val="tx1">
                     <a:lumMod val="65000"/>
@@ -16645,7 +15873,7 @@
               </a:rPr>
               <a:t>로마</a:t>
             </a:r>
-            <a:endParaRPr lang="en-US" altLang="ko-KR" sz="1500" b="1" spc="-60" dirty="0" smtClean="0">
+            <a:endParaRPr lang="en-US" altLang="ko-KR" sz="1500" b="1" spc="-60" dirty="0">
               <a:solidFill>
                 <a:schemeClr val="tx1">
                   <a:lumMod val="65000"/>
@@ -16671,7 +15899,7 @@
               <a:buChar char="l"/>
             </a:pPr>
             <a:r>
-              <a:rPr lang="ko-KR" altLang="en-US" sz="1500" b="1" spc="-60" dirty="0" smtClean="0">
+              <a:rPr lang="ko-KR" altLang="en-US" sz="1500" b="1" spc="-60" dirty="0">
                 <a:solidFill>
                   <a:schemeClr val="tx1">
                     <a:lumMod val="65000"/>
@@ -16682,7 +15910,7 @@
               </a:rPr>
               <a:t>베니스</a:t>
             </a:r>
-            <a:endParaRPr lang="en-US" altLang="ko-KR" sz="1500" b="1" spc="-60" dirty="0" smtClean="0">
+            <a:endParaRPr lang="en-US" altLang="ko-KR" sz="1500" b="1" spc="-60" dirty="0">
               <a:solidFill>
                 <a:schemeClr val="tx1">
                   <a:lumMod val="65000"/>
@@ -16708,7 +15936,7 @@
               <a:buChar char="l"/>
             </a:pPr>
             <a:r>
-              <a:rPr lang="en-US" altLang="ko-KR" sz="1500" b="1" spc="-60" dirty="0" smtClean="0">
+              <a:rPr lang="en-US" altLang="ko-KR" sz="1500" b="1" spc="-60" dirty="0">
                 <a:solidFill>
                   <a:schemeClr val="tx1">
                     <a:lumMod val="65000"/>
@@ -16729,29 +15957,8 @@
                 </a:solidFill>
                 <a:latin typeface="+mn-ea"/>
               </a:rPr>
-              <a:t>등</a:t>
-            </a:r>
-            <a:r>
-              <a:rPr lang="ko-KR" altLang="en-US" sz="1500" b="1" spc="-60" dirty="0" smtClean="0">
-                <a:solidFill>
-                  <a:schemeClr val="tx1">
-                    <a:lumMod val="65000"/>
-                    <a:lumOff val="35000"/>
-                  </a:schemeClr>
-                </a:solidFill>
-                <a:latin typeface="+mn-ea"/>
-              </a:rPr>
-              <a:t> </a:t>
-            </a:r>
-            <a:endParaRPr lang="ko-KR" altLang="en-US" sz="1500" b="1" spc="-60" dirty="0">
-              <a:solidFill>
-                <a:schemeClr val="tx1">
-                  <a:lumMod val="65000"/>
-                  <a:lumOff val="35000"/>
-                </a:schemeClr>
-              </a:solidFill>
-              <a:latin typeface="+mn-ea"/>
-            </a:endParaRPr>
+              <a:t>등 </a:t>
+            </a:r>
           </a:p>
         </p:txBody>
       </p:sp>
@@ -16760,7 +15967,7 @@
           <p:cNvPr id="18" name="TextBox 17">
             <a:extLst>
               <a:ext uri="{FF2B5EF4-FFF2-40B4-BE49-F238E27FC236}">
-                <a16:creationId xmlns="" xmlns:a16="http://schemas.microsoft.com/office/drawing/2014/main" id="{FADD5F63-4AF7-48AE-838F-1AA8156BB3C4}"/>
+                <a16:creationId xmlns:a16="http://schemas.microsoft.com/office/drawing/2014/main" id="{FADD5F63-4AF7-48AE-838F-1AA8156BB3C4}"/>
               </a:ext>
             </a:extLst>
           </p:cNvPr>
@@ -16802,7 +16009,7 @@
               <a:buChar char="l"/>
             </a:pPr>
             <a:r>
-              <a:rPr lang="ko-KR" altLang="en-US" sz="1500" b="1" spc="-60" smtClean="0">
+              <a:rPr lang="ko-KR" altLang="en-US" sz="1500" b="1" spc="-60">
                 <a:solidFill>
                   <a:schemeClr val="accent2"/>
                 </a:solidFill>
@@ -16810,7 +16017,7 @@
               </a:rPr>
               <a:t>친퀘데레</a:t>
             </a:r>
-            <a:endParaRPr lang="en-US" altLang="ko-KR" sz="1500" b="1" spc="-60" dirty="0" smtClean="0">
+            <a:endParaRPr lang="en-US" altLang="ko-KR" sz="1500" b="1" spc="-60" dirty="0">
               <a:solidFill>
                 <a:schemeClr val="accent2"/>
               </a:solidFill>
@@ -16884,7 +16091,7 @@
           <p:cNvPr id="20" name="TextBox 19">
             <a:extLst>
               <a:ext uri="{FF2B5EF4-FFF2-40B4-BE49-F238E27FC236}">
-                <a16:creationId xmlns="" xmlns:a16="http://schemas.microsoft.com/office/drawing/2014/main" id="{FADD5F63-4AF7-48AE-838F-1AA8156BB3C4}"/>
+                <a16:creationId xmlns:a16="http://schemas.microsoft.com/office/drawing/2014/main" id="{FADD5F63-4AF7-48AE-838F-1AA8156BB3C4}"/>
               </a:ext>
             </a:extLst>
           </p:cNvPr>
@@ -16924,7 +16131,7 @@
               <a:buSzPct val="60000"/>
             </a:pPr>
             <a:r>
-              <a:rPr lang="ko-KR" altLang="en-US" sz="1500" b="1" spc="-60" dirty="0" err="1" smtClean="0">
+              <a:rPr lang="ko-KR" altLang="en-US" sz="1500" b="1" spc="-60" dirty="0" err="1">
                 <a:solidFill>
                   <a:schemeClr val="tx1">
                     <a:lumMod val="65000"/>
@@ -16952,7 +16159,7 @@
           <p:cNvPr id="22" name="TextBox 21">
             <a:extLst>
               <a:ext uri="{FF2B5EF4-FFF2-40B4-BE49-F238E27FC236}">
-                <a16:creationId xmlns="" xmlns:a16="http://schemas.microsoft.com/office/drawing/2014/main" id="{FADD5F63-4AF7-48AE-838F-1AA8156BB3C4}"/>
+                <a16:creationId xmlns:a16="http://schemas.microsoft.com/office/drawing/2014/main" id="{FADD5F63-4AF7-48AE-838F-1AA8156BB3C4}"/>
               </a:ext>
             </a:extLst>
           </p:cNvPr>
@@ -16992,7 +16199,7 @@
               <a:buSzPct val="60000"/>
             </a:pPr>
             <a:r>
-              <a:rPr lang="en-US" altLang="ko-KR" sz="1500" b="1" spc="-60" dirty="0" smtClean="0">
+              <a:rPr lang="en-US" altLang="ko-KR" sz="1500" b="1" spc="-60" dirty="0">
                 <a:solidFill>
                   <a:schemeClr val="tx1">
                     <a:lumMod val="65000"/>
@@ -17013,21 +16220,9 @@
                 </a:solidFill>
                 <a:latin typeface="+mn-ea"/>
               </a:rPr>
-              <a:t>이탈리아 </a:t>
-            </a:r>
-            <a:r>
-              <a:rPr lang="ko-KR" altLang="en-US" sz="1500" b="1" spc="-60" dirty="0" smtClean="0">
-                <a:solidFill>
-                  <a:schemeClr val="tx1">
-                    <a:lumMod val="65000"/>
-                    <a:lumOff val="35000"/>
-                  </a:schemeClr>
-                </a:solidFill>
-                <a:latin typeface="+mn-ea"/>
-              </a:rPr>
-              <a:t>전역의 추천 도시</a:t>
-            </a:r>
-            <a:endParaRPr lang="en-US" altLang="ko-KR" sz="1500" b="1" spc="-60" dirty="0" smtClean="0">
+              <a:t>이탈리아 전역의 추천 도시</a:t>
+            </a:r>
+            <a:endParaRPr lang="en-US" altLang="ko-KR" sz="1500" b="1" spc="-60" dirty="0">
               <a:solidFill>
                 <a:schemeClr val="tx1">
                   <a:lumMod val="65000"/>
@@ -17104,7 +16299,7 @@
           <p:cNvPr id="31" name="TextBox 30">
             <a:extLst>
               <a:ext uri="{FF2B5EF4-FFF2-40B4-BE49-F238E27FC236}">
-                <a16:creationId xmlns="" xmlns:a16="http://schemas.microsoft.com/office/drawing/2014/main" id="{FADD5F63-4AF7-48AE-838F-1AA8156BB3C4}"/>
+                <a16:creationId xmlns:a16="http://schemas.microsoft.com/office/drawing/2014/main" id="{FADD5F63-4AF7-48AE-838F-1AA8156BB3C4}"/>
               </a:ext>
             </a:extLst>
           </p:cNvPr>
@@ -17144,7 +16339,7 @@
               <a:buSzPct val="60000"/>
             </a:pPr>
             <a:r>
-              <a:rPr lang="ko-KR" altLang="en-US" sz="1500" b="1" spc="-60" dirty="0" err="1" smtClean="0">
+              <a:rPr lang="ko-KR" altLang="en-US" sz="1500" b="1" spc="-60" dirty="0" err="1">
                 <a:solidFill>
                   <a:srgbClr val="7030A0"/>
                 </a:solidFill>
@@ -17364,7 +16559,7 @@
           <a:lstStyle/>
           <a:p>
             <a:r>
-              <a:rPr lang="ko-KR" altLang="en-US" sz="2400" b="1" dirty="0" smtClean="0">
+              <a:rPr lang="ko-KR" altLang="en-US" sz="2400" b="1" dirty="0">
                 <a:solidFill>
                   <a:schemeClr val="bg1"/>
                 </a:solidFill>
@@ -17372,7 +16567,7 @@
               <a:t>프로젝트 서비스 구현 </a:t>
             </a:r>
             <a:r>
-              <a:rPr lang="en-US" altLang="ko-KR" sz="2400" b="1" dirty="0" smtClean="0">
+              <a:rPr lang="en-US" altLang="ko-KR" sz="2400" b="1" dirty="0">
                 <a:solidFill>
                   <a:schemeClr val="bg1"/>
                 </a:solidFill>
@@ -17392,7 +16587,7 @@
           <p:cNvPr id="28" name="TextBox 27">
             <a:extLst>
               <a:ext uri="{FF2B5EF4-FFF2-40B4-BE49-F238E27FC236}">
-                <a16:creationId xmlns="" xmlns:a16="http://schemas.microsoft.com/office/drawing/2014/main" id="{FADD5F63-4AF7-48AE-838F-1AA8156BB3C4}"/>
+                <a16:creationId xmlns:a16="http://schemas.microsoft.com/office/drawing/2014/main" id="{FADD5F63-4AF7-48AE-838F-1AA8156BB3C4}"/>
               </a:ext>
             </a:extLst>
           </p:cNvPr>
@@ -17432,7 +16627,7 @@
               <a:buSzPct val="60000"/>
             </a:pPr>
             <a:r>
-              <a:rPr lang="en-US" altLang="ko-KR" sz="1500" b="1" spc="-60" dirty="0" smtClean="0">
+              <a:rPr lang="en-US" altLang="ko-KR" sz="1500" b="1" spc="-60" dirty="0">
                 <a:solidFill>
                   <a:schemeClr val="tx1">
                     <a:lumMod val="65000"/>
@@ -17444,7 +16639,7 @@
               <a:t>▶ </a:t>
             </a:r>
             <a:r>
-              <a:rPr lang="ko-KR" altLang="en-US" sz="1500" b="1" spc="-60" dirty="0" smtClean="0">
+              <a:rPr lang="ko-KR" altLang="en-US" sz="1500" b="1" spc="-60" dirty="0">
                 <a:solidFill>
                   <a:schemeClr val="tx1">
                     <a:lumMod val="65000"/>
@@ -17456,7 +16651,7 @@
               <a:t>앞의 추천했던 도시와 </a:t>
             </a:r>
             <a:r>
-              <a:rPr lang="ko-KR" altLang="en-US" sz="1500" b="1" spc="-60" dirty="0" smtClean="0">
+              <a:rPr lang="ko-KR" altLang="en-US" sz="1500" b="1" spc="-60" dirty="0">
                 <a:solidFill>
                   <a:srgbClr val="0070C0"/>
                 </a:solidFill>
@@ -17465,7 +16660,7 @@
               <a:t>카테고리 분류가 </a:t>
             </a:r>
             <a:r>
-              <a:rPr lang="ko-KR" altLang="en-US" sz="1500" b="1" spc="-60" dirty="0" smtClean="0">
+              <a:rPr lang="ko-KR" altLang="en-US" sz="1500" b="1" spc="-60" dirty="0">
                 <a:solidFill>
                   <a:schemeClr val="tx1">
                     <a:lumMod val="65000"/>
@@ -17476,7 +16671,7 @@
               </a:rPr>
               <a:t>비슷한 도시들을 이탈리아 전역의 도시 중에서 추천</a:t>
             </a:r>
-            <a:endParaRPr lang="en-US" altLang="ko-KR" sz="1500" b="1" spc="-60" dirty="0" smtClean="0">
+            <a:endParaRPr lang="en-US" altLang="ko-KR" sz="1500" b="1" spc="-60" dirty="0">
               <a:solidFill>
                 <a:schemeClr val="tx1">
                   <a:lumMod val="65000"/>
@@ -17498,13 +16693,6 @@
   <p:clrMapOvr>
     <a:masterClrMapping/>
   </p:clrMapOvr>
-  <p:timing>
-    <p:tnLst>
-      <p:par>
-        <p:cTn id="1" dur="indefinite" restart="never" nodeType="tmRoot"/>
-      </p:par>
-    </p:tnLst>
-  </p:timing>
 </p:sld>
 </file>
 
